--- a/MACH_and_UNIX_emulation_in_MACH.pptx
+++ b/MACH_and_UNIX_emulation_in_MACH.pptx
@@ -3,19 +3,26 @@
 <p:presentation xmlns:a="http://schemas.openxmlformats.org/drawingml/2006/main" xmlns:p="http://schemas.openxmlformats.org/presentationml/2006/main" xmlns:r="http://schemas.openxmlformats.org/officeDocument/2006/relationships">
   <p:sldMasterIdLst>
     <p:sldMasterId id="2147483648" r:id="rId2"/>
+    <p:sldMasterId id="2147483661" r:id="rId3"/>
+    <p:sldMasterId id="2147483674" r:id="rId4"/>
   </p:sldMasterIdLst>
   <p:notesMasterIdLst>
-    <p:notesMasterId r:id="rId3"/>
+    <p:notesMasterId r:id="rId5"/>
   </p:notesMasterIdLst>
   <p:sldIdLst>
-    <p:sldId id="256" r:id="rId4"/>
-    <p:sldId id="257" r:id="rId5"/>
-    <p:sldId id="258" r:id="rId6"/>
-    <p:sldId id="259" r:id="rId7"/>
-    <p:sldId id="260" r:id="rId8"/>
-    <p:sldId id="261" r:id="rId9"/>
-    <p:sldId id="262" r:id="rId10"/>
-    <p:sldId id="263" r:id="rId11"/>
+    <p:sldId id="256" r:id="rId6"/>
+    <p:sldId id="257" r:id="rId7"/>
+    <p:sldId id="258" r:id="rId8"/>
+    <p:sldId id="259" r:id="rId9"/>
+    <p:sldId id="260" r:id="rId10"/>
+    <p:sldId id="261" r:id="rId11"/>
+    <p:sldId id="262" r:id="rId12"/>
+    <p:sldId id="263" r:id="rId13"/>
+    <p:sldId id="264" r:id="rId14"/>
+    <p:sldId id="265" r:id="rId15"/>
+    <p:sldId id="266" r:id="rId16"/>
+    <p:sldId id="267" r:id="rId17"/>
+    <p:sldId id="268" r:id="rId18"/>
   </p:sldIdLst>
   <p:sldSz cx="10080625" cy="7559675"/>
   <p:notesSz cx="7772400" cy="10058400"/>
@@ -41,7 +48,7 @@
       </p:grpSpPr>
       <p:sp>
         <p:nvSpPr>
-          <p:cNvPr id="39" name="PlaceHolder 1"/>
+          <p:cNvPr id="111" name="PlaceHolder 1"/>
           <p:cNvSpPr>
             <a:spLocks noGrp="1"/>
           </p:cNvSpPr>
@@ -73,7 +80,7 @@
       </p:sp>
       <p:sp>
         <p:nvSpPr>
-          <p:cNvPr id="40" name="PlaceHolder 2"/>
+          <p:cNvPr id="112" name="PlaceHolder 2"/>
           <p:cNvSpPr>
             <a:spLocks noGrp="1"/>
           </p:cNvSpPr>
@@ -105,7 +112,7 @@
       </p:sp>
       <p:sp>
         <p:nvSpPr>
-          <p:cNvPr id="41" name="PlaceHolder 3"/>
+          <p:cNvPr id="113" name="PlaceHolder 3"/>
           <p:cNvSpPr>
             <a:spLocks noGrp="1"/>
           </p:cNvSpPr>
@@ -138,7 +145,7 @@
       </p:sp>
       <p:sp>
         <p:nvSpPr>
-          <p:cNvPr id="42" name="PlaceHolder 4"/>
+          <p:cNvPr id="114" name="PlaceHolder 4"/>
           <p:cNvSpPr>
             <a:spLocks noGrp="1"/>
           </p:cNvSpPr>
@@ -170,7 +177,7 @@
       </p:sp>
       <p:sp>
         <p:nvSpPr>
-          <p:cNvPr id="43" name="PlaceHolder 5"/>
+          <p:cNvPr id="115" name="PlaceHolder 5"/>
           <p:cNvSpPr>
             <a:spLocks noGrp="1"/>
           </p:cNvSpPr>
@@ -191,7 +198,7 @@
           <a:bodyPr lIns="0" rIns="0" tIns="0" bIns="0" anchor="b"/>
           <a:p>
             <a:pPr algn="r"/>
-            <a:fld id="{A2D12B09-1A18-4FB9-88B9-F9F4DE107F81}" type="slidenum">
+            <a:fld id="{C1CFE8DE-4B3C-4FE2-8AA1-560CC3193855}" type="slidenum">
               <a:rPr lang="en-US" sz="1400">
                 <a:latin typeface="Times New Roman"/>
               </a:rPr>
@@ -205,6 +212,44 @@
   </p:cSld>
   <p:clrMap bg1="lt1" bg2="lt2" tx1="dk1" tx2="dk2" accent1="accent1" accent2="accent2" accent3="accent3" accent4="accent4" accent5="accent5" accent6="accent6" hlink="hlink" folHlink="folHlink"/>
 </p:notesMaster>
+</file>
+
+<file path=ppt/notesSlides/notesSlide10.xml><?xml version="1.0" encoding="utf-8"?>
+<p:notes xmlns:a="http://schemas.openxmlformats.org/drawingml/2006/main" xmlns:p="http://schemas.openxmlformats.org/presentationml/2006/main" xmlns:r="http://schemas.openxmlformats.org/officeDocument/2006/relationships">
+  <p:cSld>
+    <p:spTree>
+      <p:nvGrpSpPr>
+        <p:cNvPr id="1" name=""/>
+        <p:cNvGrpSpPr/>
+        <p:nvPr/>
+      </p:nvGrpSpPr>
+      <p:grpSpPr>
+        <a:xfrm>
+          <a:off x="0" y="0"/>
+          <a:ext cx="0" cy="0"/>
+          <a:chOff x="0" y="0"/>
+          <a:chExt cx="0" cy="0"/>
+        </a:xfrm>
+      </p:grpSpPr>
+      <p:sp>
+        <p:nvSpPr>
+          <p:cNvPr id="153" name="TextShape 1"/>
+          <p:cNvSpPr txBox="1"/>
+          <p:nvPr/>
+        </p:nvSpPr>
+        <p:spPr>
+          <a:xfrm>
+            <a:off x="777240" y="4776480"/>
+            <a:ext cx="6218280" cy="4435200"/>
+          </a:xfrm>
+          <a:prstGeom prst="rect">
+            <a:avLst/>
+          </a:prstGeom>
+        </p:spPr>
+      </p:sp>
+    </p:spTree>
+  </p:cSld>
+</p:notes>
 </file>
 
 <file path=ppt/notesSlides/notesSlide2.xml><?xml version="1.0" encoding="utf-8"?>
@@ -226,14 +271,170 @@
       </p:grpSpPr>
       <p:sp>
         <p:nvSpPr>
-          <p:cNvPr id="64" name="TextShape 1"/>
+          <p:cNvPr id="148" name="CustomShape 1"/>
+          <p:cNvSpPr/>
+          <p:nvPr/>
+        </p:nvSpPr>
+        <p:spPr>
+          <a:xfrm>
+            <a:off x="777240" y="4777560"/>
+            <a:ext cx="6217560" cy="4525920"/>
+          </a:xfrm>
+          <a:prstGeom prst="rect">
+            <a:avLst/>
+          </a:prstGeom>
+          <a:noFill/>
+          <a:ln>
+            <a:noFill/>
+          </a:ln>
+        </p:spPr>
+      </p:sp>
+    </p:spTree>
+  </p:cSld>
+</p:notes>
+</file>
+
+<file path=ppt/notesSlides/notesSlide6.xml><?xml version="1.0" encoding="utf-8"?>
+<p:notes xmlns:a="http://schemas.openxmlformats.org/drawingml/2006/main" xmlns:p="http://schemas.openxmlformats.org/presentationml/2006/main" xmlns:r="http://schemas.openxmlformats.org/officeDocument/2006/relationships">
+  <p:cSld>
+    <p:spTree>
+      <p:nvGrpSpPr>
+        <p:cNvPr id="1" name=""/>
+        <p:cNvGrpSpPr/>
+        <p:nvPr/>
+      </p:nvGrpSpPr>
+      <p:grpSpPr>
+        <a:xfrm>
+          <a:off x="0" y="0"/>
+          <a:ext cx="0" cy="0"/>
+          <a:chOff x="0" y="0"/>
+          <a:chExt cx="0" cy="0"/>
+        </a:xfrm>
+      </p:grpSpPr>
+      <p:sp>
+        <p:nvSpPr>
+          <p:cNvPr id="149" name="TextShape 1"/>
           <p:cNvSpPr txBox="1"/>
           <p:nvPr/>
         </p:nvSpPr>
         <p:spPr>
           <a:xfrm>
-            <a:off x="777240" y="4777560"/>
-            <a:ext cx="6217920" cy="4526280"/>
+            <a:off x="777240" y="4776480"/>
+            <a:ext cx="6218280" cy="4435200"/>
+          </a:xfrm>
+          <a:prstGeom prst="rect">
+            <a:avLst/>
+          </a:prstGeom>
+        </p:spPr>
+      </p:sp>
+    </p:spTree>
+  </p:cSld>
+</p:notes>
+</file>
+
+<file path=ppt/notesSlides/notesSlide7.xml><?xml version="1.0" encoding="utf-8"?>
+<p:notes xmlns:a="http://schemas.openxmlformats.org/drawingml/2006/main" xmlns:p="http://schemas.openxmlformats.org/presentationml/2006/main" xmlns:r="http://schemas.openxmlformats.org/officeDocument/2006/relationships">
+  <p:cSld>
+    <p:spTree>
+      <p:nvGrpSpPr>
+        <p:cNvPr id="1" name=""/>
+        <p:cNvGrpSpPr/>
+        <p:nvPr/>
+      </p:nvGrpSpPr>
+      <p:grpSpPr>
+        <a:xfrm>
+          <a:off x="0" y="0"/>
+          <a:ext cx="0" cy="0"/>
+          <a:chOff x="0" y="0"/>
+          <a:chExt cx="0" cy="0"/>
+        </a:xfrm>
+      </p:grpSpPr>
+      <p:sp>
+        <p:nvSpPr>
+          <p:cNvPr id="150" name="TextShape 1"/>
+          <p:cNvSpPr txBox="1"/>
+          <p:nvPr/>
+        </p:nvSpPr>
+        <p:spPr>
+          <a:xfrm>
+            <a:off x="777240" y="4776480"/>
+            <a:ext cx="6218280" cy="4435200"/>
+          </a:xfrm>
+          <a:prstGeom prst="rect">
+            <a:avLst/>
+          </a:prstGeom>
+        </p:spPr>
+      </p:sp>
+    </p:spTree>
+  </p:cSld>
+</p:notes>
+</file>
+
+<file path=ppt/notesSlides/notesSlide8.xml><?xml version="1.0" encoding="utf-8"?>
+<p:notes xmlns:a="http://schemas.openxmlformats.org/drawingml/2006/main" xmlns:p="http://schemas.openxmlformats.org/presentationml/2006/main" xmlns:r="http://schemas.openxmlformats.org/officeDocument/2006/relationships">
+  <p:cSld>
+    <p:spTree>
+      <p:nvGrpSpPr>
+        <p:cNvPr id="1" name=""/>
+        <p:cNvGrpSpPr/>
+        <p:nvPr/>
+      </p:nvGrpSpPr>
+      <p:grpSpPr>
+        <a:xfrm>
+          <a:off x="0" y="0"/>
+          <a:ext cx="0" cy="0"/>
+          <a:chOff x="0" y="0"/>
+          <a:chExt cx="0" cy="0"/>
+        </a:xfrm>
+      </p:grpSpPr>
+      <p:sp>
+        <p:nvSpPr>
+          <p:cNvPr id="151" name="TextShape 1"/>
+          <p:cNvSpPr txBox="1"/>
+          <p:nvPr/>
+        </p:nvSpPr>
+        <p:spPr>
+          <a:xfrm>
+            <a:off x="777240" y="4776480"/>
+            <a:ext cx="6218280" cy="4435200"/>
+          </a:xfrm>
+          <a:prstGeom prst="rect">
+            <a:avLst/>
+          </a:prstGeom>
+        </p:spPr>
+      </p:sp>
+    </p:spTree>
+  </p:cSld>
+</p:notes>
+</file>
+
+<file path=ppt/notesSlides/notesSlide9.xml><?xml version="1.0" encoding="utf-8"?>
+<p:notes xmlns:a="http://schemas.openxmlformats.org/drawingml/2006/main" xmlns:p="http://schemas.openxmlformats.org/presentationml/2006/main" xmlns:r="http://schemas.openxmlformats.org/officeDocument/2006/relationships">
+  <p:cSld>
+    <p:spTree>
+      <p:nvGrpSpPr>
+        <p:cNvPr id="1" name=""/>
+        <p:cNvGrpSpPr/>
+        <p:nvPr/>
+      </p:nvGrpSpPr>
+      <p:grpSpPr>
+        <a:xfrm>
+          <a:off x="0" y="0"/>
+          <a:ext cx="0" cy="0"/>
+          <a:chOff x="0" y="0"/>
+          <a:chExt cx="0" cy="0"/>
+        </a:xfrm>
+      </p:grpSpPr>
+      <p:sp>
+        <p:nvSpPr>
+          <p:cNvPr id="152" name="TextShape 1"/>
+          <p:cNvSpPr txBox="1"/>
+          <p:nvPr/>
+        </p:nvSpPr>
+        <p:spPr>
+          <a:xfrm>
+            <a:off x="777240" y="4776480"/>
+            <a:ext cx="6218280" cy="4435200"/>
           </a:xfrm>
           <a:prstGeom prst="rect">
             <a:avLst/>
@@ -286,7 +487,7 @@
       </p:grpSpPr>
       <p:sp>
         <p:nvSpPr>
-          <p:cNvPr id="26" name="PlaceHolder 1"/>
+          <p:cNvPr id="23" name="PlaceHolder 1"/>
           <p:cNvSpPr>
             <a:spLocks noGrp="1"/>
           </p:cNvSpPr>
@@ -297,7 +498,7 @@
         <p:spPr>
           <a:xfrm>
             <a:off x="504000" y="301320"/>
-            <a:ext cx="9071640" cy="1262520"/>
+            <a:ext cx="9071280" cy="1262520"/>
           </a:xfrm>
           <a:prstGeom prst="rect">
             <a:avLst/>
@@ -313,7 +514,7 @@
       </p:sp>
       <p:sp>
         <p:nvSpPr>
-          <p:cNvPr id="27" name="PlaceHolder 2"/>
+          <p:cNvPr id="24" name="PlaceHolder 2"/>
           <p:cNvSpPr>
             <a:spLocks noGrp="1"/>
           </p:cNvSpPr>
@@ -324,7 +525,7 @@
         <p:spPr>
           <a:xfrm>
             <a:off x="504000" y="1769040"/>
-            <a:ext cx="9071640" cy="2091240"/>
+            <a:ext cx="9071280" cy="2090880"/>
           </a:xfrm>
           <a:prstGeom prst="rect">
             <a:avLst/>
@@ -339,7 +540,7 @@
       </p:sp>
       <p:sp>
         <p:nvSpPr>
-          <p:cNvPr id="28" name="PlaceHolder 3"/>
+          <p:cNvPr id="25" name="PlaceHolder 3"/>
           <p:cNvSpPr>
             <a:spLocks noGrp="1"/>
           </p:cNvSpPr>
@@ -349,8 +550,8 @@
         </p:nvSpPr>
         <p:spPr>
           <a:xfrm>
-            <a:off x="504000" y="4059360"/>
-            <a:ext cx="9071640" cy="2091240"/>
+            <a:off x="504000" y="4059000"/>
+            <a:ext cx="9071280" cy="2090880"/>
           </a:xfrm>
           <a:prstGeom prst="rect">
             <a:avLst/>
@@ -387,7 +588,7 @@
       </p:grpSpPr>
       <p:sp>
         <p:nvSpPr>
-          <p:cNvPr id="29" name="PlaceHolder 1"/>
+          <p:cNvPr id="26" name="PlaceHolder 1"/>
           <p:cNvSpPr>
             <a:spLocks noGrp="1"/>
           </p:cNvSpPr>
@@ -398,7 +599,7 @@
         <p:spPr>
           <a:xfrm>
             <a:off x="504000" y="301320"/>
-            <a:ext cx="9071640" cy="1262520"/>
+            <a:ext cx="9071280" cy="1262520"/>
           </a:xfrm>
           <a:prstGeom prst="rect">
             <a:avLst/>
@@ -414,7 +615,7 @@
       </p:sp>
       <p:sp>
         <p:nvSpPr>
-          <p:cNvPr id="30" name="PlaceHolder 2"/>
+          <p:cNvPr id="27" name="PlaceHolder 2"/>
           <p:cNvSpPr>
             <a:spLocks noGrp="1"/>
           </p:cNvSpPr>
@@ -425,7 +626,7 @@
         <p:spPr>
           <a:xfrm>
             <a:off x="504000" y="1769040"/>
-            <a:ext cx="4426920" cy="2091240"/>
+            <a:ext cx="4426560" cy="2090880"/>
           </a:xfrm>
           <a:prstGeom prst="rect">
             <a:avLst/>
@@ -440,7 +641,7 @@
       </p:sp>
       <p:sp>
         <p:nvSpPr>
-          <p:cNvPr id="31" name="PlaceHolder 3"/>
+          <p:cNvPr id="28" name="PlaceHolder 3"/>
           <p:cNvSpPr>
             <a:spLocks noGrp="1"/>
           </p:cNvSpPr>
@@ -450,8 +651,8 @@
         </p:nvSpPr>
         <p:spPr>
           <a:xfrm>
-            <a:off x="5152680" y="1769040"/>
-            <a:ext cx="4426920" cy="2091240"/>
+            <a:off x="5152320" y="1769040"/>
+            <a:ext cx="4426560" cy="2090880"/>
           </a:xfrm>
           <a:prstGeom prst="rect">
             <a:avLst/>
@@ -466,7 +667,7 @@
       </p:sp>
       <p:sp>
         <p:nvSpPr>
-          <p:cNvPr id="32" name="PlaceHolder 4"/>
+          <p:cNvPr id="29" name="PlaceHolder 4"/>
           <p:cNvSpPr>
             <a:spLocks noGrp="1"/>
           </p:cNvSpPr>
@@ -476,8 +677,8 @@
         </p:nvSpPr>
         <p:spPr>
           <a:xfrm>
-            <a:off x="5152680" y="4059360"/>
-            <a:ext cx="4426920" cy="2091240"/>
+            <a:off x="5152320" y="4059000"/>
+            <a:ext cx="4426560" cy="2090880"/>
           </a:xfrm>
           <a:prstGeom prst="rect">
             <a:avLst/>
@@ -492,7 +693,7 @@
       </p:sp>
       <p:sp>
         <p:nvSpPr>
-          <p:cNvPr id="33" name="PlaceHolder 5"/>
+          <p:cNvPr id="30" name="PlaceHolder 5"/>
           <p:cNvSpPr>
             <a:spLocks noGrp="1"/>
           </p:cNvSpPr>
@@ -502,8 +703,8 @@
         </p:nvSpPr>
         <p:spPr>
           <a:xfrm>
-            <a:off x="504000" y="4059360"/>
-            <a:ext cx="4426920" cy="2091240"/>
+            <a:off x="504000" y="4059000"/>
+            <a:ext cx="4426560" cy="2090880"/>
           </a:xfrm>
           <a:prstGeom prst="rect">
             <a:avLst/>
@@ -540,7 +741,7 @@
       </p:grpSpPr>
       <p:sp>
         <p:nvSpPr>
-          <p:cNvPr id="34" name="PlaceHolder 1"/>
+          <p:cNvPr id="31" name="PlaceHolder 1"/>
           <p:cNvSpPr>
             <a:spLocks noGrp="1"/>
           </p:cNvSpPr>
@@ -551,7 +752,7 @@
         <p:spPr>
           <a:xfrm>
             <a:off x="504000" y="301320"/>
-            <a:ext cx="9071640" cy="1262520"/>
+            <a:ext cx="9071280" cy="1262520"/>
           </a:xfrm>
           <a:prstGeom prst="rect">
             <a:avLst/>
@@ -567,7 +768,7 @@
       </p:sp>
       <p:sp>
         <p:nvSpPr>
-          <p:cNvPr id="35" name="PlaceHolder 2"/>
+          <p:cNvPr id="32" name="PlaceHolder 2"/>
           <p:cNvSpPr>
             <a:spLocks noGrp="1"/>
           </p:cNvSpPr>
@@ -578,7 +779,7 @@
         <p:spPr>
           <a:xfrm>
             <a:off x="504000" y="1769040"/>
-            <a:ext cx="9071640" cy="4384440"/>
+            <a:ext cx="9071280" cy="4384080"/>
           </a:xfrm>
           <a:prstGeom prst="rect">
             <a:avLst/>
@@ -593,7 +794,7 @@
       </p:sp>
       <p:sp>
         <p:nvSpPr>
-          <p:cNvPr id="36" name="PlaceHolder 3"/>
+          <p:cNvPr id="33" name="PlaceHolder 3"/>
           <p:cNvSpPr>
             <a:spLocks noGrp="1"/>
           </p:cNvSpPr>
@@ -604,7 +805,7 @@
         <p:spPr>
           <a:xfrm>
             <a:off x="504000" y="1769040"/>
-            <a:ext cx="9071640" cy="4384440"/>
+            <a:ext cx="9071280" cy="4384080"/>
           </a:xfrm>
           <a:prstGeom prst="rect">
             <a:avLst/>
@@ -619,7 +820,7 @@
       </p:sp>
       <p:pic>
         <p:nvPicPr>
-          <p:cNvPr id="37" name="" descr=""/>
+          <p:cNvPr id="34" name="" descr=""/>
           <p:cNvPicPr/>
           <p:nvPr/>
         </p:nvPicPr>
@@ -631,8 +832,8 @@
         </p:blipFill>
         <p:spPr>
           <a:xfrm>
-            <a:off x="2292120" y="1768680"/>
-            <a:ext cx="5495040" cy="4384440"/>
+            <a:off x="2292120" y="1769040"/>
+            <a:ext cx="5494680" cy="4384080"/>
           </a:xfrm>
           <a:prstGeom prst="rect">
             <a:avLst/>
@@ -644,7 +845,7 @@
       </p:pic>
       <p:pic>
         <p:nvPicPr>
-          <p:cNvPr id="38" name="" descr=""/>
+          <p:cNvPr id="35" name="" descr=""/>
           <p:cNvPicPr/>
           <p:nvPr/>
         </p:nvPicPr>
@@ -656,8 +857,8 @@
         </p:blipFill>
         <p:spPr>
           <a:xfrm>
-            <a:off x="2292120" y="1768680"/>
-            <a:ext cx="5495040" cy="4384440"/>
+            <a:off x="2292120" y="1769040"/>
+            <a:ext cx="5494680" cy="4384080"/>
           </a:xfrm>
           <a:prstGeom prst="rect">
             <a:avLst/>
@@ -667,6 +868,505 @@
           </a:ln>
         </p:spPr>
       </p:pic>
+    </p:spTree>
+  </p:cSld>
+</p:sldLayout>
+</file>
+
+<file path=ppt/slideLayouts/slideLayout13.xml><?xml version="1.0" encoding="utf-8"?>
+<p:sldLayout xmlns:a="http://schemas.openxmlformats.org/drawingml/2006/main" xmlns:p="http://schemas.openxmlformats.org/presentationml/2006/main" xmlns:r="http://schemas.openxmlformats.org/officeDocument/2006/relationships" type="blank" preserve="1">
+  <p:cSld name="Blank Slide">
+    <p:spTree>
+      <p:nvGrpSpPr>
+        <p:cNvPr id="1" name=""/>
+        <p:cNvGrpSpPr/>
+        <p:nvPr/>
+      </p:nvGrpSpPr>
+      <p:grpSpPr>
+        <a:xfrm>
+          <a:off x="0" y="0"/>
+          <a:ext cx="0" cy="0"/>
+          <a:chOff x="0" y="0"/>
+          <a:chExt cx="0" cy="0"/>
+        </a:xfrm>
+      </p:grpSpPr>
+    </p:spTree>
+  </p:cSld>
+</p:sldLayout>
+</file>
+
+<file path=ppt/slideLayouts/slideLayout14.xml><?xml version="1.0" encoding="utf-8"?>
+<p:sldLayout xmlns:a="http://schemas.openxmlformats.org/drawingml/2006/main" xmlns:p="http://schemas.openxmlformats.org/presentationml/2006/main" xmlns:r="http://schemas.openxmlformats.org/officeDocument/2006/relationships" type="tx" preserve="1">
+  <p:cSld name="Title Slide">
+    <p:spTree>
+      <p:nvGrpSpPr>
+        <p:cNvPr id="1" name=""/>
+        <p:cNvGrpSpPr/>
+        <p:nvPr/>
+      </p:nvGrpSpPr>
+      <p:grpSpPr>
+        <a:xfrm>
+          <a:off x="0" y="0"/>
+          <a:ext cx="0" cy="0"/>
+          <a:chOff x="0" y="0"/>
+          <a:chExt cx="0" cy="0"/>
+        </a:xfrm>
+      </p:grpSpPr>
+      <p:sp>
+        <p:nvSpPr>
+          <p:cNvPr id="38" name="PlaceHolder 1"/>
+          <p:cNvSpPr>
+            <a:spLocks noGrp="1"/>
+          </p:cNvSpPr>
+          <p:nvPr>
+            <p:ph type="title"/>
+          </p:nvPr>
+        </p:nvSpPr>
+        <p:spPr>
+          <a:xfrm>
+            <a:off x="504000" y="301320"/>
+            <a:ext cx="9071280" cy="1262520"/>
+          </a:xfrm>
+          <a:prstGeom prst="rect">
+            <a:avLst/>
+          </a:prstGeom>
+        </p:spPr>
+        <p:txBody>
+          <a:bodyPr lIns="0" rIns="0" tIns="0" bIns="0" anchor="ctr"/>
+          <a:p>
+            <a:pPr algn="ctr"/>
+            <a:endParaRPr/>
+          </a:p>
+        </p:txBody>
+      </p:sp>
+      <p:sp>
+        <p:nvSpPr>
+          <p:cNvPr id="39" name="PlaceHolder 2"/>
+          <p:cNvSpPr>
+            <a:spLocks noGrp="1"/>
+          </p:cNvSpPr>
+          <p:nvPr>
+            <p:ph type="subTitle"/>
+          </p:nvPr>
+        </p:nvSpPr>
+        <p:spPr>
+          <a:xfrm>
+            <a:off x="504000" y="1769040"/>
+            <a:ext cx="9071280" cy="4384440"/>
+          </a:xfrm>
+          <a:prstGeom prst="rect">
+            <a:avLst/>
+          </a:prstGeom>
+        </p:spPr>
+        <p:txBody>
+          <a:bodyPr lIns="0" rIns="0" tIns="0" bIns="0" anchor="ctr"/>
+          <a:p>
+            <a:pPr algn="ctr"/>
+            <a:endParaRPr/>
+          </a:p>
+        </p:txBody>
+      </p:sp>
+    </p:spTree>
+  </p:cSld>
+</p:sldLayout>
+</file>
+
+<file path=ppt/slideLayouts/slideLayout15.xml><?xml version="1.0" encoding="utf-8"?>
+<p:sldLayout xmlns:a="http://schemas.openxmlformats.org/drawingml/2006/main" xmlns:p="http://schemas.openxmlformats.org/presentationml/2006/main" xmlns:r="http://schemas.openxmlformats.org/officeDocument/2006/relationships" type="obj" preserve="1">
+  <p:cSld name="Title, Content">
+    <p:spTree>
+      <p:nvGrpSpPr>
+        <p:cNvPr id="1" name=""/>
+        <p:cNvGrpSpPr/>
+        <p:nvPr/>
+      </p:nvGrpSpPr>
+      <p:grpSpPr>
+        <a:xfrm>
+          <a:off x="0" y="0"/>
+          <a:ext cx="0" cy="0"/>
+          <a:chOff x="0" y="0"/>
+          <a:chExt cx="0" cy="0"/>
+        </a:xfrm>
+      </p:grpSpPr>
+      <p:sp>
+        <p:nvSpPr>
+          <p:cNvPr id="40" name="PlaceHolder 1"/>
+          <p:cNvSpPr>
+            <a:spLocks noGrp="1"/>
+          </p:cNvSpPr>
+          <p:nvPr>
+            <p:ph type="title"/>
+          </p:nvPr>
+        </p:nvSpPr>
+        <p:spPr>
+          <a:xfrm>
+            <a:off x="504000" y="301320"/>
+            <a:ext cx="9071280" cy="1262520"/>
+          </a:xfrm>
+          <a:prstGeom prst="rect">
+            <a:avLst/>
+          </a:prstGeom>
+        </p:spPr>
+        <p:txBody>
+          <a:bodyPr lIns="0" rIns="0" tIns="0" bIns="0" anchor="ctr"/>
+          <a:p>
+            <a:pPr algn="ctr"/>
+            <a:endParaRPr/>
+          </a:p>
+        </p:txBody>
+      </p:sp>
+      <p:sp>
+        <p:nvSpPr>
+          <p:cNvPr id="41" name="PlaceHolder 2"/>
+          <p:cNvSpPr>
+            <a:spLocks noGrp="1"/>
+          </p:cNvSpPr>
+          <p:nvPr>
+            <p:ph type="body"/>
+          </p:nvPr>
+        </p:nvSpPr>
+        <p:spPr>
+          <a:xfrm>
+            <a:off x="504000" y="1769040"/>
+            <a:ext cx="9071280" cy="4384080"/>
+          </a:xfrm>
+          <a:prstGeom prst="rect">
+            <a:avLst/>
+          </a:prstGeom>
+        </p:spPr>
+        <p:txBody>
+          <a:bodyPr lIns="0" rIns="0" tIns="0" bIns="0"/>
+          <a:p>
+            <a:endParaRPr/>
+          </a:p>
+        </p:txBody>
+      </p:sp>
+    </p:spTree>
+  </p:cSld>
+</p:sldLayout>
+</file>
+
+<file path=ppt/slideLayouts/slideLayout16.xml><?xml version="1.0" encoding="utf-8"?>
+<p:sldLayout xmlns:a="http://schemas.openxmlformats.org/drawingml/2006/main" xmlns:p="http://schemas.openxmlformats.org/presentationml/2006/main" xmlns:r="http://schemas.openxmlformats.org/officeDocument/2006/relationships" type="twoObj" preserve="1">
+  <p:cSld name="Title, 2 Content">
+    <p:spTree>
+      <p:nvGrpSpPr>
+        <p:cNvPr id="1" name=""/>
+        <p:cNvGrpSpPr/>
+        <p:nvPr/>
+      </p:nvGrpSpPr>
+      <p:grpSpPr>
+        <a:xfrm>
+          <a:off x="0" y="0"/>
+          <a:ext cx="0" cy="0"/>
+          <a:chOff x="0" y="0"/>
+          <a:chExt cx="0" cy="0"/>
+        </a:xfrm>
+      </p:grpSpPr>
+      <p:sp>
+        <p:nvSpPr>
+          <p:cNvPr id="42" name="PlaceHolder 1"/>
+          <p:cNvSpPr>
+            <a:spLocks noGrp="1"/>
+          </p:cNvSpPr>
+          <p:nvPr>
+            <p:ph type="title"/>
+          </p:nvPr>
+        </p:nvSpPr>
+        <p:spPr>
+          <a:xfrm>
+            <a:off x="504000" y="301320"/>
+            <a:ext cx="9071280" cy="1262520"/>
+          </a:xfrm>
+          <a:prstGeom prst="rect">
+            <a:avLst/>
+          </a:prstGeom>
+        </p:spPr>
+        <p:txBody>
+          <a:bodyPr lIns="0" rIns="0" tIns="0" bIns="0" anchor="ctr"/>
+          <a:p>
+            <a:pPr algn="ctr"/>
+            <a:endParaRPr/>
+          </a:p>
+        </p:txBody>
+      </p:sp>
+      <p:sp>
+        <p:nvSpPr>
+          <p:cNvPr id="43" name="PlaceHolder 2"/>
+          <p:cNvSpPr>
+            <a:spLocks noGrp="1"/>
+          </p:cNvSpPr>
+          <p:nvPr>
+            <p:ph type="body"/>
+          </p:nvPr>
+        </p:nvSpPr>
+        <p:spPr>
+          <a:xfrm>
+            <a:off x="504000" y="1769040"/>
+            <a:ext cx="4426560" cy="4384080"/>
+          </a:xfrm>
+          <a:prstGeom prst="rect">
+            <a:avLst/>
+          </a:prstGeom>
+        </p:spPr>
+        <p:txBody>
+          <a:bodyPr lIns="0" rIns="0" tIns="0" bIns="0"/>
+          <a:p>
+            <a:endParaRPr/>
+          </a:p>
+        </p:txBody>
+      </p:sp>
+      <p:sp>
+        <p:nvSpPr>
+          <p:cNvPr id="44" name="PlaceHolder 3"/>
+          <p:cNvSpPr>
+            <a:spLocks noGrp="1"/>
+          </p:cNvSpPr>
+          <p:nvPr>
+            <p:ph type="body"/>
+          </p:nvPr>
+        </p:nvSpPr>
+        <p:spPr>
+          <a:xfrm>
+            <a:off x="5152320" y="1769040"/>
+            <a:ext cx="4426560" cy="4384080"/>
+          </a:xfrm>
+          <a:prstGeom prst="rect">
+            <a:avLst/>
+          </a:prstGeom>
+        </p:spPr>
+        <p:txBody>
+          <a:bodyPr lIns="0" rIns="0" tIns="0" bIns="0"/>
+          <a:p>
+            <a:endParaRPr/>
+          </a:p>
+        </p:txBody>
+      </p:sp>
+    </p:spTree>
+  </p:cSld>
+</p:sldLayout>
+</file>
+
+<file path=ppt/slideLayouts/slideLayout17.xml><?xml version="1.0" encoding="utf-8"?>
+<p:sldLayout xmlns:a="http://schemas.openxmlformats.org/drawingml/2006/main" xmlns:p="http://schemas.openxmlformats.org/presentationml/2006/main" xmlns:r="http://schemas.openxmlformats.org/officeDocument/2006/relationships" type="titleOnly" preserve="1">
+  <p:cSld name="Title Only">
+    <p:spTree>
+      <p:nvGrpSpPr>
+        <p:cNvPr id="1" name=""/>
+        <p:cNvGrpSpPr/>
+        <p:nvPr/>
+      </p:nvGrpSpPr>
+      <p:grpSpPr>
+        <a:xfrm>
+          <a:off x="0" y="0"/>
+          <a:ext cx="0" cy="0"/>
+          <a:chOff x="0" y="0"/>
+          <a:chExt cx="0" cy="0"/>
+        </a:xfrm>
+      </p:grpSpPr>
+      <p:sp>
+        <p:nvSpPr>
+          <p:cNvPr id="45" name="PlaceHolder 1"/>
+          <p:cNvSpPr>
+            <a:spLocks noGrp="1"/>
+          </p:cNvSpPr>
+          <p:nvPr>
+            <p:ph type="title"/>
+          </p:nvPr>
+        </p:nvSpPr>
+        <p:spPr>
+          <a:xfrm>
+            <a:off x="504000" y="301320"/>
+            <a:ext cx="9071280" cy="1262520"/>
+          </a:xfrm>
+          <a:prstGeom prst="rect">
+            <a:avLst/>
+          </a:prstGeom>
+        </p:spPr>
+        <p:txBody>
+          <a:bodyPr lIns="0" rIns="0" tIns="0" bIns="0" anchor="ctr"/>
+          <a:p>
+            <a:pPr algn="ctr"/>
+            <a:endParaRPr/>
+          </a:p>
+        </p:txBody>
+      </p:sp>
+    </p:spTree>
+  </p:cSld>
+</p:sldLayout>
+</file>
+
+<file path=ppt/slideLayouts/slideLayout18.xml><?xml version="1.0" encoding="utf-8"?>
+<p:sldLayout xmlns:a="http://schemas.openxmlformats.org/drawingml/2006/main" xmlns:p="http://schemas.openxmlformats.org/presentationml/2006/main" xmlns:r="http://schemas.openxmlformats.org/officeDocument/2006/relationships" type="objOnly" preserve="1">
+  <p:cSld name="Centered Text">
+    <p:spTree>
+      <p:nvGrpSpPr>
+        <p:cNvPr id="1" name=""/>
+        <p:cNvGrpSpPr/>
+        <p:nvPr/>
+      </p:nvGrpSpPr>
+      <p:grpSpPr>
+        <a:xfrm>
+          <a:off x="0" y="0"/>
+          <a:ext cx="0" cy="0"/>
+          <a:chOff x="0" y="0"/>
+          <a:chExt cx="0" cy="0"/>
+        </a:xfrm>
+      </p:grpSpPr>
+      <p:sp>
+        <p:nvSpPr>
+          <p:cNvPr id="46" name="PlaceHolder 1"/>
+          <p:cNvSpPr>
+            <a:spLocks noGrp="1"/>
+          </p:cNvSpPr>
+          <p:nvPr>
+            <p:ph type="subTitle"/>
+          </p:nvPr>
+        </p:nvSpPr>
+        <p:spPr>
+          <a:xfrm>
+            <a:off x="504000" y="301320"/>
+            <a:ext cx="9071280" cy="5852160"/>
+          </a:xfrm>
+          <a:prstGeom prst="rect">
+            <a:avLst/>
+          </a:prstGeom>
+        </p:spPr>
+        <p:txBody>
+          <a:bodyPr lIns="0" rIns="0" tIns="0" bIns="0" anchor="ctr"/>
+          <a:p>
+            <a:pPr algn="ctr"/>
+            <a:endParaRPr/>
+          </a:p>
+        </p:txBody>
+      </p:sp>
+    </p:spTree>
+  </p:cSld>
+</p:sldLayout>
+</file>
+
+<file path=ppt/slideLayouts/slideLayout19.xml><?xml version="1.0" encoding="utf-8"?>
+<p:sldLayout xmlns:a="http://schemas.openxmlformats.org/drawingml/2006/main" xmlns:p="http://schemas.openxmlformats.org/presentationml/2006/main" xmlns:r="http://schemas.openxmlformats.org/officeDocument/2006/relationships" type="twoObjAndObj" preserve="1">
+  <p:cSld name="Title, 2 Content and Content">
+    <p:spTree>
+      <p:nvGrpSpPr>
+        <p:cNvPr id="1" name=""/>
+        <p:cNvGrpSpPr/>
+        <p:nvPr/>
+      </p:nvGrpSpPr>
+      <p:grpSpPr>
+        <a:xfrm>
+          <a:off x="0" y="0"/>
+          <a:ext cx="0" cy="0"/>
+          <a:chOff x="0" y="0"/>
+          <a:chExt cx="0" cy="0"/>
+        </a:xfrm>
+      </p:grpSpPr>
+      <p:sp>
+        <p:nvSpPr>
+          <p:cNvPr id="47" name="PlaceHolder 1"/>
+          <p:cNvSpPr>
+            <a:spLocks noGrp="1"/>
+          </p:cNvSpPr>
+          <p:nvPr>
+            <p:ph type="title"/>
+          </p:nvPr>
+        </p:nvSpPr>
+        <p:spPr>
+          <a:xfrm>
+            <a:off x="504000" y="301320"/>
+            <a:ext cx="9071280" cy="1262520"/>
+          </a:xfrm>
+          <a:prstGeom prst="rect">
+            <a:avLst/>
+          </a:prstGeom>
+        </p:spPr>
+        <p:txBody>
+          <a:bodyPr lIns="0" rIns="0" tIns="0" bIns="0" anchor="ctr"/>
+          <a:p>
+            <a:pPr algn="ctr"/>
+            <a:endParaRPr/>
+          </a:p>
+        </p:txBody>
+      </p:sp>
+      <p:sp>
+        <p:nvSpPr>
+          <p:cNvPr id="48" name="PlaceHolder 2"/>
+          <p:cNvSpPr>
+            <a:spLocks noGrp="1"/>
+          </p:cNvSpPr>
+          <p:nvPr>
+            <p:ph type="body"/>
+          </p:nvPr>
+        </p:nvSpPr>
+        <p:spPr>
+          <a:xfrm>
+            <a:off x="504000" y="1769040"/>
+            <a:ext cx="4426560" cy="2090880"/>
+          </a:xfrm>
+          <a:prstGeom prst="rect">
+            <a:avLst/>
+          </a:prstGeom>
+        </p:spPr>
+        <p:txBody>
+          <a:bodyPr lIns="0" rIns="0" tIns="0" bIns="0"/>
+          <a:p>
+            <a:endParaRPr/>
+          </a:p>
+        </p:txBody>
+      </p:sp>
+      <p:sp>
+        <p:nvSpPr>
+          <p:cNvPr id="49" name="PlaceHolder 3"/>
+          <p:cNvSpPr>
+            <a:spLocks noGrp="1"/>
+          </p:cNvSpPr>
+          <p:nvPr>
+            <p:ph type="body"/>
+          </p:nvPr>
+        </p:nvSpPr>
+        <p:spPr>
+          <a:xfrm>
+            <a:off x="504000" y="4059000"/>
+            <a:ext cx="4426560" cy="2090880"/>
+          </a:xfrm>
+          <a:prstGeom prst="rect">
+            <a:avLst/>
+          </a:prstGeom>
+        </p:spPr>
+        <p:txBody>
+          <a:bodyPr lIns="0" rIns="0" tIns="0" bIns="0"/>
+          <a:p>
+            <a:endParaRPr/>
+          </a:p>
+        </p:txBody>
+      </p:sp>
+      <p:sp>
+        <p:nvSpPr>
+          <p:cNvPr id="50" name="PlaceHolder 4"/>
+          <p:cNvSpPr>
+            <a:spLocks noGrp="1"/>
+          </p:cNvSpPr>
+          <p:nvPr>
+            <p:ph type="body"/>
+          </p:nvPr>
+        </p:nvSpPr>
+        <p:spPr>
+          <a:xfrm>
+            <a:off x="5152320" y="1769040"/>
+            <a:ext cx="4426560" cy="4384080"/>
+          </a:xfrm>
+          <a:prstGeom prst="rect">
+            <a:avLst/>
+          </a:prstGeom>
+        </p:spPr>
+        <p:txBody>
+          <a:bodyPr lIns="0" rIns="0" tIns="0" bIns="0"/>
+          <a:p>
+            <a:endParaRPr/>
+          </a:p>
+        </p:txBody>
+      </p:sp>
     </p:spTree>
   </p:cSld>
 </p:sldLayout>
@@ -691,7 +1391,7 @@
       </p:grpSpPr>
       <p:sp>
         <p:nvSpPr>
-          <p:cNvPr id="5" name="PlaceHolder 1"/>
+          <p:cNvPr id="2" name="PlaceHolder 1"/>
           <p:cNvSpPr>
             <a:spLocks noGrp="1"/>
           </p:cNvSpPr>
@@ -702,7 +1402,7 @@
         <p:spPr>
           <a:xfrm>
             <a:off x="504000" y="301320"/>
-            <a:ext cx="9071640" cy="1262520"/>
+            <a:ext cx="9071280" cy="1262520"/>
           </a:xfrm>
           <a:prstGeom prst="rect">
             <a:avLst/>
@@ -718,7 +1418,7 @@
       </p:sp>
       <p:sp>
         <p:nvSpPr>
-          <p:cNvPr id="6" name="PlaceHolder 2"/>
+          <p:cNvPr id="3" name="PlaceHolder 2"/>
           <p:cNvSpPr>
             <a:spLocks noGrp="1"/>
           </p:cNvSpPr>
@@ -729,7 +1429,989 @@
         <p:spPr>
           <a:xfrm>
             <a:off x="504000" y="1769040"/>
-            <a:ext cx="9071640" cy="4384800"/>
+            <a:ext cx="9071280" cy="4384440"/>
+          </a:xfrm>
+          <a:prstGeom prst="rect">
+            <a:avLst/>
+          </a:prstGeom>
+        </p:spPr>
+        <p:txBody>
+          <a:bodyPr lIns="0" rIns="0" tIns="0" bIns="0" anchor="ctr"/>
+          <a:p>
+            <a:pPr algn="ctr"/>
+            <a:endParaRPr/>
+          </a:p>
+        </p:txBody>
+      </p:sp>
+    </p:spTree>
+  </p:cSld>
+</p:sldLayout>
+</file>
+
+<file path=ppt/slideLayouts/slideLayout20.xml><?xml version="1.0" encoding="utf-8"?>
+<p:sldLayout xmlns:a="http://schemas.openxmlformats.org/drawingml/2006/main" xmlns:p="http://schemas.openxmlformats.org/presentationml/2006/main" xmlns:r="http://schemas.openxmlformats.org/officeDocument/2006/relationships" type="objAndTwoObj" preserve="1">
+  <p:cSld name="Title Content and 2 Content">
+    <p:spTree>
+      <p:nvGrpSpPr>
+        <p:cNvPr id="1" name=""/>
+        <p:cNvGrpSpPr/>
+        <p:nvPr/>
+      </p:nvGrpSpPr>
+      <p:grpSpPr>
+        <a:xfrm>
+          <a:off x="0" y="0"/>
+          <a:ext cx="0" cy="0"/>
+          <a:chOff x="0" y="0"/>
+          <a:chExt cx="0" cy="0"/>
+        </a:xfrm>
+      </p:grpSpPr>
+      <p:sp>
+        <p:nvSpPr>
+          <p:cNvPr id="51" name="PlaceHolder 1"/>
+          <p:cNvSpPr>
+            <a:spLocks noGrp="1"/>
+          </p:cNvSpPr>
+          <p:nvPr>
+            <p:ph type="title"/>
+          </p:nvPr>
+        </p:nvSpPr>
+        <p:spPr>
+          <a:xfrm>
+            <a:off x="504000" y="301320"/>
+            <a:ext cx="9071280" cy="1262520"/>
+          </a:xfrm>
+          <a:prstGeom prst="rect">
+            <a:avLst/>
+          </a:prstGeom>
+        </p:spPr>
+        <p:txBody>
+          <a:bodyPr lIns="0" rIns="0" tIns="0" bIns="0" anchor="ctr"/>
+          <a:p>
+            <a:pPr algn="ctr"/>
+            <a:endParaRPr/>
+          </a:p>
+        </p:txBody>
+      </p:sp>
+      <p:sp>
+        <p:nvSpPr>
+          <p:cNvPr id="52" name="PlaceHolder 2"/>
+          <p:cNvSpPr>
+            <a:spLocks noGrp="1"/>
+          </p:cNvSpPr>
+          <p:nvPr>
+            <p:ph type="body"/>
+          </p:nvPr>
+        </p:nvSpPr>
+        <p:spPr>
+          <a:xfrm>
+            <a:off x="504000" y="1769040"/>
+            <a:ext cx="4426560" cy="4384080"/>
+          </a:xfrm>
+          <a:prstGeom prst="rect">
+            <a:avLst/>
+          </a:prstGeom>
+        </p:spPr>
+        <p:txBody>
+          <a:bodyPr lIns="0" rIns="0" tIns="0" bIns="0"/>
+          <a:p>
+            <a:endParaRPr/>
+          </a:p>
+        </p:txBody>
+      </p:sp>
+      <p:sp>
+        <p:nvSpPr>
+          <p:cNvPr id="53" name="PlaceHolder 3"/>
+          <p:cNvSpPr>
+            <a:spLocks noGrp="1"/>
+          </p:cNvSpPr>
+          <p:nvPr>
+            <p:ph type="body"/>
+          </p:nvPr>
+        </p:nvSpPr>
+        <p:spPr>
+          <a:xfrm>
+            <a:off x="5152320" y="1769040"/>
+            <a:ext cx="4426560" cy="2090880"/>
+          </a:xfrm>
+          <a:prstGeom prst="rect">
+            <a:avLst/>
+          </a:prstGeom>
+        </p:spPr>
+        <p:txBody>
+          <a:bodyPr lIns="0" rIns="0" tIns="0" bIns="0"/>
+          <a:p>
+            <a:endParaRPr/>
+          </a:p>
+        </p:txBody>
+      </p:sp>
+      <p:sp>
+        <p:nvSpPr>
+          <p:cNvPr id="54" name="PlaceHolder 4"/>
+          <p:cNvSpPr>
+            <a:spLocks noGrp="1"/>
+          </p:cNvSpPr>
+          <p:nvPr>
+            <p:ph type="body"/>
+          </p:nvPr>
+        </p:nvSpPr>
+        <p:spPr>
+          <a:xfrm>
+            <a:off x="5152320" y="4059000"/>
+            <a:ext cx="4426560" cy="2090880"/>
+          </a:xfrm>
+          <a:prstGeom prst="rect">
+            <a:avLst/>
+          </a:prstGeom>
+        </p:spPr>
+        <p:txBody>
+          <a:bodyPr lIns="0" rIns="0" tIns="0" bIns="0"/>
+          <a:p>
+            <a:endParaRPr/>
+          </a:p>
+        </p:txBody>
+      </p:sp>
+    </p:spTree>
+  </p:cSld>
+</p:sldLayout>
+</file>
+
+<file path=ppt/slideLayouts/slideLayout21.xml><?xml version="1.0" encoding="utf-8"?>
+<p:sldLayout xmlns:a="http://schemas.openxmlformats.org/drawingml/2006/main" xmlns:p="http://schemas.openxmlformats.org/presentationml/2006/main" xmlns:r="http://schemas.openxmlformats.org/officeDocument/2006/relationships" type="twoObjOverTx" preserve="1">
+  <p:cSld name="Title, 2 Content over Content">
+    <p:spTree>
+      <p:nvGrpSpPr>
+        <p:cNvPr id="1" name=""/>
+        <p:cNvGrpSpPr/>
+        <p:nvPr/>
+      </p:nvGrpSpPr>
+      <p:grpSpPr>
+        <a:xfrm>
+          <a:off x="0" y="0"/>
+          <a:ext cx="0" cy="0"/>
+          <a:chOff x="0" y="0"/>
+          <a:chExt cx="0" cy="0"/>
+        </a:xfrm>
+      </p:grpSpPr>
+      <p:sp>
+        <p:nvSpPr>
+          <p:cNvPr id="55" name="PlaceHolder 1"/>
+          <p:cNvSpPr>
+            <a:spLocks noGrp="1"/>
+          </p:cNvSpPr>
+          <p:nvPr>
+            <p:ph type="title"/>
+          </p:nvPr>
+        </p:nvSpPr>
+        <p:spPr>
+          <a:xfrm>
+            <a:off x="504000" y="301320"/>
+            <a:ext cx="9071280" cy="1262520"/>
+          </a:xfrm>
+          <a:prstGeom prst="rect">
+            <a:avLst/>
+          </a:prstGeom>
+        </p:spPr>
+        <p:txBody>
+          <a:bodyPr lIns="0" rIns="0" tIns="0" bIns="0" anchor="ctr"/>
+          <a:p>
+            <a:pPr algn="ctr"/>
+            <a:endParaRPr/>
+          </a:p>
+        </p:txBody>
+      </p:sp>
+      <p:sp>
+        <p:nvSpPr>
+          <p:cNvPr id="56" name="PlaceHolder 2"/>
+          <p:cNvSpPr>
+            <a:spLocks noGrp="1"/>
+          </p:cNvSpPr>
+          <p:nvPr>
+            <p:ph type="body"/>
+          </p:nvPr>
+        </p:nvSpPr>
+        <p:spPr>
+          <a:xfrm>
+            <a:off x="504000" y="1769040"/>
+            <a:ext cx="4426560" cy="2090880"/>
+          </a:xfrm>
+          <a:prstGeom prst="rect">
+            <a:avLst/>
+          </a:prstGeom>
+        </p:spPr>
+        <p:txBody>
+          <a:bodyPr lIns="0" rIns="0" tIns="0" bIns="0"/>
+          <a:p>
+            <a:endParaRPr/>
+          </a:p>
+        </p:txBody>
+      </p:sp>
+      <p:sp>
+        <p:nvSpPr>
+          <p:cNvPr id="57" name="PlaceHolder 3"/>
+          <p:cNvSpPr>
+            <a:spLocks noGrp="1"/>
+          </p:cNvSpPr>
+          <p:nvPr>
+            <p:ph type="body"/>
+          </p:nvPr>
+        </p:nvSpPr>
+        <p:spPr>
+          <a:xfrm>
+            <a:off x="5152320" y="1769040"/>
+            <a:ext cx="4426560" cy="2090880"/>
+          </a:xfrm>
+          <a:prstGeom prst="rect">
+            <a:avLst/>
+          </a:prstGeom>
+        </p:spPr>
+        <p:txBody>
+          <a:bodyPr lIns="0" rIns="0" tIns="0" bIns="0"/>
+          <a:p>
+            <a:endParaRPr/>
+          </a:p>
+        </p:txBody>
+      </p:sp>
+      <p:sp>
+        <p:nvSpPr>
+          <p:cNvPr id="58" name="PlaceHolder 4"/>
+          <p:cNvSpPr>
+            <a:spLocks noGrp="1"/>
+          </p:cNvSpPr>
+          <p:nvPr>
+            <p:ph type="body"/>
+          </p:nvPr>
+        </p:nvSpPr>
+        <p:spPr>
+          <a:xfrm>
+            <a:off x="504000" y="4059000"/>
+            <a:ext cx="9071280" cy="2090880"/>
+          </a:xfrm>
+          <a:prstGeom prst="rect">
+            <a:avLst/>
+          </a:prstGeom>
+        </p:spPr>
+        <p:txBody>
+          <a:bodyPr lIns="0" rIns="0" tIns="0" bIns="0"/>
+          <a:p>
+            <a:endParaRPr/>
+          </a:p>
+        </p:txBody>
+      </p:sp>
+    </p:spTree>
+  </p:cSld>
+</p:sldLayout>
+</file>
+
+<file path=ppt/slideLayouts/slideLayout22.xml><?xml version="1.0" encoding="utf-8"?>
+<p:sldLayout xmlns:a="http://schemas.openxmlformats.org/drawingml/2006/main" xmlns:p="http://schemas.openxmlformats.org/presentationml/2006/main" xmlns:r="http://schemas.openxmlformats.org/officeDocument/2006/relationships" type="objOverTx" preserve="1">
+  <p:cSld name="Title, Content over Content">
+    <p:spTree>
+      <p:nvGrpSpPr>
+        <p:cNvPr id="1" name=""/>
+        <p:cNvGrpSpPr/>
+        <p:nvPr/>
+      </p:nvGrpSpPr>
+      <p:grpSpPr>
+        <a:xfrm>
+          <a:off x="0" y="0"/>
+          <a:ext cx="0" cy="0"/>
+          <a:chOff x="0" y="0"/>
+          <a:chExt cx="0" cy="0"/>
+        </a:xfrm>
+      </p:grpSpPr>
+      <p:sp>
+        <p:nvSpPr>
+          <p:cNvPr id="59" name="PlaceHolder 1"/>
+          <p:cNvSpPr>
+            <a:spLocks noGrp="1"/>
+          </p:cNvSpPr>
+          <p:nvPr>
+            <p:ph type="title"/>
+          </p:nvPr>
+        </p:nvSpPr>
+        <p:spPr>
+          <a:xfrm>
+            <a:off x="504000" y="301320"/>
+            <a:ext cx="9071280" cy="1262520"/>
+          </a:xfrm>
+          <a:prstGeom prst="rect">
+            <a:avLst/>
+          </a:prstGeom>
+        </p:spPr>
+        <p:txBody>
+          <a:bodyPr lIns="0" rIns="0" tIns="0" bIns="0" anchor="ctr"/>
+          <a:p>
+            <a:pPr algn="ctr"/>
+            <a:endParaRPr/>
+          </a:p>
+        </p:txBody>
+      </p:sp>
+      <p:sp>
+        <p:nvSpPr>
+          <p:cNvPr id="60" name="PlaceHolder 2"/>
+          <p:cNvSpPr>
+            <a:spLocks noGrp="1"/>
+          </p:cNvSpPr>
+          <p:nvPr>
+            <p:ph type="body"/>
+          </p:nvPr>
+        </p:nvSpPr>
+        <p:spPr>
+          <a:xfrm>
+            <a:off x="504000" y="1769040"/>
+            <a:ext cx="9071280" cy="2090880"/>
+          </a:xfrm>
+          <a:prstGeom prst="rect">
+            <a:avLst/>
+          </a:prstGeom>
+        </p:spPr>
+        <p:txBody>
+          <a:bodyPr lIns="0" rIns="0" tIns="0" bIns="0"/>
+          <a:p>
+            <a:endParaRPr/>
+          </a:p>
+        </p:txBody>
+      </p:sp>
+      <p:sp>
+        <p:nvSpPr>
+          <p:cNvPr id="61" name="PlaceHolder 3"/>
+          <p:cNvSpPr>
+            <a:spLocks noGrp="1"/>
+          </p:cNvSpPr>
+          <p:nvPr>
+            <p:ph type="body"/>
+          </p:nvPr>
+        </p:nvSpPr>
+        <p:spPr>
+          <a:xfrm>
+            <a:off x="504000" y="4059000"/>
+            <a:ext cx="9071280" cy="2090880"/>
+          </a:xfrm>
+          <a:prstGeom prst="rect">
+            <a:avLst/>
+          </a:prstGeom>
+        </p:spPr>
+        <p:txBody>
+          <a:bodyPr lIns="0" rIns="0" tIns="0" bIns="0"/>
+          <a:p>
+            <a:endParaRPr/>
+          </a:p>
+        </p:txBody>
+      </p:sp>
+    </p:spTree>
+  </p:cSld>
+</p:sldLayout>
+</file>
+
+<file path=ppt/slideLayouts/slideLayout23.xml><?xml version="1.0" encoding="utf-8"?>
+<p:sldLayout xmlns:a="http://schemas.openxmlformats.org/drawingml/2006/main" xmlns:p="http://schemas.openxmlformats.org/presentationml/2006/main" xmlns:r="http://schemas.openxmlformats.org/officeDocument/2006/relationships" type="fourObj" preserve="1">
+  <p:cSld name="Title, 4 Content">
+    <p:spTree>
+      <p:nvGrpSpPr>
+        <p:cNvPr id="1" name=""/>
+        <p:cNvGrpSpPr/>
+        <p:nvPr/>
+      </p:nvGrpSpPr>
+      <p:grpSpPr>
+        <a:xfrm>
+          <a:off x="0" y="0"/>
+          <a:ext cx="0" cy="0"/>
+          <a:chOff x="0" y="0"/>
+          <a:chExt cx="0" cy="0"/>
+        </a:xfrm>
+      </p:grpSpPr>
+      <p:sp>
+        <p:nvSpPr>
+          <p:cNvPr id="62" name="PlaceHolder 1"/>
+          <p:cNvSpPr>
+            <a:spLocks noGrp="1"/>
+          </p:cNvSpPr>
+          <p:nvPr>
+            <p:ph type="title"/>
+          </p:nvPr>
+        </p:nvSpPr>
+        <p:spPr>
+          <a:xfrm>
+            <a:off x="504000" y="301320"/>
+            <a:ext cx="9071280" cy="1262520"/>
+          </a:xfrm>
+          <a:prstGeom prst="rect">
+            <a:avLst/>
+          </a:prstGeom>
+        </p:spPr>
+        <p:txBody>
+          <a:bodyPr lIns="0" rIns="0" tIns="0" bIns="0" anchor="ctr"/>
+          <a:p>
+            <a:pPr algn="ctr"/>
+            <a:endParaRPr/>
+          </a:p>
+        </p:txBody>
+      </p:sp>
+      <p:sp>
+        <p:nvSpPr>
+          <p:cNvPr id="63" name="PlaceHolder 2"/>
+          <p:cNvSpPr>
+            <a:spLocks noGrp="1"/>
+          </p:cNvSpPr>
+          <p:nvPr>
+            <p:ph type="body"/>
+          </p:nvPr>
+        </p:nvSpPr>
+        <p:spPr>
+          <a:xfrm>
+            <a:off x="504000" y="1769040"/>
+            <a:ext cx="4426560" cy="2090880"/>
+          </a:xfrm>
+          <a:prstGeom prst="rect">
+            <a:avLst/>
+          </a:prstGeom>
+        </p:spPr>
+        <p:txBody>
+          <a:bodyPr lIns="0" rIns="0" tIns="0" bIns="0"/>
+          <a:p>
+            <a:endParaRPr/>
+          </a:p>
+        </p:txBody>
+      </p:sp>
+      <p:sp>
+        <p:nvSpPr>
+          <p:cNvPr id="64" name="PlaceHolder 3"/>
+          <p:cNvSpPr>
+            <a:spLocks noGrp="1"/>
+          </p:cNvSpPr>
+          <p:nvPr>
+            <p:ph type="body"/>
+          </p:nvPr>
+        </p:nvSpPr>
+        <p:spPr>
+          <a:xfrm>
+            <a:off x="5152320" y="1769040"/>
+            <a:ext cx="4426560" cy="2090880"/>
+          </a:xfrm>
+          <a:prstGeom prst="rect">
+            <a:avLst/>
+          </a:prstGeom>
+        </p:spPr>
+        <p:txBody>
+          <a:bodyPr lIns="0" rIns="0" tIns="0" bIns="0"/>
+          <a:p>
+            <a:endParaRPr/>
+          </a:p>
+        </p:txBody>
+      </p:sp>
+      <p:sp>
+        <p:nvSpPr>
+          <p:cNvPr id="65" name="PlaceHolder 4"/>
+          <p:cNvSpPr>
+            <a:spLocks noGrp="1"/>
+          </p:cNvSpPr>
+          <p:nvPr>
+            <p:ph type="body"/>
+          </p:nvPr>
+        </p:nvSpPr>
+        <p:spPr>
+          <a:xfrm>
+            <a:off x="5152320" y="4059000"/>
+            <a:ext cx="4426560" cy="2090880"/>
+          </a:xfrm>
+          <a:prstGeom prst="rect">
+            <a:avLst/>
+          </a:prstGeom>
+        </p:spPr>
+        <p:txBody>
+          <a:bodyPr lIns="0" rIns="0" tIns="0" bIns="0"/>
+          <a:p>
+            <a:endParaRPr/>
+          </a:p>
+        </p:txBody>
+      </p:sp>
+      <p:sp>
+        <p:nvSpPr>
+          <p:cNvPr id="66" name="PlaceHolder 5"/>
+          <p:cNvSpPr>
+            <a:spLocks noGrp="1"/>
+          </p:cNvSpPr>
+          <p:nvPr>
+            <p:ph type="body"/>
+          </p:nvPr>
+        </p:nvSpPr>
+        <p:spPr>
+          <a:xfrm>
+            <a:off x="504000" y="4059000"/>
+            <a:ext cx="4426560" cy="2090880"/>
+          </a:xfrm>
+          <a:prstGeom prst="rect">
+            <a:avLst/>
+          </a:prstGeom>
+        </p:spPr>
+        <p:txBody>
+          <a:bodyPr lIns="0" rIns="0" tIns="0" bIns="0"/>
+          <a:p>
+            <a:endParaRPr/>
+          </a:p>
+        </p:txBody>
+      </p:sp>
+    </p:spTree>
+  </p:cSld>
+</p:sldLayout>
+</file>
+
+<file path=ppt/slideLayouts/slideLayout24.xml><?xml version="1.0" encoding="utf-8"?>
+<p:sldLayout xmlns:a="http://schemas.openxmlformats.org/drawingml/2006/main" xmlns:p="http://schemas.openxmlformats.org/presentationml/2006/main" xmlns:r="http://schemas.openxmlformats.org/officeDocument/2006/relationships" type="blank" preserve="1">
+  <p:cSld name="Title, 6 Content">
+    <p:spTree>
+      <p:nvGrpSpPr>
+        <p:cNvPr id="1" name=""/>
+        <p:cNvGrpSpPr/>
+        <p:nvPr/>
+      </p:nvGrpSpPr>
+      <p:grpSpPr>
+        <a:xfrm>
+          <a:off x="0" y="0"/>
+          <a:ext cx="0" cy="0"/>
+          <a:chOff x="0" y="0"/>
+          <a:chExt cx="0" cy="0"/>
+        </a:xfrm>
+      </p:grpSpPr>
+      <p:sp>
+        <p:nvSpPr>
+          <p:cNvPr id="67" name="PlaceHolder 1"/>
+          <p:cNvSpPr>
+            <a:spLocks noGrp="1"/>
+          </p:cNvSpPr>
+          <p:nvPr>
+            <p:ph type="title"/>
+          </p:nvPr>
+        </p:nvSpPr>
+        <p:spPr>
+          <a:xfrm>
+            <a:off x="504000" y="301320"/>
+            <a:ext cx="9071280" cy="1262520"/>
+          </a:xfrm>
+          <a:prstGeom prst="rect">
+            <a:avLst/>
+          </a:prstGeom>
+        </p:spPr>
+        <p:txBody>
+          <a:bodyPr lIns="0" rIns="0" tIns="0" bIns="0" anchor="ctr"/>
+          <a:p>
+            <a:pPr algn="ctr"/>
+            <a:endParaRPr/>
+          </a:p>
+        </p:txBody>
+      </p:sp>
+      <p:sp>
+        <p:nvSpPr>
+          <p:cNvPr id="68" name="PlaceHolder 2"/>
+          <p:cNvSpPr>
+            <a:spLocks noGrp="1"/>
+          </p:cNvSpPr>
+          <p:nvPr>
+            <p:ph type="body"/>
+          </p:nvPr>
+        </p:nvSpPr>
+        <p:spPr>
+          <a:xfrm>
+            <a:off x="504000" y="1769040"/>
+            <a:ext cx="9071280" cy="4384080"/>
+          </a:xfrm>
+          <a:prstGeom prst="rect">
+            <a:avLst/>
+          </a:prstGeom>
+        </p:spPr>
+        <p:txBody>
+          <a:bodyPr lIns="0" rIns="0" tIns="0" bIns="0"/>
+          <a:p>
+            <a:endParaRPr/>
+          </a:p>
+        </p:txBody>
+      </p:sp>
+      <p:sp>
+        <p:nvSpPr>
+          <p:cNvPr id="69" name="PlaceHolder 3"/>
+          <p:cNvSpPr>
+            <a:spLocks noGrp="1"/>
+          </p:cNvSpPr>
+          <p:nvPr>
+            <p:ph type="body"/>
+          </p:nvPr>
+        </p:nvSpPr>
+        <p:spPr>
+          <a:xfrm>
+            <a:off x="504000" y="1769040"/>
+            <a:ext cx="9071280" cy="4384080"/>
+          </a:xfrm>
+          <a:prstGeom prst="rect">
+            <a:avLst/>
+          </a:prstGeom>
+        </p:spPr>
+        <p:txBody>
+          <a:bodyPr lIns="0" rIns="0" tIns="0" bIns="0"/>
+          <a:p>
+            <a:endParaRPr/>
+          </a:p>
+        </p:txBody>
+      </p:sp>
+      <p:pic>
+        <p:nvPicPr>
+          <p:cNvPr id="70" name="" descr=""/>
+          <p:cNvPicPr/>
+          <p:nvPr/>
+        </p:nvPicPr>
+        <p:blipFill>
+          <a:blip r:embed="rId2"/>
+          <a:stretch>
+            <a:fillRect/>
+          </a:stretch>
+        </p:blipFill>
+        <p:spPr>
+          <a:xfrm>
+            <a:off x="2292120" y="1769040"/>
+            <a:ext cx="5494680" cy="4384080"/>
+          </a:xfrm>
+          <a:prstGeom prst="rect">
+            <a:avLst/>
+          </a:prstGeom>
+          <a:ln>
+            <a:noFill/>
+          </a:ln>
+        </p:spPr>
+      </p:pic>
+      <p:pic>
+        <p:nvPicPr>
+          <p:cNvPr id="71" name="" descr=""/>
+          <p:cNvPicPr/>
+          <p:nvPr/>
+        </p:nvPicPr>
+        <p:blipFill>
+          <a:blip r:embed="rId3"/>
+          <a:stretch>
+            <a:fillRect/>
+          </a:stretch>
+        </p:blipFill>
+        <p:spPr>
+          <a:xfrm>
+            <a:off x="2292120" y="1769040"/>
+            <a:ext cx="5494680" cy="4384080"/>
+          </a:xfrm>
+          <a:prstGeom prst="rect">
+            <a:avLst/>
+          </a:prstGeom>
+          <a:ln>
+            <a:noFill/>
+          </a:ln>
+        </p:spPr>
+      </p:pic>
+    </p:spTree>
+  </p:cSld>
+</p:sldLayout>
+</file>
+
+<file path=ppt/slideLayouts/slideLayout25.xml><?xml version="1.0" encoding="utf-8"?>
+<p:sldLayout xmlns:a="http://schemas.openxmlformats.org/drawingml/2006/main" xmlns:p="http://schemas.openxmlformats.org/presentationml/2006/main" xmlns:r="http://schemas.openxmlformats.org/officeDocument/2006/relationships" type="blank" preserve="1">
+  <p:cSld name="Blank Slide">
+    <p:spTree>
+      <p:nvGrpSpPr>
+        <p:cNvPr id="1" name=""/>
+        <p:cNvGrpSpPr/>
+        <p:nvPr/>
+      </p:nvGrpSpPr>
+      <p:grpSpPr>
+        <a:xfrm>
+          <a:off x="0" y="0"/>
+          <a:ext cx="0" cy="0"/>
+          <a:chOff x="0" y="0"/>
+          <a:chExt cx="0" cy="0"/>
+        </a:xfrm>
+      </p:grpSpPr>
+    </p:spTree>
+  </p:cSld>
+</p:sldLayout>
+</file>
+
+<file path=ppt/slideLayouts/slideLayout26.xml><?xml version="1.0" encoding="utf-8"?>
+<p:sldLayout xmlns:a="http://schemas.openxmlformats.org/drawingml/2006/main" xmlns:p="http://schemas.openxmlformats.org/presentationml/2006/main" xmlns:r="http://schemas.openxmlformats.org/officeDocument/2006/relationships" type="tx" preserve="1">
+  <p:cSld name="Title Slide">
+    <p:spTree>
+      <p:nvGrpSpPr>
+        <p:cNvPr id="1" name=""/>
+        <p:cNvGrpSpPr/>
+        <p:nvPr/>
+      </p:nvGrpSpPr>
+      <p:grpSpPr>
+        <a:xfrm>
+          <a:off x="0" y="0"/>
+          <a:ext cx="0" cy="0"/>
+          <a:chOff x="0" y="0"/>
+          <a:chExt cx="0" cy="0"/>
+        </a:xfrm>
+      </p:grpSpPr>
+      <p:sp>
+        <p:nvSpPr>
+          <p:cNvPr id="77" name="PlaceHolder 1"/>
+          <p:cNvSpPr>
+            <a:spLocks noGrp="1"/>
+          </p:cNvSpPr>
+          <p:nvPr>
+            <p:ph type="title"/>
+          </p:nvPr>
+        </p:nvSpPr>
+        <p:spPr>
+          <a:xfrm>
+            <a:off x="504000" y="301320"/>
+            <a:ext cx="9071280" cy="1262520"/>
+          </a:xfrm>
+          <a:prstGeom prst="rect">
+            <a:avLst/>
+          </a:prstGeom>
+        </p:spPr>
+        <p:txBody>
+          <a:bodyPr lIns="0" rIns="0" tIns="0" bIns="0" anchor="ctr"/>
+          <a:p>
+            <a:pPr algn="ctr"/>
+            <a:endParaRPr/>
+          </a:p>
+        </p:txBody>
+      </p:sp>
+      <p:sp>
+        <p:nvSpPr>
+          <p:cNvPr id="78" name="PlaceHolder 2"/>
+          <p:cNvSpPr>
+            <a:spLocks noGrp="1"/>
+          </p:cNvSpPr>
+          <p:nvPr>
+            <p:ph type="subTitle"/>
+          </p:nvPr>
+        </p:nvSpPr>
+        <p:spPr>
+          <a:xfrm>
+            <a:off x="504000" y="1769040"/>
+            <a:ext cx="9071280" cy="4384440"/>
+          </a:xfrm>
+          <a:prstGeom prst="rect">
+            <a:avLst/>
+          </a:prstGeom>
+        </p:spPr>
+        <p:txBody>
+          <a:bodyPr lIns="0" rIns="0" tIns="0" bIns="0" anchor="ctr"/>
+          <a:p>
+            <a:pPr algn="ctr"/>
+            <a:endParaRPr/>
+          </a:p>
+        </p:txBody>
+      </p:sp>
+    </p:spTree>
+  </p:cSld>
+</p:sldLayout>
+</file>
+
+<file path=ppt/slideLayouts/slideLayout27.xml><?xml version="1.0" encoding="utf-8"?>
+<p:sldLayout xmlns:a="http://schemas.openxmlformats.org/drawingml/2006/main" xmlns:p="http://schemas.openxmlformats.org/presentationml/2006/main" xmlns:r="http://schemas.openxmlformats.org/officeDocument/2006/relationships" type="obj" preserve="1">
+  <p:cSld name="Title, Content">
+    <p:spTree>
+      <p:nvGrpSpPr>
+        <p:cNvPr id="1" name=""/>
+        <p:cNvGrpSpPr/>
+        <p:nvPr/>
+      </p:nvGrpSpPr>
+      <p:grpSpPr>
+        <a:xfrm>
+          <a:off x="0" y="0"/>
+          <a:ext cx="0" cy="0"/>
+          <a:chOff x="0" y="0"/>
+          <a:chExt cx="0" cy="0"/>
+        </a:xfrm>
+      </p:grpSpPr>
+      <p:sp>
+        <p:nvSpPr>
+          <p:cNvPr id="79" name="PlaceHolder 1"/>
+          <p:cNvSpPr>
+            <a:spLocks noGrp="1"/>
+          </p:cNvSpPr>
+          <p:nvPr>
+            <p:ph type="title"/>
+          </p:nvPr>
+        </p:nvSpPr>
+        <p:spPr>
+          <a:xfrm>
+            <a:off x="504000" y="301320"/>
+            <a:ext cx="9071280" cy="1262520"/>
+          </a:xfrm>
+          <a:prstGeom prst="rect">
+            <a:avLst/>
+          </a:prstGeom>
+        </p:spPr>
+        <p:txBody>
+          <a:bodyPr lIns="0" rIns="0" tIns="0" bIns="0" anchor="ctr"/>
+          <a:p>
+            <a:pPr algn="ctr"/>
+            <a:endParaRPr/>
+          </a:p>
+        </p:txBody>
+      </p:sp>
+      <p:sp>
+        <p:nvSpPr>
+          <p:cNvPr id="80" name="PlaceHolder 2"/>
+          <p:cNvSpPr>
+            <a:spLocks noGrp="1"/>
+          </p:cNvSpPr>
+          <p:nvPr>
+            <p:ph type="body"/>
+          </p:nvPr>
+        </p:nvSpPr>
+        <p:spPr>
+          <a:xfrm>
+            <a:off x="504000" y="1769040"/>
+            <a:ext cx="9071280" cy="4384080"/>
+          </a:xfrm>
+          <a:prstGeom prst="rect">
+            <a:avLst/>
+          </a:prstGeom>
+        </p:spPr>
+        <p:txBody>
+          <a:bodyPr lIns="0" rIns="0" tIns="0" bIns="0"/>
+          <a:p>
+            <a:endParaRPr/>
+          </a:p>
+        </p:txBody>
+      </p:sp>
+    </p:spTree>
+  </p:cSld>
+</p:sldLayout>
+</file>
+
+<file path=ppt/slideLayouts/slideLayout28.xml><?xml version="1.0" encoding="utf-8"?>
+<p:sldLayout xmlns:a="http://schemas.openxmlformats.org/drawingml/2006/main" xmlns:p="http://schemas.openxmlformats.org/presentationml/2006/main" xmlns:r="http://schemas.openxmlformats.org/officeDocument/2006/relationships" type="twoObj" preserve="1">
+  <p:cSld name="Title, 2 Content">
+    <p:spTree>
+      <p:nvGrpSpPr>
+        <p:cNvPr id="1" name=""/>
+        <p:cNvGrpSpPr/>
+        <p:nvPr/>
+      </p:nvGrpSpPr>
+      <p:grpSpPr>
+        <a:xfrm>
+          <a:off x="0" y="0"/>
+          <a:ext cx="0" cy="0"/>
+          <a:chOff x="0" y="0"/>
+          <a:chExt cx="0" cy="0"/>
+        </a:xfrm>
+      </p:grpSpPr>
+      <p:sp>
+        <p:nvSpPr>
+          <p:cNvPr id="81" name="PlaceHolder 1"/>
+          <p:cNvSpPr>
+            <a:spLocks noGrp="1"/>
+          </p:cNvSpPr>
+          <p:nvPr>
+            <p:ph type="title"/>
+          </p:nvPr>
+        </p:nvSpPr>
+        <p:spPr>
+          <a:xfrm>
+            <a:off x="504000" y="301320"/>
+            <a:ext cx="9071280" cy="1262520"/>
+          </a:xfrm>
+          <a:prstGeom prst="rect">
+            <a:avLst/>
+          </a:prstGeom>
+        </p:spPr>
+        <p:txBody>
+          <a:bodyPr lIns="0" rIns="0" tIns="0" bIns="0" anchor="ctr"/>
+          <a:p>
+            <a:pPr algn="ctr"/>
+            <a:endParaRPr/>
+          </a:p>
+        </p:txBody>
+      </p:sp>
+      <p:sp>
+        <p:nvSpPr>
+          <p:cNvPr id="82" name="PlaceHolder 2"/>
+          <p:cNvSpPr>
+            <a:spLocks noGrp="1"/>
+          </p:cNvSpPr>
+          <p:nvPr>
+            <p:ph type="body"/>
+          </p:nvPr>
+        </p:nvSpPr>
+        <p:spPr>
+          <a:xfrm>
+            <a:off x="504000" y="1769040"/>
+            <a:ext cx="4426560" cy="4384080"/>
+          </a:xfrm>
+          <a:prstGeom prst="rect">
+            <a:avLst/>
+          </a:prstGeom>
+        </p:spPr>
+        <p:txBody>
+          <a:bodyPr lIns="0" rIns="0" tIns="0" bIns="0"/>
+          <a:p>
+            <a:endParaRPr/>
+          </a:p>
+        </p:txBody>
+      </p:sp>
+      <p:sp>
+        <p:nvSpPr>
+          <p:cNvPr id="83" name="PlaceHolder 3"/>
+          <p:cNvSpPr>
+            <a:spLocks noGrp="1"/>
+          </p:cNvSpPr>
+          <p:nvPr>
+            <p:ph type="body"/>
+          </p:nvPr>
+        </p:nvSpPr>
+        <p:spPr>
+          <a:xfrm>
+            <a:off x="5152320" y="1769040"/>
+            <a:ext cx="4426560" cy="4384080"/>
+          </a:xfrm>
+          <a:prstGeom prst="rect">
+            <a:avLst/>
+          </a:prstGeom>
+        </p:spPr>
+        <p:txBody>
+          <a:bodyPr lIns="0" rIns="0" tIns="0" bIns="0"/>
+          <a:p>
+            <a:endParaRPr/>
+          </a:p>
+        </p:txBody>
+      </p:sp>
+    </p:spTree>
+  </p:cSld>
+</p:sldLayout>
+</file>
+
+<file path=ppt/slideLayouts/slideLayout29.xml><?xml version="1.0" encoding="utf-8"?>
+<p:sldLayout xmlns:a="http://schemas.openxmlformats.org/drawingml/2006/main" xmlns:p="http://schemas.openxmlformats.org/presentationml/2006/main" xmlns:r="http://schemas.openxmlformats.org/officeDocument/2006/relationships" type="titleOnly" preserve="1">
+  <p:cSld name="Title Only">
+    <p:spTree>
+      <p:nvGrpSpPr>
+        <p:cNvPr id="1" name=""/>
+        <p:cNvGrpSpPr/>
+        <p:nvPr/>
+      </p:nvGrpSpPr>
+      <p:grpSpPr>
+        <a:xfrm>
+          <a:off x="0" y="0"/>
+          <a:ext cx="0" cy="0"/>
+          <a:chOff x="0" y="0"/>
+          <a:chExt cx="0" cy="0"/>
+        </a:xfrm>
+      </p:grpSpPr>
+      <p:sp>
+        <p:nvSpPr>
+          <p:cNvPr id="84" name="PlaceHolder 1"/>
+          <p:cNvSpPr>
+            <a:spLocks noGrp="1"/>
+          </p:cNvSpPr>
+          <p:nvPr>
+            <p:ph type="title"/>
+          </p:nvPr>
+        </p:nvSpPr>
+        <p:spPr>
+          <a:xfrm>
+            <a:off x="504000" y="301320"/>
+            <a:ext cx="9071280" cy="1262520"/>
           </a:xfrm>
           <a:prstGeom prst="rect">
             <a:avLst/>
@@ -767,7 +2449,7 @@
       </p:grpSpPr>
       <p:sp>
         <p:nvSpPr>
-          <p:cNvPr id="7" name="PlaceHolder 1"/>
+          <p:cNvPr id="4" name="PlaceHolder 1"/>
           <p:cNvSpPr>
             <a:spLocks noGrp="1"/>
           </p:cNvSpPr>
@@ -778,7 +2460,7 @@
         <p:spPr>
           <a:xfrm>
             <a:off x="504000" y="301320"/>
-            <a:ext cx="9071640" cy="1262520"/>
+            <a:ext cx="9071280" cy="1262520"/>
           </a:xfrm>
           <a:prstGeom prst="rect">
             <a:avLst/>
@@ -794,7 +2476,7 @@
       </p:sp>
       <p:sp>
         <p:nvSpPr>
-          <p:cNvPr id="8" name="PlaceHolder 2"/>
+          <p:cNvPr id="5" name="PlaceHolder 2"/>
           <p:cNvSpPr>
             <a:spLocks noGrp="1"/>
           </p:cNvSpPr>
@@ -805,7 +2487,7 @@
         <p:spPr>
           <a:xfrm>
             <a:off x="504000" y="1769040"/>
-            <a:ext cx="9071640" cy="4384440"/>
+            <a:ext cx="9071280" cy="4384080"/>
           </a:xfrm>
           <a:prstGeom prst="rect">
             <a:avLst/>
@@ -818,6 +2500,841 @@
           </a:p>
         </p:txBody>
       </p:sp>
+    </p:spTree>
+  </p:cSld>
+</p:sldLayout>
+</file>
+
+<file path=ppt/slideLayouts/slideLayout30.xml><?xml version="1.0" encoding="utf-8"?>
+<p:sldLayout xmlns:a="http://schemas.openxmlformats.org/drawingml/2006/main" xmlns:p="http://schemas.openxmlformats.org/presentationml/2006/main" xmlns:r="http://schemas.openxmlformats.org/officeDocument/2006/relationships" type="objOnly" preserve="1">
+  <p:cSld name="Centered Text">
+    <p:spTree>
+      <p:nvGrpSpPr>
+        <p:cNvPr id="1" name=""/>
+        <p:cNvGrpSpPr/>
+        <p:nvPr/>
+      </p:nvGrpSpPr>
+      <p:grpSpPr>
+        <a:xfrm>
+          <a:off x="0" y="0"/>
+          <a:ext cx="0" cy="0"/>
+          <a:chOff x="0" y="0"/>
+          <a:chExt cx="0" cy="0"/>
+        </a:xfrm>
+      </p:grpSpPr>
+      <p:sp>
+        <p:nvSpPr>
+          <p:cNvPr id="85" name="PlaceHolder 1"/>
+          <p:cNvSpPr>
+            <a:spLocks noGrp="1"/>
+          </p:cNvSpPr>
+          <p:nvPr>
+            <p:ph type="subTitle"/>
+          </p:nvPr>
+        </p:nvSpPr>
+        <p:spPr>
+          <a:xfrm>
+            <a:off x="504000" y="301320"/>
+            <a:ext cx="9071280" cy="5852160"/>
+          </a:xfrm>
+          <a:prstGeom prst="rect">
+            <a:avLst/>
+          </a:prstGeom>
+        </p:spPr>
+        <p:txBody>
+          <a:bodyPr lIns="0" rIns="0" tIns="0" bIns="0" anchor="ctr"/>
+          <a:p>
+            <a:pPr algn="ctr"/>
+            <a:endParaRPr/>
+          </a:p>
+        </p:txBody>
+      </p:sp>
+    </p:spTree>
+  </p:cSld>
+</p:sldLayout>
+</file>
+
+<file path=ppt/slideLayouts/slideLayout31.xml><?xml version="1.0" encoding="utf-8"?>
+<p:sldLayout xmlns:a="http://schemas.openxmlformats.org/drawingml/2006/main" xmlns:p="http://schemas.openxmlformats.org/presentationml/2006/main" xmlns:r="http://schemas.openxmlformats.org/officeDocument/2006/relationships" type="twoObjAndObj" preserve="1">
+  <p:cSld name="Title, 2 Content and Content">
+    <p:spTree>
+      <p:nvGrpSpPr>
+        <p:cNvPr id="1" name=""/>
+        <p:cNvGrpSpPr/>
+        <p:nvPr/>
+      </p:nvGrpSpPr>
+      <p:grpSpPr>
+        <a:xfrm>
+          <a:off x="0" y="0"/>
+          <a:ext cx="0" cy="0"/>
+          <a:chOff x="0" y="0"/>
+          <a:chExt cx="0" cy="0"/>
+        </a:xfrm>
+      </p:grpSpPr>
+      <p:sp>
+        <p:nvSpPr>
+          <p:cNvPr id="86" name="PlaceHolder 1"/>
+          <p:cNvSpPr>
+            <a:spLocks noGrp="1"/>
+          </p:cNvSpPr>
+          <p:nvPr>
+            <p:ph type="title"/>
+          </p:nvPr>
+        </p:nvSpPr>
+        <p:spPr>
+          <a:xfrm>
+            <a:off x="504000" y="301320"/>
+            <a:ext cx="9071280" cy="1262520"/>
+          </a:xfrm>
+          <a:prstGeom prst="rect">
+            <a:avLst/>
+          </a:prstGeom>
+        </p:spPr>
+        <p:txBody>
+          <a:bodyPr lIns="0" rIns="0" tIns="0" bIns="0" anchor="ctr"/>
+          <a:p>
+            <a:pPr algn="ctr"/>
+            <a:endParaRPr/>
+          </a:p>
+        </p:txBody>
+      </p:sp>
+      <p:sp>
+        <p:nvSpPr>
+          <p:cNvPr id="87" name="PlaceHolder 2"/>
+          <p:cNvSpPr>
+            <a:spLocks noGrp="1"/>
+          </p:cNvSpPr>
+          <p:nvPr>
+            <p:ph type="body"/>
+          </p:nvPr>
+        </p:nvSpPr>
+        <p:spPr>
+          <a:xfrm>
+            <a:off x="504000" y="1769040"/>
+            <a:ext cx="4426560" cy="2090880"/>
+          </a:xfrm>
+          <a:prstGeom prst="rect">
+            <a:avLst/>
+          </a:prstGeom>
+        </p:spPr>
+        <p:txBody>
+          <a:bodyPr lIns="0" rIns="0" tIns="0" bIns="0"/>
+          <a:p>
+            <a:endParaRPr/>
+          </a:p>
+        </p:txBody>
+      </p:sp>
+      <p:sp>
+        <p:nvSpPr>
+          <p:cNvPr id="88" name="PlaceHolder 3"/>
+          <p:cNvSpPr>
+            <a:spLocks noGrp="1"/>
+          </p:cNvSpPr>
+          <p:nvPr>
+            <p:ph type="body"/>
+          </p:nvPr>
+        </p:nvSpPr>
+        <p:spPr>
+          <a:xfrm>
+            <a:off x="504000" y="4059000"/>
+            <a:ext cx="4426560" cy="2090880"/>
+          </a:xfrm>
+          <a:prstGeom prst="rect">
+            <a:avLst/>
+          </a:prstGeom>
+        </p:spPr>
+        <p:txBody>
+          <a:bodyPr lIns="0" rIns="0" tIns="0" bIns="0"/>
+          <a:p>
+            <a:endParaRPr/>
+          </a:p>
+        </p:txBody>
+      </p:sp>
+      <p:sp>
+        <p:nvSpPr>
+          <p:cNvPr id="89" name="PlaceHolder 4"/>
+          <p:cNvSpPr>
+            <a:spLocks noGrp="1"/>
+          </p:cNvSpPr>
+          <p:nvPr>
+            <p:ph type="body"/>
+          </p:nvPr>
+        </p:nvSpPr>
+        <p:spPr>
+          <a:xfrm>
+            <a:off x="5152320" y="1769040"/>
+            <a:ext cx="4426560" cy="4384080"/>
+          </a:xfrm>
+          <a:prstGeom prst="rect">
+            <a:avLst/>
+          </a:prstGeom>
+        </p:spPr>
+        <p:txBody>
+          <a:bodyPr lIns="0" rIns="0" tIns="0" bIns="0"/>
+          <a:p>
+            <a:endParaRPr/>
+          </a:p>
+        </p:txBody>
+      </p:sp>
+    </p:spTree>
+  </p:cSld>
+</p:sldLayout>
+</file>
+
+<file path=ppt/slideLayouts/slideLayout32.xml><?xml version="1.0" encoding="utf-8"?>
+<p:sldLayout xmlns:a="http://schemas.openxmlformats.org/drawingml/2006/main" xmlns:p="http://schemas.openxmlformats.org/presentationml/2006/main" xmlns:r="http://schemas.openxmlformats.org/officeDocument/2006/relationships" type="objAndTwoObj" preserve="1">
+  <p:cSld name="Title Content and 2 Content">
+    <p:spTree>
+      <p:nvGrpSpPr>
+        <p:cNvPr id="1" name=""/>
+        <p:cNvGrpSpPr/>
+        <p:nvPr/>
+      </p:nvGrpSpPr>
+      <p:grpSpPr>
+        <a:xfrm>
+          <a:off x="0" y="0"/>
+          <a:ext cx="0" cy="0"/>
+          <a:chOff x="0" y="0"/>
+          <a:chExt cx="0" cy="0"/>
+        </a:xfrm>
+      </p:grpSpPr>
+      <p:sp>
+        <p:nvSpPr>
+          <p:cNvPr id="90" name="PlaceHolder 1"/>
+          <p:cNvSpPr>
+            <a:spLocks noGrp="1"/>
+          </p:cNvSpPr>
+          <p:nvPr>
+            <p:ph type="title"/>
+          </p:nvPr>
+        </p:nvSpPr>
+        <p:spPr>
+          <a:xfrm>
+            <a:off x="504000" y="301320"/>
+            <a:ext cx="9071280" cy="1262520"/>
+          </a:xfrm>
+          <a:prstGeom prst="rect">
+            <a:avLst/>
+          </a:prstGeom>
+        </p:spPr>
+        <p:txBody>
+          <a:bodyPr lIns="0" rIns="0" tIns="0" bIns="0" anchor="ctr"/>
+          <a:p>
+            <a:pPr algn="ctr"/>
+            <a:endParaRPr/>
+          </a:p>
+        </p:txBody>
+      </p:sp>
+      <p:sp>
+        <p:nvSpPr>
+          <p:cNvPr id="91" name="PlaceHolder 2"/>
+          <p:cNvSpPr>
+            <a:spLocks noGrp="1"/>
+          </p:cNvSpPr>
+          <p:nvPr>
+            <p:ph type="body"/>
+          </p:nvPr>
+        </p:nvSpPr>
+        <p:spPr>
+          <a:xfrm>
+            <a:off x="504000" y="1769040"/>
+            <a:ext cx="4426560" cy="4384080"/>
+          </a:xfrm>
+          <a:prstGeom prst="rect">
+            <a:avLst/>
+          </a:prstGeom>
+        </p:spPr>
+        <p:txBody>
+          <a:bodyPr lIns="0" rIns="0" tIns="0" bIns="0"/>
+          <a:p>
+            <a:endParaRPr/>
+          </a:p>
+        </p:txBody>
+      </p:sp>
+      <p:sp>
+        <p:nvSpPr>
+          <p:cNvPr id="92" name="PlaceHolder 3"/>
+          <p:cNvSpPr>
+            <a:spLocks noGrp="1"/>
+          </p:cNvSpPr>
+          <p:nvPr>
+            <p:ph type="body"/>
+          </p:nvPr>
+        </p:nvSpPr>
+        <p:spPr>
+          <a:xfrm>
+            <a:off x="5152320" y="1769040"/>
+            <a:ext cx="4426560" cy="2090880"/>
+          </a:xfrm>
+          <a:prstGeom prst="rect">
+            <a:avLst/>
+          </a:prstGeom>
+        </p:spPr>
+        <p:txBody>
+          <a:bodyPr lIns="0" rIns="0" tIns="0" bIns="0"/>
+          <a:p>
+            <a:endParaRPr/>
+          </a:p>
+        </p:txBody>
+      </p:sp>
+      <p:sp>
+        <p:nvSpPr>
+          <p:cNvPr id="93" name="PlaceHolder 4"/>
+          <p:cNvSpPr>
+            <a:spLocks noGrp="1"/>
+          </p:cNvSpPr>
+          <p:nvPr>
+            <p:ph type="body"/>
+          </p:nvPr>
+        </p:nvSpPr>
+        <p:spPr>
+          <a:xfrm>
+            <a:off x="5152320" y="4059000"/>
+            <a:ext cx="4426560" cy="2090880"/>
+          </a:xfrm>
+          <a:prstGeom prst="rect">
+            <a:avLst/>
+          </a:prstGeom>
+        </p:spPr>
+        <p:txBody>
+          <a:bodyPr lIns="0" rIns="0" tIns="0" bIns="0"/>
+          <a:p>
+            <a:endParaRPr/>
+          </a:p>
+        </p:txBody>
+      </p:sp>
+    </p:spTree>
+  </p:cSld>
+</p:sldLayout>
+</file>
+
+<file path=ppt/slideLayouts/slideLayout33.xml><?xml version="1.0" encoding="utf-8"?>
+<p:sldLayout xmlns:a="http://schemas.openxmlformats.org/drawingml/2006/main" xmlns:p="http://schemas.openxmlformats.org/presentationml/2006/main" xmlns:r="http://schemas.openxmlformats.org/officeDocument/2006/relationships" type="twoObjOverTx" preserve="1">
+  <p:cSld name="Title, 2 Content over Content">
+    <p:spTree>
+      <p:nvGrpSpPr>
+        <p:cNvPr id="1" name=""/>
+        <p:cNvGrpSpPr/>
+        <p:nvPr/>
+      </p:nvGrpSpPr>
+      <p:grpSpPr>
+        <a:xfrm>
+          <a:off x="0" y="0"/>
+          <a:ext cx="0" cy="0"/>
+          <a:chOff x="0" y="0"/>
+          <a:chExt cx="0" cy="0"/>
+        </a:xfrm>
+      </p:grpSpPr>
+      <p:sp>
+        <p:nvSpPr>
+          <p:cNvPr id="94" name="PlaceHolder 1"/>
+          <p:cNvSpPr>
+            <a:spLocks noGrp="1"/>
+          </p:cNvSpPr>
+          <p:nvPr>
+            <p:ph type="title"/>
+          </p:nvPr>
+        </p:nvSpPr>
+        <p:spPr>
+          <a:xfrm>
+            <a:off x="504000" y="301320"/>
+            <a:ext cx="9071280" cy="1262520"/>
+          </a:xfrm>
+          <a:prstGeom prst="rect">
+            <a:avLst/>
+          </a:prstGeom>
+        </p:spPr>
+        <p:txBody>
+          <a:bodyPr lIns="0" rIns="0" tIns="0" bIns="0" anchor="ctr"/>
+          <a:p>
+            <a:pPr algn="ctr"/>
+            <a:endParaRPr/>
+          </a:p>
+        </p:txBody>
+      </p:sp>
+      <p:sp>
+        <p:nvSpPr>
+          <p:cNvPr id="95" name="PlaceHolder 2"/>
+          <p:cNvSpPr>
+            <a:spLocks noGrp="1"/>
+          </p:cNvSpPr>
+          <p:nvPr>
+            <p:ph type="body"/>
+          </p:nvPr>
+        </p:nvSpPr>
+        <p:spPr>
+          <a:xfrm>
+            <a:off x="504000" y="1769040"/>
+            <a:ext cx="4426560" cy="2090880"/>
+          </a:xfrm>
+          <a:prstGeom prst="rect">
+            <a:avLst/>
+          </a:prstGeom>
+        </p:spPr>
+        <p:txBody>
+          <a:bodyPr lIns="0" rIns="0" tIns="0" bIns="0"/>
+          <a:p>
+            <a:endParaRPr/>
+          </a:p>
+        </p:txBody>
+      </p:sp>
+      <p:sp>
+        <p:nvSpPr>
+          <p:cNvPr id="96" name="PlaceHolder 3"/>
+          <p:cNvSpPr>
+            <a:spLocks noGrp="1"/>
+          </p:cNvSpPr>
+          <p:nvPr>
+            <p:ph type="body"/>
+          </p:nvPr>
+        </p:nvSpPr>
+        <p:spPr>
+          <a:xfrm>
+            <a:off x="5152320" y="1769040"/>
+            <a:ext cx="4426560" cy="2090880"/>
+          </a:xfrm>
+          <a:prstGeom prst="rect">
+            <a:avLst/>
+          </a:prstGeom>
+        </p:spPr>
+        <p:txBody>
+          <a:bodyPr lIns="0" rIns="0" tIns="0" bIns="0"/>
+          <a:p>
+            <a:endParaRPr/>
+          </a:p>
+        </p:txBody>
+      </p:sp>
+      <p:sp>
+        <p:nvSpPr>
+          <p:cNvPr id="97" name="PlaceHolder 4"/>
+          <p:cNvSpPr>
+            <a:spLocks noGrp="1"/>
+          </p:cNvSpPr>
+          <p:nvPr>
+            <p:ph type="body"/>
+          </p:nvPr>
+        </p:nvSpPr>
+        <p:spPr>
+          <a:xfrm>
+            <a:off x="504000" y="4059000"/>
+            <a:ext cx="9071280" cy="2090880"/>
+          </a:xfrm>
+          <a:prstGeom prst="rect">
+            <a:avLst/>
+          </a:prstGeom>
+        </p:spPr>
+        <p:txBody>
+          <a:bodyPr lIns="0" rIns="0" tIns="0" bIns="0"/>
+          <a:p>
+            <a:endParaRPr/>
+          </a:p>
+        </p:txBody>
+      </p:sp>
+    </p:spTree>
+  </p:cSld>
+</p:sldLayout>
+</file>
+
+<file path=ppt/slideLayouts/slideLayout34.xml><?xml version="1.0" encoding="utf-8"?>
+<p:sldLayout xmlns:a="http://schemas.openxmlformats.org/drawingml/2006/main" xmlns:p="http://schemas.openxmlformats.org/presentationml/2006/main" xmlns:r="http://schemas.openxmlformats.org/officeDocument/2006/relationships" type="objOverTx" preserve="1">
+  <p:cSld name="Title, Content over Content">
+    <p:spTree>
+      <p:nvGrpSpPr>
+        <p:cNvPr id="1" name=""/>
+        <p:cNvGrpSpPr/>
+        <p:nvPr/>
+      </p:nvGrpSpPr>
+      <p:grpSpPr>
+        <a:xfrm>
+          <a:off x="0" y="0"/>
+          <a:ext cx="0" cy="0"/>
+          <a:chOff x="0" y="0"/>
+          <a:chExt cx="0" cy="0"/>
+        </a:xfrm>
+      </p:grpSpPr>
+      <p:sp>
+        <p:nvSpPr>
+          <p:cNvPr id="98" name="PlaceHolder 1"/>
+          <p:cNvSpPr>
+            <a:spLocks noGrp="1"/>
+          </p:cNvSpPr>
+          <p:nvPr>
+            <p:ph type="title"/>
+          </p:nvPr>
+        </p:nvSpPr>
+        <p:spPr>
+          <a:xfrm>
+            <a:off x="504000" y="301320"/>
+            <a:ext cx="9071280" cy="1262520"/>
+          </a:xfrm>
+          <a:prstGeom prst="rect">
+            <a:avLst/>
+          </a:prstGeom>
+        </p:spPr>
+        <p:txBody>
+          <a:bodyPr lIns="0" rIns="0" tIns="0" bIns="0" anchor="ctr"/>
+          <a:p>
+            <a:pPr algn="ctr"/>
+            <a:endParaRPr/>
+          </a:p>
+        </p:txBody>
+      </p:sp>
+      <p:sp>
+        <p:nvSpPr>
+          <p:cNvPr id="99" name="PlaceHolder 2"/>
+          <p:cNvSpPr>
+            <a:spLocks noGrp="1"/>
+          </p:cNvSpPr>
+          <p:nvPr>
+            <p:ph type="body"/>
+          </p:nvPr>
+        </p:nvSpPr>
+        <p:spPr>
+          <a:xfrm>
+            <a:off x="504000" y="1769040"/>
+            <a:ext cx="9071280" cy="2090880"/>
+          </a:xfrm>
+          <a:prstGeom prst="rect">
+            <a:avLst/>
+          </a:prstGeom>
+        </p:spPr>
+        <p:txBody>
+          <a:bodyPr lIns="0" rIns="0" tIns="0" bIns="0"/>
+          <a:p>
+            <a:endParaRPr/>
+          </a:p>
+        </p:txBody>
+      </p:sp>
+      <p:sp>
+        <p:nvSpPr>
+          <p:cNvPr id="100" name="PlaceHolder 3"/>
+          <p:cNvSpPr>
+            <a:spLocks noGrp="1"/>
+          </p:cNvSpPr>
+          <p:nvPr>
+            <p:ph type="body"/>
+          </p:nvPr>
+        </p:nvSpPr>
+        <p:spPr>
+          <a:xfrm>
+            <a:off x="504000" y="4059000"/>
+            <a:ext cx="9071280" cy="2090880"/>
+          </a:xfrm>
+          <a:prstGeom prst="rect">
+            <a:avLst/>
+          </a:prstGeom>
+        </p:spPr>
+        <p:txBody>
+          <a:bodyPr lIns="0" rIns="0" tIns="0" bIns="0"/>
+          <a:p>
+            <a:endParaRPr/>
+          </a:p>
+        </p:txBody>
+      </p:sp>
+    </p:spTree>
+  </p:cSld>
+</p:sldLayout>
+</file>
+
+<file path=ppt/slideLayouts/slideLayout35.xml><?xml version="1.0" encoding="utf-8"?>
+<p:sldLayout xmlns:a="http://schemas.openxmlformats.org/drawingml/2006/main" xmlns:p="http://schemas.openxmlformats.org/presentationml/2006/main" xmlns:r="http://schemas.openxmlformats.org/officeDocument/2006/relationships" type="fourObj" preserve="1">
+  <p:cSld name="Title, 4 Content">
+    <p:spTree>
+      <p:nvGrpSpPr>
+        <p:cNvPr id="1" name=""/>
+        <p:cNvGrpSpPr/>
+        <p:nvPr/>
+      </p:nvGrpSpPr>
+      <p:grpSpPr>
+        <a:xfrm>
+          <a:off x="0" y="0"/>
+          <a:ext cx="0" cy="0"/>
+          <a:chOff x="0" y="0"/>
+          <a:chExt cx="0" cy="0"/>
+        </a:xfrm>
+      </p:grpSpPr>
+      <p:sp>
+        <p:nvSpPr>
+          <p:cNvPr id="101" name="PlaceHolder 1"/>
+          <p:cNvSpPr>
+            <a:spLocks noGrp="1"/>
+          </p:cNvSpPr>
+          <p:nvPr>
+            <p:ph type="title"/>
+          </p:nvPr>
+        </p:nvSpPr>
+        <p:spPr>
+          <a:xfrm>
+            <a:off x="504000" y="301320"/>
+            <a:ext cx="9071280" cy="1262520"/>
+          </a:xfrm>
+          <a:prstGeom prst="rect">
+            <a:avLst/>
+          </a:prstGeom>
+        </p:spPr>
+        <p:txBody>
+          <a:bodyPr lIns="0" rIns="0" tIns="0" bIns="0" anchor="ctr"/>
+          <a:p>
+            <a:pPr algn="ctr"/>
+            <a:endParaRPr/>
+          </a:p>
+        </p:txBody>
+      </p:sp>
+      <p:sp>
+        <p:nvSpPr>
+          <p:cNvPr id="102" name="PlaceHolder 2"/>
+          <p:cNvSpPr>
+            <a:spLocks noGrp="1"/>
+          </p:cNvSpPr>
+          <p:nvPr>
+            <p:ph type="body"/>
+          </p:nvPr>
+        </p:nvSpPr>
+        <p:spPr>
+          <a:xfrm>
+            <a:off x="504000" y="1769040"/>
+            <a:ext cx="4426560" cy="2090880"/>
+          </a:xfrm>
+          <a:prstGeom prst="rect">
+            <a:avLst/>
+          </a:prstGeom>
+        </p:spPr>
+        <p:txBody>
+          <a:bodyPr lIns="0" rIns="0" tIns="0" bIns="0"/>
+          <a:p>
+            <a:endParaRPr/>
+          </a:p>
+        </p:txBody>
+      </p:sp>
+      <p:sp>
+        <p:nvSpPr>
+          <p:cNvPr id="103" name="PlaceHolder 3"/>
+          <p:cNvSpPr>
+            <a:spLocks noGrp="1"/>
+          </p:cNvSpPr>
+          <p:nvPr>
+            <p:ph type="body"/>
+          </p:nvPr>
+        </p:nvSpPr>
+        <p:spPr>
+          <a:xfrm>
+            <a:off x="5152320" y="1769040"/>
+            <a:ext cx="4426560" cy="2090880"/>
+          </a:xfrm>
+          <a:prstGeom prst="rect">
+            <a:avLst/>
+          </a:prstGeom>
+        </p:spPr>
+        <p:txBody>
+          <a:bodyPr lIns="0" rIns="0" tIns="0" bIns="0"/>
+          <a:p>
+            <a:endParaRPr/>
+          </a:p>
+        </p:txBody>
+      </p:sp>
+      <p:sp>
+        <p:nvSpPr>
+          <p:cNvPr id="104" name="PlaceHolder 4"/>
+          <p:cNvSpPr>
+            <a:spLocks noGrp="1"/>
+          </p:cNvSpPr>
+          <p:nvPr>
+            <p:ph type="body"/>
+          </p:nvPr>
+        </p:nvSpPr>
+        <p:spPr>
+          <a:xfrm>
+            <a:off x="5152320" y="4059000"/>
+            <a:ext cx="4426560" cy="2090880"/>
+          </a:xfrm>
+          <a:prstGeom prst="rect">
+            <a:avLst/>
+          </a:prstGeom>
+        </p:spPr>
+        <p:txBody>
+          <a:bodyPr lIns="0" rIns="0" tIns="0" bIns="0"/>
+          <a:p>
+            <a:endParaRPr/>
+          </a:p>
+        </p:txBody>
+      </p:sp>
+      <p:sp>
+        <p:nvSpPr>
+          <p:cNvPr id="105" name="PlaceHolder 5"/>
+          <p:cNvSpPr>
+            <a:spLocks noGrp="1"/>
+          </p:cNvSpPr>
+          <p:nvPr>
+            <p:ph type="body"/>
+          </p:nvPr>
+        </p:nvSpPr>
+        <p:spPr>
+          <a:xfrm>
+            <a:off x="504000" y="4059000"/>
+            <a:ext cx="4426560" cy="2090880"/>
+          </a:xfrm>
+          <a:prstGeom prst="rect">
+            <a:avLst/>
+          </a:prstGeom>
+        </p:spPr>
+        <p:txBody>
+          <a:bodyPr lIns="0" rIns="0" tIns="0" bIns="0"/>
+          <a:p>
+            <a:endParaRPr/>
+          </a:p>
+        </p:txBody>
+      </p:sp>
+    </p:spTree>
+  </p:cSld>
+</p:sldLayout>
+</file>
+
+<file path=ppt/slideLayouts/slideLayout36.xml><?xml version="1.0" encoding="utf-8"?>
+<p:sldLayout xmlns:a="http://schemas.openxmlformats.org/drawingml/2006/main" xmlns:p="http://schemas.openxmlformats.org/presentationml/2006/main" xmlns:r="http://schemas.openxmlformats.org/officeDocument/2006/relationships" type="blank" preserve="1">
+  <p:cSld name="Title, 6 Content">
+    <p:spTree>
+      <p:nvGrpSpPr>
+        <p:cNvPr id="1" name=""/>
+        <p:cNvGrpSpPr/>
+        <p:nvPr/>
+      </p:nvGrpSpPr>
+      <p:grpSpPr>
+        <a:xfrm>
+          <a:off x="0" y="0"/>
+          <a:ext cx="0" cy="0"/>
+          <a:chOff x="0" y="0"/>
+          <a:chExt cx="0" cy="0"/>
+        </a:xfrm>
+      </p:grpSpPr>
+      <p:sp>
+        <p:nvSpPr>
+          <p:cNvPr id="106" name="PlaceHolder 1"/>
+          <p:cNvSpPr>
+            <a:spLocks noGrp="1"/>
+          </p:cNvSpPr>
+          <p:nvPr>
+            <p:ph type="title"/>
+          </p:nvPr>
+        </p:nvSpPr>
+        <p:spPr>
+          <a:xfrm>
+            <a:off x="504000" y="301320"/>
+            <a:ext cx="9071280" cy="1262520"/>
+          </a:xfrm>
+          <a:prstGeom prst="rect">
+            <a:avLst/>
+          </a:prstGeom>
+        </p:spPr>
+        <p:txBody>
+          <a:bodyPr lIns="0" rIns="0" tIns="0" bIns="0" anchor="ctr"/>
+          <a:p>
+            <a:pPr algn="ctr"/>
+            <a:endParaRPr/>
+          </a:p>
+        </p:txBody>
+      </p:sp>
+      <p:sp>
+        <p:nvSpPr>
+          <p:cNvPr id="107" name="PlaceHolder 2"/>
+          <p:cNvSpPr>
+            <a:spLocks noGrp="1"/>
+          </p:cNvSpPr>
+          <p:nvPr>
+            <p:ph type="body"/>
+          </p:nvPr>
+        </p:nvSpPr>
+        <p:spPr>
+          <a:xfrm>
+            <a:off x="504000" y="1769040"/>
+            <a:ext cx="9071280" cy="4384080"/>
+          </a:xfrm>
+          <a:prstGeom prst="rect">
+            <a:avLst/>
+          </a:prstGeom>
+        </p:spPr>
+        <p:txBody>
+          <a:bodyPr lIns="0" rIns="0" tIns="0" bIns="0"/>
+          <a:p>
+            <a:endParaRPr/>
+          </a:p>
+        </p:txBody>
+      </p:sp>
+      <p:sp>
+        <p:nvSpPr>
+          <p:cNvPr id="108" name="PlaceHolder 3"/>
+          <p:cNvSpPr>
+            <a:spLocks noGrp="1"/>
+          </p:cNvSpPr>
+          <p:nvPr>
+            <p:ph type="body"/>
+          </p:nvPr>
+        </p:nvSpPr>
+        <p:spPr>
+          <a:xfrm>
+            <a:off x="504000" y="1769040"/>
+            <a:ext cx="9071280" cy="4384080"/>
+          </a:xfrm>
+          <a:prstGeom prst="rect">
+            <a:avLst/>
+          </a:prstGeom>
+        </p:spPr>
+        <p:txBody>
+          <a:bodyPr lIns="0" rIns="0" tIns="0" bIns="0"/>
+          <a:p>
+            <a:endParaRPr/>
+          </a:p>
+        </p:txBody>
+      </p:sp>
+      <p:pic>
+        <p:nvPicPr>
+          <p:cNvPr id="109" name="" descr=""/>
+          <p:cNvPicPr/>
+          <p:nvPr/>
+        </p:nvPicPr>
+        <p:blipFill>
+          <a:blip r:embed="rId2"/>
+          <a:stretch>
+            <a:fillRect/>
+          </a:stretch>
+        </p:blipFill>
+        <p:spPr>
+          <a:xfrm>
+            <a:off x="2292120" y="1769040"/>
+            <a:ext cx="5494680" cy="4384080"/>
+          </a:xfrm>
+          <a:prstGeom prst="rect">
+            <a:avLst/>
+          </a:prstGeom>
+          <a:ln>
+            <a:noFill/>
+          </a:ln>
+        </p:spPr>
+      </p:pic>
+      <p:pic>
+        <p:nvPicPr>
+          <p:cNvPr id="110" name="" descr=""/>
+          <p:cNvPicPr/>
+          <p:nvPr/>
+        </p:nvPicPr>
+        <p:blipFill>
+          <a:blip r:embed="rId3"/>
+          <a:stretch>
+            <a:fillRect/>
+          </a:stretch>
+        </p:blipFill>
+        <p:spPr>
+          <a:xfrm>
+            <a:off x="2292120" y="1769040"/>
+            <a:ext cx="5494680" cy="4384080"/>
+          </a:xfrm>
+          <a:prstGeom prst="rect">
+            <a:avLst/>
+          </a:prstGeom>
+          <a:ln>
+            <a:noFill/>
+          </a:ln>
+        </p:spPr>
+      </p:pic>
     </p:spTree>
   </p:cSld>
 </p:sldLayout>
@@ -842,7 +3359,7 @@
       </p:grpSpPr>
       <p:sp>
         <p:nvSpPr>
-          <p:cNvPr id="9" name="PlaceHolder 1"/>
+          <p:cNvPr id="6" name="PlaceHolder 1"/>
           <p:cNvSpPr>
             <a:spLocks noGrp="1"/>
           </p:cNvSpPr>
@@ -853,7 +3370,7 @@
         <p:spPr>
           <a:xfrm>
             <a:off x="504000" y="301320"/>
-            <a:ext cx="9071640" cy="1262520"/>
+            <a:ext cx="9071280" cy="1262520"/>
           </a:xfrm>
           <a:prstGeom prst="rect">
             <a:avLst/>
@@ -869,7 +3386,7 @@
       </p:sp>
       <p:sp>
         <p:nvSpPr>
-          <p:cNvPr id="10" name="PlaceHolder 2"/>
+          <p:cNvPr id="7" name="PlaceHolder 2"/>
           <p:cNvSpPr>
             <a:spLocks noGrp="1"/>
           </p:cNvSpPr>
@@ -880,7 +3397,7 @@
         <p:spPr>
           <a:xfrm>
             <a:off x="504000" y="1769040"/>
-            <a:ext cx="4426920" cy="4384440"/>
+            <a:ext cx="4426560" cy="4384080"/>
           </a:xfrm>
           <a:prstGeom prst="rect">
             <a:avLst/>
@@ -895,7 +3412,7 @@
       </p:sp>
       <p:sp>
         <p:nvSpPr>
-          <p:cNvPr id="11" name="PlaceHolder 3"/>
+          <p:cNvPr id="8" name="PlaceHolder 3"/>
           <p:cNvSpPr>
             <a:spLocks noGrp="1"/>
           </p:cNvSpPr>
@@ -905,8 +3422,8 @@
         </p:nvSpPr>
         <p:spPr>
           <a:xfrm>
-            <a:off x="5152680" y="1769040"/>
-            <a:ext cx="4426920" cy="4384440"/>
+            <a:off x="5152320" y="1769040"/>
+            <a:ext cx="4426560" cy="4384080"/>
           </a:xfrm>
           <a:prstGeom prst="rect">
             <a:avLst/>
@@ -943,7 +3460,7 @@
       </p:grpSpPr>
       <p:sp>
         <p:nvSpPr>
-          <p:cNvPr id="12" name="PlaceHolder 1"/>
+          <p:cNvPr id="9" name="PlaceHolder 1"/>
           <p:cNvSpPr>
             <a:spLocks noGrp="1"/>
           </p:cNvSpPr>
@@ -954,7 +3471,7 @@
         <p:spPr>
           <a:xfrm>
             <a:off x="504000" y="301320"/>
-            <a:ext cx="9071640" cy="1262520"/>
+            <a:ext cx="9071280" cy="1262520"/>
           </a:xfrm>
           <a:prstGeom prst="rect">
             <a:avLst/>
@@ -992,7 +3509,7 @@
       </p:grpSpPr>
       <p:sp>
         <p:nvSpPr>
-          <p:cNvPr id="13" name="PlaceHolder 1"/>
+          <p:cNvPr id="10" name="PlaceHolder 1"/>
           <p:cNvSpPr>
             <a:spLocks noGrp="1"/>
           </p:cNvSpPr>
@@ -1003,7 +3520,7 @@
         <p:spPr>
           <a:xfrm>
             <a:off x="504000" y="301320"/>
-            <a:ext cx="9071640" cy="5852160"/>
+            <a:ext cx="9071280" cy="5852160"/>
           </a:xfrm>
           <a:prstGeom prst="rect">
             <a:avLst/>
@@ -1041,7 +3558,7 @@
       </p:grpSpPr>
       <p:sp>
         <p:nvSpPr>
-          <p:cNvPr id="14" name="PlaceHolder 1"/>
+          <p:cNvPr id="11" name="PlaceHolder 1"/>
           <p:cNvSpPr>
             <a:spLocks noGrp="1"/>
           </p:cNvSpPr>
@@ -1052,7 +3569,7 @@
         <p:spPr>
           <a:xfrm>
             <a:off x="504000" y="301320"/>
-            <a:ext cx="9071640" cy="1262520"/>
+            <a:ext cx="9071280" cy="1262520"/>
           </a:xfrm>
           <a:prstGeom prst="rect">
             <a:avLst/>
@@ -1068,7 +3585,7 @@
       </p:sp>
       <p:sp>
         <p:nvSpPr>
-          <p:cNvPr id="15" name="PlaceHolder 2"/>
+          <p:cNvPr id="12" name="PlaceHolder 2"/>
           <p:cNvSpPr>
             <a:spLocks noGrp="1"/>
           </p:cNvSpPr>
@@ -1079,7 +3596,7 @@
         <p:spPr>
           <a:xfrm>
             <a:off x="504000" y="1769040"/>
-            <a:ext cx="4426920" cy="2091240"/>
+            <a:ext cx="4426560" cy="2090880"/>
           </a:xfrm>
           <a:prstGeom prst="rect">
             <a:avLst/>
@@ -1094,7 +3611,7 @@
       </p:sp>
       <p:sp>
         <p:nvSpPr>
-          <p:cNvPr id="16" name="PlaceHolder 3"/>
+          <p:cNvPr id="13" name="PlaceHolder 3"/>
           <p:cNvSpPr>
             <a:spLocks noGrp="1"/>
           </p:cNvSpPr>
@@ -1104,8 +3621,8 @@
         </p:nvSpPr>
         <p:spPr>
           <a:xfrm>
-            <a:off x="504000" y="4059360"/>
-            <a:ext cx="4426920" cy="2091240"/>
+            <a:off x="504000" y="4059000"/>
+            <a:ext cx="4426560" cy="2090880"/>
           </a:xfrm>
           <a:prstGeom prst="rect">
             <a:avLst/>
@@ -1120,7 +3637,7 @@
       </p:sp>
       <p:sp>
         <p:nvSpPr>
-          <p:cNvPr id="17" name="PlaceHolder 4"/>
+          <p:cNvPr id="14" name="PlaceHolder 4"/>
           <p:cNvSpPr>
             <a:spLocks noGrp="1"/>
           </p:cNvSpPr>
@@ -1130,8 +3647,8 @@
         </p:nvSpPr>
         <p:spPr>
           <a:xfrm>
-            <a:off x="5152680" y="1769040"/>
-            <a:ext cx="4426920" cy="4384440"/>
+            <a:off x="5152320" y="1769040"/>
+            <a:ext cx="4426560" cy="4384080"/>
           </a:xfrm>
           <a:prstGeom prst="rect">
             <a:avLst/>
@@ -1168,7 +3685,7 @@
       </p:grpSpPr>
       <p:sp>
         <p:nvSpPr>
-          <p:cNvPr id="18" name="PlaceHolder 1"/>
+          <p:cNvPr id="15" name="PlaceHolder 1"/>
           <p:cNvSpPr>
             <a:spLocks noGrp="1"/>
           </p:cNvSpPr>
@@ -1179,7 +3696,7 @@
         <p:spPr>
           <a:xfrm>
             <a:off x="504000" y="301320"/>
-            <a:ext cx="9071640" cy="1262520"/>
+            <a:ext cx="9071280" cy="1262520"/>
           </a:xfrm>
           <a:prstGeom prst="rect">
             <a:avLst/>
@@ -1195,7 +3712,7 @@
       </p:sp>
       <p:sp>
         <p:nvSpPr>
-          <p:cNvPr id="19" name="PlaceHolder 2"/>
+          <p:cNvPr id="16" name="PlaceHolder 2"/>
           <p:cNvSpPr>
             <a:spLocks noGrp="1"/>
           </p:cNvSpPr>
@@ -1206,7 +3723,7 @@
         <p:spPr>
           <a:xfrm>
             <a:off x="504000" y="1769040"/>
-            <a:ext cx="4426920" cy="4384440"/>
+            <a:ext cx="4426560" cy="4384080"/>
           </a:xfrm>
           <a:prstGeom prst="rect">
             <a:avLst/>
@@ -1221,7 +3738,7 @@
       </p:sp>
       <p:sp>
         <p:nvSpPr>
-          <p:cNvPr id="20" name="PlaceHolder 3"/>
+          <p:cNvPr id="17" name="PlaceHolder 3"/>
           <p:cNvSpPr>
             <a:spLocks noGrp="1"/>
           </p:cNvSpPr>
@@ -1231,8 +3748,8 @@
         </p:nvSpPr>
         <p:spPr>
           <a:xfrm>
-            <a:off x="5152680" y="1769040"/>
-            <a:ext cx="4426920" cy="2091240"/>
+            <a:off x="5152320" y="1769040"/>
+            <a:ext cx="4426560" cy="2090880"/>
           </a:xfrm>
           <a:prstGeom prst="rect">
             <a:avLst/>
@@ -1247,7 +3764,7 @@
       </p:sp>
       <p:sp>
         <p:nvSpPr>
-          <p:cNvPr id="21" name="PlaceHolder 4"/>
+          <p:cNvPr id="18" name="PlaceHolder 4"/>
           <p:cNvSpPr>
             <a:spLocks noGrp="1"/>
           </p:cNvSpPr>
@@ -1257,8 +3774,8 @@
         </p:nvSpPr>
         <p:spPr>
           <a:xfrm>
-            <a:off x="5152680" y="4059360"/>
-            <a:ext cx="4426920" cy="2091240"/>
+            <a:off x="5152320" y="4059000"/>
+            <a:ext cx="4426560" cy="2090880"/>
           </a:xfrm>
           <a:prstGeom prst="rect">
             <a:avLst/>
@@ -1295,7 +3812,7 @@
       </p:grpSpPr>
       <p:sp>
         <p:nvSpPr>
-          <p:cNvPr id="22" name="PlaceHolder 1"/>
+          <p:cNvPr id="19" name="PlaceHolder 1"/>
           <p:cNvSpPr>
             <a:spLocks noGrp="1"/>
           </p:cNvSpPr>
@@ -1306,7 +3823,7 @@
         <p:spPr>
           <a:xfrm>
             <a:off x="504000" y="301320"/>
-            <a:ext cx="9071640" cy="1262520"/>
+            <a:ext cx="9071280" cy="1262520"/>
           </a:xfrm>
           <a:prstGeom prst="rect">
             <a:avLst/>
@@ -1322,7 +3839,7 @@
       </p:sp>
       <p:sp>
         <p:nvSpPr>
-          <p:cNvPr id="23" name="PlaceHolder 2"/>
+          <p:cNvPr id="20" name="PlaceHolder 2"/>
           <p:cNvSpPr>
             <a:spLocks noGrp="1"/>
           </p:cNvSpPr>
@@ -1333,7 +3850,7 @@
         <p:spPr>
           <a:xfrm>
             <a:off x="504000" y="1769040"/>
-            <a:ext cx="4426920" cy="2091240"/>
+            <a:ext cx="4426560" cy="2090880"/>
           </a:xfrm>
           <a:prstGeom prst="rect">
             <a:avLst/>
@@ -1348,7 +3865,7 @@
       </p:sp>
       <p:sp>
         <p:nvSpPr>
-          <p:cNvPr id="24" name="PlaceHolder 3"/>
+          <p:cNvPr id="21" name="PlaceHolder 3"/>
           <p:cNvSpPr>
             <a:spLocks noGrp="1"/>
           </p:cNvSpPr>
@@ -1358,8 +3875,8 @@
         </p:nvSpPr>
         <p:spPr>
           <a:xfrm>
-            <a:off x="5152680" y="1769040"/>
-            <a:ext cx="4426920" cy="2091240"/>
+            <a:off x="5152320" y="1769040"/>
+            <a:ext cx="4426560" cy="2090880"/>
           </a:xfrm>
           <a:prstGeom prst="rect">
             <a:avLst/>
@@ -1374,7 +3891,7 @@
       </p:sp>
       <p:sp>
         <p:nvSpPr>
-          <p:cNvPr id="25" name="PlaceHolder 4"/>
+          <p:cNvPr id="22" name="PlaceHolder 4"/>
           <p:cNvSpPr>
             <a:spLocks noGrp="1"/>
           </p:cNvSpPr>
@@ -1384,8 +3901,8 @@
         </p:nvSpPr>
         <p:spPr>
           <a:xfrm>
-            <a:off x="504000" y="4059360"/>
-            <a:ext cx="9071640" cy="2091240"/>
+            <a:off x="504000" y="4059000"/>
+            <a:ext cx="9071280" cy="2090880"/>
           </a:xfrm>
           <a:prstGeom prst="rect">
             <a:avLst/>
@@ -1433,7 +3950,7 @@
         <p:spPr>
           <a:xfrm>
             <a:off x="504000" y="301320"/>
-            <a:ext cx="9071640" cy="1262160"/>
+            <a:ext cx="9071280" cy="1262160"/>
           </a:xfrm>
           <a:prstGeom prst="rect">
             <a:avLst/>
@@ -1442,9 +3959,8 @@
         <p:txBody>
           <a:bodyPr lIns="0" rIns="0" tIns="0" bIns="0" anchor="ctr"/>
           <a:p>
-            <a:pPr algn="ctr"/>
-            <a:r>
-              <a:rPr lang="en-US" sz="4400">
+            <a:r>
+              <a:rPr lang="en-US">
                 <a:latin typeface="Arial"/>
               </a:rPr>
               <a:t>Click to edit the title text format</a:t>
@@ -1465,8 +3981,8 @@
         </p:nvSpPr>
         <p:spPr>
           <a:xfrm>
-            <a:off x="504000" y="1769040"/>
-            <a:ext cx="9071640" cy="4384440"/>
+            <a:off x="504000" y="1768680"/>
+            <a:ext cx="9072000" cy="4384080"/>
           </a:xfrm>
           <a:prstGeom prst="rect">
             <a:avLst/>
@@ -1570,104 +4086,6 @@
               </a:rPr>
               <a:t>Seventh Outline Level</a:t>
             </a:r>
-            <a:endParaRPr/>
-          </a:p>
-        </p:txBody>
-      </p:sp>
-      <p:sp>
-        <p:nvSpPr>
-          <p:cNvPr id="2" name="PlaceHolder 3"/>
-          <p:cNvSpPr>
-            <a:spLocks noGrp="1"/>
-          </p:cNvSpPr>
-          <p:nvPr>
-            <p:ph type="dt"/>
-          </p:nvPr>
-        </p:nvSpPr>
-        <p:spPr>
-          <a:xfrm>
-            <a:off x="504000" y="6887160"/>
-            <a:ext cx="2348280" cy="521280"/>
-          </a:xfrm>
-          <a:prstGeom prst="rect">
-            <a:avLst/>
-          </a:prstGeom>
-        </p:spPr>
-        <p:txBody>
-          <a:bodyPr lIns="0" rIns="0" tIns="0" bIns="0"/>
-          <a:p>
-            <a:r>
-              <a:rPr lang="en-US" sz="1400">
-                <a:latin typeface="Times New Roman"/>
-              </a:rPr>
-              <a:t>&lt;date/time&gt;</a:t>
-            </a:r>
-            <a:endParaRPr/>
-          </a:p>
-        </p:txBody>
-      </p:sp>
-      <p:sp>
-        <p:nvSpPr>
-          <p:cNvPr id="3" name="PlaceHolder 4"/>
-          <p:cNvSpPr>
-            <a:spLocks noGrp="1"/>
-          </p:cNvSpPr>
-          <p:nvPr>
-            <p:ph type="ftr"/>
-          </p:nvPr>
-        </p:nvSpPr>
-        <p:spPr>
-          <a:xfrm>
-            <a:off x="3447360" y="6887160"/>
-            <a:ext cx="3195000" cy="521280"/>
-          </a:xfrm>
-          <a:prstGeom prst="rect">
-            <a:avLst/>
-          </a:prstGeom>
-        </p:spPr>
-        <p:txBody>
-          <a:bodyPr lIns="0" rIns="0" tIns="0" bIns="0"/>
-          <a:p>
-            <a:pPr algn="ctr"/>
-            <a:r>
-              <a:rPr lang="en-US" sz="1400">
-                <a:latin typeface="Times New Roman"/>
-              </a:rPr>
-              <a:t>&lt;footer&gt;</a:t>
-            </a:r>
-            <a:endParaRPr/>
-          </a:p>
-        </p:txBody>
-      </p:sp>
-      <p:sp>
-        <p:nvSpPr>
-          <p:cNvPr id="4" name="PlaceHolder 5"/>
-          <p:cNvSpPr>
-            <a:spLocks noGrp="1"/>
-          </p:cNvSpPr>
-          <p:nvPr>
-            <p:ph type="sldNum"/>
-          </p:nvPr>
-        </p:nvSpPr>
-        <p:spPr>
-          <a:xfrm>
-            <a:off x="7227360" y="6887160"/>
-            <a:ext cx="2348280" cy="521280"/>
-          </a:xfrm>
-          <a:prstGeom prst="rect">
-            <a:avLst/>
-          </a:prstGeom>
-        </p:spPr>
-        <p:txBody>
-          <a:bodyPr lIns="0" rIns="0" tIns="0" bIns="0"/>
-          <a:p>
-            <a:pPr algn="r"/>
-            <a:fld id="{1CA2B2AC-60F1-47AA-A49A-D986BE2D9D26}" type="slidenum">
-              <a:rPr lang="en-US" sz="1400">
-                <a:latin typeface="Times New Roman"/>
-              </a:rPr>
-              <a:t>&lt;number&gt;</a:t>
-            </a:fld>
             <a:endParaRPr/>
           </a:p>
         </p:txBody>
@@ -1688,6 +4106,485 @@
     <p:sldLayoutId id="2147483658" r:id="rId11"/>
     <p:sldLayoutId id="2147483659" r:id="rId12"/>
     <p:sldLayoutId id="2147483660" r:id="rId13"/>
+  </p:sldLayoutIdLst>
+</p:sldMaster>
+</file>
+
+<file path=ppt/slideMasters/slideMaster2.xml><?xml version="1.0" encoding="utf-8"?>
+<p:sldMaster xmlns:a="http://schemas.openxmlformats.org/drawingml/2006/main" xmlns:p="http://schemas.openxmlformats.org/presentationml/2006/main" xmlns:r="http://schemas.openxmlformats.org/officeDocument/2006/relationships">
+  <p:cSld>
+    <p:spTree>
+      <p:nvGrpSpPr>
+        <p:cNvPr id="1" name=""/>
+        <p:cNvGrpSpPr/>
+        <p:nvPr/>
+      </p:nvGrpSpPr>
+      <p:grpSpPr>
+        <a:xfrm>
+          <a:off x="0" y="0"/>
+          <a:ext cx="0" cy="0"/>
+          <a:chOff x="0" y="0"/>
+          <a:chExt cx="0" cy="0"/>
+        </a:xfrm>
+      </p:grpSpPr>
+      <p:sp>
+        <p:nvSpPr>
+          <p:cNvPr id="36" name="PlaceHolder 1"/>
+          <p:cNvSpPr>
+            <a:spLocks noGrp="1"/>
+          </p:cNvSpPr>
+          <p:nvPr>
+            <p:ph type="title"/>
+          </p:nvPr>
+        </p:nvSpPr>
+        <p:spPr>
+          <a:xfrm>
+            <a:off x="504000" y="301320"/>
+            <a:ext cx="9071280" cy="1262160"/>
+          </a:xfrm>
+          <a:prstGeom prst="rect">
+            <a:avLst/>
+          </a:prstGeom>
+        </p:spPr>
+        <p:txBody>
+          <a:bodyPr lIns="0" rIns="0" tIns="0" bIns="0" anchor="ctr"/>
+          <a:p>
+            <a:r>
+              <a:rPr lang="en-US">
+                <a:latin typeface="Arial"/>
+              </a:rPr>
+              <a:t>Click to edit the title text format</a:t>
+            </a:r>
+            <a:endParaRPr/>
+          </a:p>
+        </p:txBody>
+      </p:sp>
+      <p:sp>
+        <p:nvSpPr>
+          <p:cNvPr id="37" name="PlaceHolder 2"/>
+          <p:cNvSpPr>
+            <a:spLocks noGrp="1"/>
+          </p:cNvSpPr>
+          <p:nvPr>
+            <p:ph type="body"/>
+          </p:nvPr>
+        </p:nvSpPr>
+        <p:spPr>
+          <a:xfrm>
+            <a:off x="504000" y="1769040"/>
+            <a:ext cx="9071280" cy="4384080"/>
+          </a:xfrm>
+          <a:prstGeom prst="rect">
+            <a:avLst/>
+          </a:prstGeom>
+        </p:spPr>
+        <p:txBody>
+          <a:bodyPr lIns="0" rIns="0" tIns="0" bIns="0"/>
+          <a:p>
+            <a:pPr>
+              <a:buSzPct val="45000"/>
+              <a:buFont typeface="StarSymbol"/>
+              <a:buChar char=""/>
+            </a:pPr>
+            <a:r>
+              <a:rPr lang="en-US">
+                <a:latin typeface="Arial"/>
+              </a:rPr>
+              <a:t>Click to edit the outline text format</a:t>
+            </a:r>
+            <a:endParaRPr/>
+          </a:p>
+          <a:p>
+            <a:pPr lvl="1">
+              <a:buSzPct val="75000"/>
+              <a:buFont typeface="StarSymbol"/>
+              <a:buChar char=""/>
+            </a:pPr>
+            <a:r>
+              <a:rPr lang="en-US">
+                <a:latin typeface="Arial"/>
+              </a:rPr>
+              <a:t>Second Outline Level</a:t>
+            </a:r>
+            <a:endParaRPr/>
+          </a:p>
+          <a:p>
+            <a:pPr lvl="2">
+              <a:buSzPct val="45000"/>
+              <a:buFont typeface="StarSymbol"/>
+              <a:buChar char=""/>
+            </a:pPr>
+            <a:r>
+              <a:rPr lang="en-US">
+                <a:latin typeface="Arial"/>
+              </a:rPr>
+              <a:t>Third Outline Level</a:t>
+            </a:r>
+            <a:endParaRPr/>
+          </a:p>
+          <a:p>
+            <a:pPr lvl="3">
+              <a:buSzPct val="75000"/>
+              <a:buFont typeface="StarSymbol"/>
+              <a:buChar char=""/>
+            </a:pPr>
+            <a:r>
+              <a:rPr lang="en-US">
+                <a:latin typeface="Arial"/>
+              </a:rPr>
+              <a:t>Fourth Outline Level</a:t>
+            </a:r>
+            <a:endParaRPr/>
+          </a:p>
+          <a:p>
+            <a:pPr lvl="4">
+              <a:buSzPct val="45000"/>
+              <a:buFont typeface="StarSymbol"/>
+              <a:buChar char=""/>
+            </a:pPr>
+            <a:r>
+              <a:rPr lang="en-US">
+                <a:latin typeface="Arial"/>
+              </a:rPr>
+              <a:t>Fifth Outline Level</a:t>
+            </a:r>
+            <a:endParaRPr/>
+          </a:p>
+          <a:p>
+            <a:pPr lvl="5">
+              <a:buSzPct val="45000"/>
+              <a:buFont typeface="StarSymbol"/>
+              <a:buChar char=""/>
+            </a:pPr>
+            <a:r>
+              <a:rPr lang="en-US">
+                <a:latin typeface="Arial"/>
+              </a:rPr>
+              <a:t>Sixth Outline Level</a:t>
+            </a:r>
+            <a:endParaRPr/>
+          </a:p>
+          <a:p>
+            <a:pPr lvl="6">
+              <a:buSzPct val="45000"/>
+              <a:buFont typeface="StarSymbol"/>
+              <a:buChar char=""/>
+            </a:pPr>
+            <a:r>
+              <a:rPr lang="en-US">
+                <a:latin typeface="Arial"/>
+              </a:rPr>
+              <a:t>Seventh Outline Level</a:t>
+            </a:r>
+            <a:endParaRPr/>
+          </a:p>
+        </p:txBody>
+      </p:sp>
+    </p:spTree>
+  </p:cSld>
+  <p:clrMap bg1="lt1" bg2="lt2" tx1="dk1" tx2="dk2" accent1="accent1" accent2="accent2" accent3="accent3" accent4="accent4" accent5="accent5" accent6="accent6" hlink="hlink" folHlink="folHlink"/>
+  <p:sldLayoutIdLst>
+    <p:sldLayoutId id="2147483662" r:id="rId2"/>
+    <p:sldLayoutId id="2147483663" r:id="rId3"/>
+    <p:sldLayoutId id="2147483664" r:id="rId4"/>
+    <p:sldLayoutId id="2147483665" r:id="rId5"/>
+    <p:sldLayoutId id="2147483666" r:id="rId6"/>
+    <p:sldLayoutId id="2147483667" r:id="rId7"/>
+    <p:sldLayoutId id="2147483668" r:id="rId8"/>
+    <p:sldLayoutId id="2147483669" r:id="rId9"/>
+    <p:sldLayoutId id="2147483670" r:id="rId10"/>
+    <p:sldLayoutId id="2147483671" r:id="rId11"/>
+    <p:sldLayoutId id="2147483672" r:id="rId12"/>
+    <p:sldLayoutId id="2147483673" r:id="rId13"/>
+  </p:sldLayoutIdLst>
+</p:sldMaster>
+</file>
+
+<file path=ppt/slideMasters/slideMaster3.xml><?xml version="1.0" encoding="utf-8"?>
+<p:sldMaster xmlns:a="http://schemas.openxmlformats.org/drawingml/2006/main" xmlns:p="http://schemas.openxmlformats.org/presentationml/2006/main" xmlns:r="http://schemas.openxmlformats.org/officeDocument/2006/relationships">
+  <p:cSld>
+    <p:spTree>
+      <p:nvGrpSpPr>
+        <p:cNvPr id="1" name=""/>
+        <p:cNvGrpSpPr/>
+        <p:nvPr/>
+      </p:nvGrpSpPr>
+      <p:grpSpPr>
+        <a:xfrm>
+          <a:off x="0" y="0"/>
+          <a:ext cx="0" cy="0"/>
+          <a:chOff x="0" y="0"/>
+          <a:chExt cx="0" cy="0"/>
+        </a:xfrm>
+      </p:grpSpPr>
+      <p:sp>
+        <p:nvSpPr>
+          <p:cNvPr id="72" name="PlaceHolder 1"/>
+          <p:cNvSpPr>
+            <a:spLocks noGrp="1"/>
+          </p:cNvSpPr>
+          <p:nvPr>
+            <p:ph type="title"/>
+          </p:nvPr>
+        </p:nvSpPr>
+        <p:spPr>
+          <a:xfrm>
+            <a:off x="504000" y="301320"/>
+            <a:ext cx="9071640" cy="1262160"/>
+          </a:xfrm>
+          <a:prstGeom prst="rect">
+            <a:avLst/>
+          </a:prstGeom>
+        </p:spPr>
+        <p:txBody>
+          <a:bodyPr lIns="0" rIns="0" tIns="0" bIns="0" anchor="ctr"/>
+          <a:p>
+            <a:pPr algn="ctr"/>
+            <a:r>
+              <a:rPr lang="en-US" sz="4400">
+                <a:latin typeface="Arial"/>
+              </a:rPr>
+              <a:t>Click to edit the title text format</a:t>
+            </a:r>
+            <a:endParaRPr/>
+          </a:p>
+        </p:txBody>
+      </p:sp>
+      <p:sp>
+        <p:nvSpPr>
+          <p:cNvPr id="73" name="PlaceHolder 2"/>
+          <p:cNvSpPr>
+            <a:spLocks noGrp="1"/>
+          </p:cNvSpPr>
+          <p:nvPr>
+            <p:ph type="body"/>
+          </p:nvPr>
+        </p:nvSpPr>
+        <p:spPr>
+          <a:xfrm>
+            <a:off x="504000" y="1769040"/>
+            <a:ext cx="9071640" cy="4384440"/>
+          </a:xfrm>
+          <a:prstGeom prst="rect">
+            <a:avLst/>
+          </a:prstGeom>
+        </p:spPr>
+        <p:txBody>
+          <a:bodyPr lIns="0" rIns="0" tIns="0" bIns="0"/>
+          <a:p>
+            <a:pPr>
+              <a:buSzPct val="45000"/>
+              <a:buFont typeface="StarSymbol"/>
+              <a:buChar char=""/>
+            </a:pPr>
+            <a:r>
+              <a:rPr lang="en-US" sz="3200">
+                <a:latin typeface="Arial"/>
+              </a:rPr>
+              <a:t>Click to edit the outline text format</a:t>
+            </a:r>
+            <a:endParaRPr/>
+          </a:p>
+          <a:p>
+            <a:pPr lvl="1">
+              <a:buSzPct val="75000"/>
+              <a:buFont typeface="StarSymbol"/>
+              <a:buChar char=""/>
+            </a:pPr>
+            <a:r>
+              <a:rPr lang="en-US" sz="2800">
+                <a:latin typeface="Arial"/>
+              </a:rPr>
+              <a:t>Second Outline Level</a:t>
+            </a:r>
+            <a:endParaRPr/>
+          </a:p>
+          <a:p>
+            <a:pPr lvl="2">
+              <a:buSzPct val="45000"/>
+              <a:buFont typeface="StarSymbol"/>
+              <a:buChar char=""/>
+            </a:pPr>
+            <a:r>
+              <a:rPr lang="en-US" sz="2400">
+                <a:latin typeface="Arial"/>
+              </a:rPr>
+              <a:t>Third Outline Level</a:t>
+            </a:r>
+            <a:endParaRPr/>
+          </a:p>
+          <a:p>
+            <a:pPr lvl="3">
+              <a:buSzPct val="75000"/>
+              <a:buFont typeface="StarSymbol"/>
+              <a:buChar char=""/>
+            </a:pPr>
+            <a:r>
+              <a:rPr lang="en-US" sz="2000">
+                <a:latin typeface="Arial"/>
+              </a:rPr>
+              <a:t>Fourth Outline Level</a:t>
+            </a:r>
+            <a:endParaRPr/>
+          </a:p>
+          <a:p>
+            <a:pPr lvl="4">
+              <a:buSzPct val="45000"/>
+              <a:buFont typeface="StarSymbol"/>
+              <a:buChar char=""/>
+            </a:pPr>
+            <a:r>
+              <a:rPr lang="en-US" sz="2000">
+                <a:latin typeface="Arial"/>
+              </a:rPr>
+              <a:t>Fifth Outline Level</a:t>
+            </a:r>
+            <a:endParaRPr/>
+          </a:p>
+          <a:p>
+            <a:pPr lvl="5">
+              <a:buSzPct val="45000"/>
+              <a:buFont typeface="StarSymbol"/>
+              <a:buChar char=""/>
+            </a:pPr>
+            <a:r>
+              <a:rPr lang="en-US" sz="2000">
+                <a:latin typeface="Arial"/>
+              </a:rPr>
+              <a:t>Sixth Outline Level</a:t>
+            </a:r>
+            <a:endParaRPr/>
+          </a:p>
+          <a:p>
+            <a:pPr lvl="6">
+              <a:buSzPct val="45000"/>
+              <a:buFont typeface="StarSymbol"/>
+              <a:buChar char=""/>
+            </a:pPr>
+            <a:r>
+              <a:rPr lang="en-US" sz="2000">
+                <a:latin typeface="Arial"/>
+              </a:rPr>
+              <a:t>Seventh Outline Level</a:t>
+            </a:r>
+            <a:endParaRPr/>
+          </a:p>
+        </p:txBody>
+      </p:sp>
+      <p:sp>
+        <p:nvSpPr>
+          <p:cNvPr id="74" name="PlaceHolder 3"/>
+          <p:cNvSpPr>
+            <a:spLocks noGrp="1"/>
+          </p:cNvSpPr>
+          <p:nvPr>
+            <p:ph type="dt"/>
+          </p:nvPr>
+        </p:nvSpPr>
+        <p:spPr>
+          <a:xfrm>
+            <a:off x="504000" y="6887160"/>
+            <a:ext cx="2348280" cy="521280"/>
+          </a:xfrm>
+          <a:prstGeom prst="rect">
+            <a:avLst/>
+          </a:prstGeom>
+        </p:spPr>
+        <p:txBody>
+          <a:bodyPr lIns="0" rIns="0" tIns="0" bIns="0"/>
+          <a:p>
+            <a:r>
+              <a:rPr lang="en-US" sz="1400">
+                <a:latin typeface="Times New Roman"/>
+              </a:rPr>
+              <a:t>&lt;date/time&gt;</a:t>
+            </a:r>
+            <a:endParaRPr/>
+          </a:p>
+        </p:txBody>
+      </p:sp>
+      <p:sp>
+        <p:nvSpPr>
+          <p:cNvPr id="75" name="PlaceHolder 4"/>
+          <p:cNvSpPr>
+            <a:spLocks noGrp="1"/>
+          </p:cNvSpPr>
+          <p:nvPr>
+            <p:ph type="ftr"/>
+          </p:nvPr>
+        </p:nvSpPr>
+        <p:spPr>
+          <a:xfrm>
+            <a:off x="3447360" y="6887160"/>
+            <a:ext cx="3195000" cy="521280"/>
+          </a:xfrm>
+          <a:prstGeom prst="rect">
+            <a:avLst/>
+          </a:prstGeom>
+        </p:spPr>
+        <p:txBody>
+          <a:bodyPr lIns="0" rIns="0" tIns="0" bIns="0"/>
+          <a:p>
+            <a:pPr algn="ctr"/>
+            <a:r>
+              <a:rPr lang="en-US" sz="1400">
+                <a:latin typeface="Times New Roman"/>
+              </a:rPr>
+              <a:t>&lt;footer&gt;</a:t>
+            </a:r>
+            <a:endParaRPr/>
+          </a:p>
+        </p:txBody>
+      </p:sp>
+      <p:sp>
+        <p:nvSpPr>
+          <p:cNvPr id="76" name="PlaceHolder 5"/>
+          <p:cNvSpPr>
+            <a:spLocks noGrp="1"/>
+          </p:cNvSpPr>
+          <p:nvPr>
+            <p:ph type="sldNum"/>
+          </p:nvPr>
+        </p:nvSpPr>
+        <p:spPr>
+          <a:xfrm>
+            <a:off x="7227360" y="6887160"/>
+            <a:ext cx="2348280" cy="521280"/>
+          </a:xfrm>
+          <a:prstGeom prst="rect">
+            <a:avLst/>
+          </a:prstGeom>
+        </p:spPr>
+        <p:txBody>
+          <a:bodyPr lIns="0" rIns="0" tIns="0" bIns="0"/>
+          <a:p>
+            <a:pPr algn="r"/>
+            <a:fld id="{E532A5A2-E782-4E81-BC3A-76A580F1F898}" type="slidenum">
+              <a:rPr lang="en-US" sz="1400">
+                <a:latin typeface="Times New Roman"/>
+              </a:rPr>
+              <a:t>&lt;number&gt;</a:t>
+            </a:fld>
+            <a:endParaRPr/>
+          </a:p>
+        </p:txBody>
+      </p:sp>
+    </p:spTree>
+  </p:cSld>
+  <p:clrMap bg1="lt1" bg2="lt2" tx1="dk1" tx2="dk2" accent1="accent1" accent2="accent2" accent3="accent3" accent4="accent4" accent5="accent5" accent6="accent6" hlink="hlink" folHlink="folHlink"/>
+  <p:sldLayoutIdLst>
+    <p:sldLayoutId id="2147483675" r:id="rId2"/>
+    <p:sldLayoutId id="2147483676" r:id="rId3"/>
+    <p:sldLayoutId id="2147483677" r:id="rId4"/>
+    <p:sldLayoutId id="2147483678" r:id="rId5"/>
+    <p:sldLayoutId id="2147483679" r:id="rId6"/>
+    <p:sldLayoutId id="2147483680" r:id="rId7"/>
+    <p:sldLayoutId id="2147483681" r:id="rId8"/>
+    <p:sldLayoutId id="2147483682" r:id="rId9"/>
+    <p:sldLayoutId id="2147483683" r:id="rId10"/>
+    <p:sldLayoutId id="2147483684" r:id="rId11"/>
+    <p:sldLayoutId id="2147483685" r:id="rId12"/>
+    <p:sldLayoutId id="2147483686" r:id="rId13"/>
   </p:sldLayoutIdLst>
 </p:sldMaster>
 </file>
@@ -1711,46 +4608,51 @@
       </p:grpSpPr>
       <p:sp>
         <p:nvSpPr>
-          <p:cNvPr id="44" name="TextShape 1"/>
-          <p:cNvSpPr txBox="1"/>
+          <p:cNvPr id="116" name="CustomShape 1"/>
+          <p:cNvSpPr/>
           <p:nvPr/>
         </p:nvSpPr>
         <p:spPr>
           <a:xfrm>
             <a:off x="504000" y="301320"/>
-            <a:ext cx="9071640" cy="1262160"/>
-          </a:xfrm>
-          <a:prstGeom prst="rect">
-            <a:avLst/>
-          </a:prstGeom>
+            <a:ext cx="9071280" cy="1261800"/>
+          </a:xfrm>
+          <a:prstGeom prst="rect">
+            <a:avLst/>
+          </a:prstGeom>
+          <a:noFill/>
+          <a:ln>
+            <a:noFill/>
+          </a:ln>
+        </p:spPr>
+      </p:sp>
+      <p:sp>
+        <p:nvSpPr>
+          <p:cNvPr id="117" name="CustomShape 2"/>
+          <p:cNvSpPr/>
+          <p:nvPr/>
+        </p:nvSpPr>
+        <p:spPr>
+          <a:xfrm>
+            <a:off x="504000" y="1769040"/>
+            <a:ext cx="9071280" cy="4384080"/>
+          </a:xfrm>
+          <a:prstGeom prst="rect">
+            <a:avLst/>
+          </a:prstGeom>
+          <a:noFill/>
+          <a:ln>
+            <a:noFill/>
+          </a:ln>
         </p:spPr>
         <p:txBody>
           <a:bodyPr lIns="0" rIns="0" tIns="0" bIns="0" anchor="ctr"/>
           <a:p>
-            <a:pPr algn="ctr"/>
-            <a:endParaRPr/>
-          </a:p>
-        </p:txBody>
-      </p:sp>
-      <p:sp>
-        <p:nvSpPr>
-          <p:cNvPr id="45" name="TextShape 2"/>
-          <p:cNvSpPr txBox="1"/>
-          <p:nvPr/>
-        </p:nvSpPr>
-        <p:spPr>
-          <a:xfrm>
-            <a:off x="504000" y="1769040"/>
-            <a:ext cx="9071640" cy="4384440"/>
-          </a:xfrm>
-          <a:prstGeom prst="rect">
-            <a:avLst/>
-          </a:prstGeom>
-        </p:spPr>
-        <p:txBody>
-          <a:bodyPr lIns="0" rIns="0" tIns="0" bIns="0" anchor="ctr"/>
-          <a:p>
-            <a:pPr algn="ctr"/>
+            <a:pPr algn="ctr">
+              <a:lnSpc>
+                <a:spcPct val="100000"/>
+              </a:lnSpc>
+            </a:pPr>
             <a:r>
               <a:rPr b="1" lang="en-US" sz="5400">
                 <a:latin typeface="Arial"/>
@@ -1763,18 +4665,22 @@
       </p:sp>
       <p:sp>
         <p:nvSpPr>
-          <p:cNvPr id="46" name="TextShape 3"/>
-          <p:cNvSpPr txBox="1"/>
+          <p:cNvPr id="118" name="CustomShape 3"/>
+          <p:cNvSpPr/>
           <p:nvPr/>
         </p:nvSpPr>
         <p:spPr>
           <a:xfrm>
             <a:off x="640080" y="6153480"/>
-            <a:ext cx="3566160" cy="602280"/>
-          </a:xfrm>
-          <a:prstGeom prst="rect">
-            <a:avLst/>
-          </a:prstGeom>
+            <a:ext cx="3565800" cy="601920"/>
+          </a:xfrm>
+          <a:prstGeom prst="rect">
+            <a:avLst/>
+          </a:prstGeom>
+          <a:noFill/>
+          <a:ln>
+            <a:noFill/>
+          </a:ln>
         </p:spPr>
         <p:txBody>
           <a:bodyPr lIns="90000" rIns="90000" tIns="45000" bIns="45000"/>
@@ -1807,6 +4713,683 @@
           <p:childTnLst>
             <p:seq>
               <p:cTn id="2" nodeType="mainSeq"/>
+              <p:prevCondLst>
+                <p:cond delay="0" evt="onPrev">
+                  <p:tgtEl>
+                    <p:sldTgt/>
+                  </p:tgtEl>
+                </p:cond>
+              </p:prevCondLst>
+              <p:nextCondLst>
+                <p:cond delay="0" evt="onNext">
+                  <p:tgtEl>
+                    <p:sldTgt/>
+                  </p:tgtEl>
+                </p:cond>
+              </p:nextCondLst>
+            </p:seq>
+          </p:childTnLst>
+        </p:cTn>
+      </p:par>
+    </p:tnLst>
+  </p:timing>
+</p:sld>
+</file>
+
+<file path=ppt/slides/slide10.xml><?xml version="1.0" encoding="utf-8"?>
+<p:sld xmlns:a="http://schemas.openxmlformats.org/drawingml/2006/main" xmlns:p="http://schemas.openxmlformats.org/presentationml/2006/main" xmlns:r="http://schemas.openxmlformats.org/officeDocument/2006/relationships">
+  <p:cSld>
+    <p:spTree>
+      <p:nvGrpSpPr>
+        <p:cNvPr id="1" name=""/>
+        <p:cNvGrpSpPr/>
+        <p:nvPr/>
+      </p:nvGrpSpPr>
+      <p:grpSpPr>
+        <a:xfrm>
+          <a:off x="0" y="0"/>
+          <a:ext cx="0" cy="0"/>
+          <a:chOff x="0" y="0"/>
+          <a:chExt cx="0" cy="0"/>
+        </a:xfrm>
+      </p:grpSpPr>
+      <p:sp>
+        <p:nvSpPr>
+          <p:cNvPr id="138" name="CustomShape 1"/>
+          <p:cNvSpPr/>
+          <p:nvPr/>
+        </p:nvSpPr>
+        <p:spPr>
+          <a:xfrm>
+            <a:off x="1440" y="1440"/>
+            <a:ext cx="10078200" cy="2056320"/>
+          </a:xfrm>
+          <a:prstGeom prst="rect">
+            <a:avLst/>
+          </a:prstGeom>
+          <a:noFill/>
+          <a:ln>
+            <a:noFill/>
+          </a:ln>
+        </p:spPr>
+        <p:txBody>
+          <a:bodyPr lIns="0" rIns="0" tIns="0" bIns="0" anchor="ctr"/>
+          <a:p>
+            <a:pPr>
+              <a:lnSpc>
+                <a:spcPct val="133000"/>
+              </a:lnSpc>
+              <a:buSzPct val="45000"/>
+              <a:buFont typeface="StarSymbol"/>
+              <a:buChar char=""/>
+            </a:pPr>
+            <a:r>
+              <a:rPr b="1" lang="en-US" sz="4000">
+                <a:solidFill>
+                  <a:srgbClr val="d45500"/>
+                </a:solidFill>
+                <a:latin typeface="Arial"/>
+              </a:rPr>
+              <a:t>  </a:t>
+            </a:r>
+            <a:r>
+              <a:rPr b="1" lang="en-US" sz="4000">
+                <a:solidFill>
+                  <a:srgbClr val="d45500"/>
+                </a:solidFill>
+                <a:latin typeface="Arial"/>
+              </a:rPr>
+              <a:t>Interprocess Communication: </a:t>
+            </a:r>
+            <a:r>
+              <a:rPr b="1" lang="en-US" sz="4000">
+                <a:solidFill>
+                  <a:srgbClr val="d45500"/>
+                </a:solidFill>
+                <a:latin typeface="Arial"/>
+              </a:rPr>
+              <a:t>
+</a:t>
+            </a:r>
+            <a:r>
+              <a:rPr b="1" lang="en-US" sz="4000">
+                <a:solidFill>
+                  <a:srgbClr val="d45500"/>
+                </a:solidFill>
+                <a:latin typeface="Arial"/>
+              </a:rPr>
+              <a:t>  </a:t>
+            </a:r>
+            <a:r>
+              <a:rPr b="1" lang="en-US" sz="2400">
+                <a:solidFill>
+                  <a:srgbClr val="d45500"/>
+                </a:solidFill>
+                <a:latin typeface="Arial"/>
+              </a:rPr>
+              <a:t>Synchronization Using IPC</a:t>
+            </a:r>
+            <a:endParaRPr/>
+          </a:p>
+        </p:txBody>
+      </p:sp>
+      <p:sp>
+        <p:nvSpPr>
+          <p:cNvPr id="139" name="CustomShape 2"/>
+          <p:cNvSpPr/>
+          <p:nvPr/>
+        </p:nvSpPr>
+        <p:spPr>
+          <a:xfrm>
+            <a:off x="-360" y="2512440"/>
+            <a:ext cx="9145440" cy="3743640"/>
+          </a:xfrm>
+          <a:prstGeom prst="rect">
+            <a:avLst/>
+          </a:prstGeom>
+          <a:noFill/>
+          <a:ln>
+            <a:noFill/>
+          </a:ln>
+        </p:spPr>
+        <p:txBody>
+          <a:bodyPr lIns="81720" rIns="81720" tIns="40680" bIns="40680"/>
+          <a:p>
+            <a:pPr lvl="2">
+              <a:lnSpc>
+                <a:spcPct val="133000"/>
+              </a:lnSpc>
+              <a:buSzPct val="45000"/>
+              <a:buFont typeface="Wingdings" charset="2"/>
+              <a:buChar char=""/>
+            </a:pPr>
+            <a:r>
+              <a:rPr lang="en-US" sz="2200">
+                <a:solidFill>
+                  <a:srgbClr val="d45500"/>
+                </a:solidFill>
+                <a:latin typeface="Gill Sans"/>
+              </a:rPr>
+              <a:t>IPC-based Synchronization</a:t>
+            </a:r>
+            <a:endParaRPr/>
+          </a:p>
+          <a:p>
+            <a:pPr lvl="4">
+              <a:lnSpc>
+                <a:spcPct val="133000"/>
+              </a:lnSpc>
+              <a:buSzPct val="45000"/>
+              <a:buFont typeface="Wingdings" charset="2"/>
+              <a:buChar char=""/>
+            </a:pPr>
+            <a:r>
+              <a:rPr lang="en-US">
+                <a:solidFill>
+                  <a:srgbClr val="000000"/>
+                </a:solidFill>
+                <a:latin typeface="Gill Sans"/>
+              </a:rPr>
+              <a:t>Port used as synchronization variable since</a:t>
+            </a:r>
+            <a:endParaRPr/>
+          </a:p>
+          <a:p>
+            <a:pPr lvl="3">
+              <a:lnSpc>
+                <a:spcPct val="133000"/>
+              </a:lnSpc>
+              <a:buSzPct val="45000"/>
+              <a:buFont typeface="Wingdings" charset="2"/>
+              <a:buChar char=""/>
+            </a:pPr>
+            <a:r>
+              <a:rPr lang="en-US">
+                <a:solidFill>
+                  <a:srgbClr val="000000"/>
+                </a:solidFill>
+                <a:latin typeface="Gill Sans"/>
+              </a:rPr>
+              <a:t>Receive message = wait</a:t>
+            </a:r>
+            <a:endParaRPr/>
+          </a:p>
+          <a:p>
+            <a:pPr lvl="3">
+              <a:lnSpc>
+                <a:spcPct val="133000"/>
+              </a:lnSpc>
+              <a:buSzPct val="45000"/>
+              <a:buFont typeface="Wingdings" charset="2"/>
+              <a:buChar char=""/>
+            </a:pPr>
+            <a:r>
+              <a:rPr lang="en-US">
+                <a:solidFill>
+                  <a:srgbClr val="000000"/>
+                </a:solidFill>
+                <a:latin typeface="Gill Sans"/>
+              </a:rPr>
+              <a:t>Send message = signal</a:t>
+            </a:r>
+            <a:endParaRPr/>
+          </a:p>
+          <a:p>
+            <a:pPr lvl="4">
+              <a:lnSpc>
+                <a:spcPct val="133000"/>
+              </a:lnSpc>
+              <a:buSzPct val="45000"/>
+              <a:buFont typeface="Wingdings" charset="2"/>
+              <a:buChar char=""/>
+            </a:pPr>
+            <a:r>
+              <a:rPr lang="en-US">
+                <a:solidFill>
+                  <a:srgbClr val="000000"/>
+                </a:solidFill>
+                <a:latin typeface="Gill Sans"/>
+              </a:rPr>
+              <a:t>Only works natively for threads within a single task because one receiver task is allowed on a single port</a:t>
+            </a:r>
+            <a:endParaRPr/>
+          </a:p>
+          <a:p>
+            <a:pPr lvl="4">
+              <a:lnSpc>
+                <a:spcPct val="133000"/>
+              </a:lnSpc>
+              <a:buSzPct val="45000"/>
+              <a:buFont typeface="Wingdings" charset="2"/>
+              <a:buChar char=""/>
+            </a:pPr>
+            <a:r>
+              <a:rPr lang="en-US">
+                <a:solidFill>
+                  <a:srgbClr val="000000"/>
+                </a:solidFill>
+                <a:latin typeface="Gill Sans"/>
+              </a:rPr>
+              <a:t>Or via a daemon process that sends/receives messages between tasks</a:t>
+            </a:r>
+            <a:endParaRPr/>
+          </a:p>
+        </p:txBody>
+      </p:sp>
+    </p:spTree>
+  </p:cSld>
+  <p:timing>
+    <p:tnLst>
+      <p:par>
+        <p:cTn id="19" dur="indefinite" restart="never" nodeType="tmRoot">
+          <p:childTnLst>
+            <p:seq>
+              <p:cTn id="20" nodeType="mainSeq"/>
+              <p:prevCondLst>
+                <p:cond delay="0" evt="onPrev">
+                  <p:tgtEl>
+                    <p:sldTgt/>
+                  </p:tgtEl>
+                </p:cond>
+              </p:prevCondLst>
+              <p:nextCondLst>
+                <p:cond delay="0" evt="onNext">
+                  <p:tgtEl>
+                    <p:sldTgt/>
+                  </p:tgtEl>
+                </p:cond>
+              </p:nextCondLst>
+            </p:seq>
+          </p:childTnLst>
+        </p:cTn>
+      </p:par>
+    </p:tnLst>
+  </p:timing>
+</p:sld>
+</file>
+
+<file path=ppt/slides/slide11.xml><?xml version="1.0" encoding="utf-8"?>
+<p:sld xmlns:a="http://schemas.openxmlformats.org/drawingml/2006/main" xmlns:p="http://schemas.openxmlformats.org/presentationml/2006/main" xmlns:r="http://schemas.openxmlformats.org/officeDocument/2006/relationships">
+  <p:cSld>
+    <p:spTree>
+      <p:nvGrpSpPr>
+        <p:cNvPr id="1" name=""/>
+        <p:cNvGrpSpPr/>
+        <p:nvPr/>
+      </p:nvGrpSpPr>
+      <p:grpSpPr>
+        <a:xfrm>
+          <a:off x="0" y="0"/>
+          <a:ext cx="0" cy="0"/>
+          <a:chOff x="0" y="0"/>
+          <a:chExt cx="0" cy="0"/>
+        </a:xfrm>
+      </p:grpSpPr>
+      <p:sp>
+        <p:nvSpPr>
+          <p:cNvPr id="140" name="CustomShape 1"/>
+          <p:cNvSpPr/>
+          <p:nvPr/>
+        </p:nvSpPr>
+        <p:spPr>
+          <a:xfrm>
+            <a:off x="504000" y="301320"/>
+            <a:ext cx="9071280" cy="1261800"/>
+          </a:xfrm>
+          <a:prstGeom prst="rect">
+            <a:avLst/>
+          </a:prstGeom>
+          <a:noFill/>
+          <a:ln>
+            <a:noFill/>
+          </a:ln>
+        </p:spPr>
+        <p:txBody>
+          <a:bodyPr lIns="0" rIns="0" tIns="0" bIns="0" anchor="ctr"/>
+          <a:p>
+            <a:pPr algn="ctr">
+              <a:lnSpc>
+                <a:spcPct val="100000"/>
+              </a:lnSpc>
+            </a:pPr>
+            <a:r>
+              <a:rPr b="1" lang="en-US" sz="4400">
+                <a:latin typeface="Arial"/>
+              </a:rPr>
+              <a:t>UNIX Emulation</a:t>
+            </a:r>
+            <a:endParaRPr/>
+          </a:p>
+        </p:txBody>
+      </p:sp>
+      <p:sp>
+        <p:nvSpPr>
+          <p:cNvPr id="141" name="CustomShape 2"/>
+          <p:cNvSpPr/>
+          <p:nvPr/>
+        </p:nvSpPr>
+        <p:spPr>
+          <a:xfrm>
+            <a:off x="504000" y="1769040"/>
+            <a:ext cx="9071280" cy="4384080"/>
+          </a:xfrm>
+          <a:prstGeom prst="rect">
+            <a:avLst/>
+          </a:prstGeom>
+          <a:noFill/>
+          <a:ln>
+            <a:noFill/>
+          </a:ln>
+        </p:spPr>
+        <p:txBody>
+          <a:bodyPr lIns="0" rIns="0" tIns="0" bIns="0"/>
+          <a:p>
+            <a:r>
+              <a:rPr lang="en-US" sz="2800">
+                <a:latin typeface="Times New Roman"/>
+              </a:rPr>
+              <a:t>Implementation of UNIX emulation on Mach consists of two pieces, the UNIX server and a system call emulation library. When the system starts up, the UNIX server instructs the kernel to catch all system call traps and vector them to addresses inside the emulation library of the UNIX process making the system call. System call made by a UNIX process will result in control passing temporally to the kernel and immediately thereafter passing to its emulation library. At the moment  is given to the emulator_library, all the machine registers have the values they had at the time of trap. This method of bouncing off the kernel back into user space is sometimes trampoline mechanism.</a:t>
+            </a:r>
+            <a:endParaRPr/>
+          </a:p>
+        </p:txBody>
+      </p:sp>
+    </p:spTree>
+  </p:cSld>
+  <p:timing>
+    <p:tnLst>
+      <p:par>
+        <p:cTn id="21" dur="indefinite" restart="never" nodeType="tmRoot">
+          <p:childTnLst>
+            <p:seq>
+              <p:cTn id="22" nodeType="mainSeq"/>
+              <p:prevCondLst>
+                <p:cond delay="0" evt="onPrev">
+                  <p:tgtEl>
+                    <p:sldTgt/>
+                  </p:tgtEl>
+                </p:cond>
+              </p:prevCondLst>
+              <p:nextCondLst>
+                <p:cond delay="0" evt="onNext">
+                  <p:tgtEl>
+                    <p:sldTgt/>
+                  </p:tgtEl>
+                </p:cond>
+              </p:nextCondLst>
+            </p:seq>
+          </p:childTnLst>
+        </p:cTn>
+      </p:par>
+    </p:tnLst>
+  </p:timing>
+</p:sld>
+</file>
+
+<file path=ppt/slides/slide12.xml><?xml version="1.0" encoding="utf-8"?>
+<p:sld xmlns:a="http://schemas.openxmlformats.org/drawingml/2006/main" xmlns:p="http://schemas.openxmlformats.org/presentationml/2006/main" xmlns:r="http://schemas.openxmlformats.org/officeDocument/2006/relationships">
+  <p:cSld>
+    <p:spTree>
+      <p:nvGrpSpPr>
+        <p:cNvPr id="1" name=""/>
+        <p:cNvGrpSpPr/>
+        <p:nvPr/>
+      </p:nvGrpSpPr>
+      <p:grpSpPr>
+        <a:xfrm>
+          <a:off x="0" y="0"/>
+          <a:ext cx="0" cy="0"/>
+          <a:chOff x="0" y="0"/>
+          <a:chExt cx="0" cy="0"/>
+        </a:xfrm>
+      </p:grpSpPr>
+      <p:sp>
+        <p:nvSpPr>
+          <p:cNvPr id="142" name="CustomShape 1"/>
+          <p:cNvSpPr/>
+          <p:nvPr/>
+        </p:nvSpPr>
+        <p:spPr>
+          <a:xfrm>
+            <a:off x="504000" y="301320"/>
+            <a:ext cx="9071280" cy="1261800"/>
+          </a:xfrm>
+          <a:prstGeom prst="rect">
+            <a:avLst/>
+          </a:prstGeom>
+          <a:noFill/>
+          <a:ln>
+            <a:noFill/>
+          </a:ln>
+        </p:spPr>
+        <p:txBody>
+          <a:bodyPr lIns="0" rIns="0" tIns="0" bIns="0" anchor="ctr"/>
+          <a:p>
+            <a:pPr algn="ctr">
+              <a:lnSpc>
+                <a:spcPct val="100000"/>
+              </a:lnSpc>
+            </a:pPr>
+            <a:r>
+              <a:rPr b="1" lang="en-US" sz="4400">
+                <a:latin typeface="Arial"/>
+              </a:rPr>
+              <a:t>UNIX Emulation</a:t>
+            </a:r>
+            <a:endParaRPr/>
+          </a:p>
+        </p:txBody>
+      </p:sp>
+      <p:sp>
+        <p:nvSpPr>
+          <p:cNvPr id="143" name="CustomShape 2"/>
+          <p:cNvSpPr/>
+          <p:nvPr/>
+        </p:nvSpPr>
+        <p:spPr>
+          <a:xfrm>
+            <a:off x="504000" y="1769040"/>
+            <a:ext cx="9071280" cy="4384080"/>
+          </a:xfrm>
+          <a:prstGeom prst="rect">
+            <a:avLst/>
+          </a:prstGeom>
+          <a:noFill/>
+          <a:ln>
+            <a:noFill/>
+          </a:ln>
+        </p:spPr>
+      </p:sp>
+      <p:pic>
+        <p:nvPicPr>
+          <p:cNvPr id="144" name="" descr=""/>
+          <p:cNvPicPr/>
+          <p:nvPr/>
+        </p:nvPicPr>
+        <p:blipFill>
+          <a:blip r:embed="rId1"/>
+          <a:stretch>
+            <a:fillRect/>
+          </a:stretch>
+        </p:blipFill>
+        <p:spPr>
+          <a:xfrm>
+            <a:off x="2880" y="1645920"/>
+            <a:ext cx="10076760" cy="5943240"/>
+          </a:xfrm>
+          <a:prstGeom prst="rect">
+            <a:avLst/>
+          </a:prstGeom>
+          <a:ln>
+            <a:noFill/>
+          </a:ln>
+        </p:spPr>
+      </p:pic>
+    </p:spTree>
+  </p:cSld>
+  <p:timing>
+    <p:tnLst>
+      <p:par>
+        <p:cTn id="23" dur="indefinite" restart="never" nodeType="tmRoot">
+          <p:childTnLst>
+            <p:seq>
+              <p:cTn id="24" nodeType="mainSeq"/>
+              <p:prevCondLst>
+                <p:cond delay="0" evt="onPrev">
+                  <p:tgtEl>
+                    <p:sldTgt/>
+                  </p:tgtEl>
+                </p:cond>
+              </p:prevCondLst>
+              <p:nextCondLst>
+                <p:cond delay="0" evt="onNext">
+                  <p:tgtEl>
+                    <p:sldTgt/>
+                  </p:tgtEl>
+                </p:cond>
+              </p:nextCondLst>
+            </p:seq>
+          </p:childTnLst>
+        </p:cTn>
+      </p:par>
+    </p:tnLst>
+  </p:timing>
+</p:sld>
+</file>
+
+<file path=ppt/slides/slide13.xml><?xml version="1.0" encoding="utf-8"?>
+<p:sld xmlns:a="http://schemas.openxmlformats.org/drawingml/2006/main" xmlns:p="http://schemas.openxmlformats.org/presentationml/2006/main" xmlns:r="http://schemas.openxmlformats.org/officeDocument/2006/relationships">
+  <p:cSld>
+    <p:spTree>
+      <p:nvGrpSpPr>
+        <p:cNvPr id="1" name=""/>
+        <p:cNvGrpSpPr/>
+        <p:nvPr/>
+      </p:nvGrpSpPr>
+      <p:grpSpPr>
+        <a:xfrm>
+          <a:off x="0" y="0"/>
+          <a:ext cx="0" cy="0"/>
+          <a:chOff x="0" y="0"/>
+          <a:chExt cx="0" cy="0"/>
+        </a:xfrm>
+      </p:grpSpPr>
+      <p:sp>
+        <p:nvSpPr>
+          <p:cNvPr id="145" name="CustomShape 1"/>
+          <p:cNvSpPr/>
+          <p:nvPr/>
+        </p:nvSpPr>
+        <p:spPr>
+          <a:xfrm>
+            <a:off x="504000" y="301320"/>
+            <a:ext cx="9071280" cy="1261800"/>
+          </a:xfrm>
+          <a:prstGeom prst="rect">
+            <a:avLst/>
+          </a:prstGeom>
+          <a:noFill/>
+          <a:ln>
+            <a:noFill/>
+          </a:ln>
+        </p:spPr>
+      </p:sp>
+      <p:sp>
+        <p:nvSpPr>
+          <p:cNvPr id="146" name="CustomShape 2"/>
+          <p:cNvSpPr/>
+          <p:nvPr/>
+        </p:nvSpPr>
+        <p:spPr>
+          <a:xfrm>
+            <a:off x="504000" y="1769040"/>
+            <a:ext cx="9071280" cy="4384080"/>
+          </a:xfrm>
+          <a:prstGeom prst="rect">
+            <a:avLst/>
+          </a:prstGeom>
+          <a:noFill/>
+          <a:ln>
+            <a:noFill/>
+          </a:ln>
+        </p:spPr>
+        <p:txBody>
+          <a:bodyPr lIns="0" rIns="0" tIns="0" bIns="0"/>
+          <a:p>
+            <a:pPr>
+              <a:lnSpc>
+                <a:spcPct val="100000"/>
+              </a:lnSpc>
+            </a:pPr>
+            <a:endParaRPr/>
+          </a:p>
+          <a:p>
+            <a:pPr>
+              <a:lnSpc>
+                <a:spcPct val="100000"/>
+              </a:lnSpc>
+            </a:pPr>
+            <a:endParaRPr/>
+          </a:p>
+          <a:p>
+            <a:pPr>
+              <a:lnSpc>
+                <a:spcPct val="100000"/>
+              </a:lnSpc>
+            </a:pPr>
+            <a:endParaRPr/>
+          </a:p>
+          <a:p>
+            <a:pPr>
+              <a:lnSpc>
+                <a:spcPct val="100000"/>
+              </a:lnSpc>
+            </a:pPr>
+            <a:endParaRPr/>
+          </a:p>
+        </p:txBody>
+      </p:sp>
+      <p:sp>
+        <p:nvSpPr>
+          <p:cNvPr id="147" name="CustomShape 3"/>
+          <p:cNvSpPr/>
+          <p:nvPr/>
+        </p:nvSpPr>
+        <p:spPr>
+          <a:xfrm>
+            <a:off x="2560320" y="3291840"/>
+            <a:ext cx="5668920" cy="1454040"/>
+          </a:xfrm>
+          <a:prstGeom prst="rect">
+            <a:avLst/>
+          </a:prstGeom>
+          <a:noFill/>
+          <a:ln>
+            <a:noFill/>
+          </a:ln>
+        </p:spPr>
+        <p:txBody>
+          <a:bodyPr lIns="90000" rIns="90000" tIns="45000" bIns="45000"/>
+          <a:p>
+            <a:r>
+              <a:rPr b="1" lang="en-US" sz="9600">
+                <a:latin typeface="Arial"/>
+              </a:rPr>
+              <a:t>Thanks</a:t>
+            </a:r>
+            <a:endParaRPr/>
+          </a:p>
+        </p:txBody>
+      </p:sp>
+    </p:spTree>
+  </p:cSld>
+  <p:timing>
+    <p:tnLst>
+      <p:par>
+        <p:cTn id="25" dur="indefinite" restart="never" nodeType="tmRoot">
+          <p:childTnLst>
+            <p:seq>
+              <p:cTn id="26" nodeType="mainSeq"/>
               <p:prevCondLst>
                 <p:cond delay="0" evt="onPrev">
                   <p:tgtEl>
@@ -1856,26 +5439,33 @@
       </p:grpSpPr>
       <p:sp>
         <p:nvSpPr>
-          <p:cNvPr id="47" name="TextShape 1"/>
-          <p:cNvSpPr txBox="1"/>
+          <p:cNvPr id="119" name="CustomShape 1"/>
+          <p:cNvSpPr/>
           <p:nvPr/>
         </p:nvSpPr>
         <p:spPr>
           <a:xfrm>
             <a:off x="587880" y="302400"/>
-            <a:ext cx="9072000" cy="1260000"/>
-          </a:xfrm>
-          <a:prstGeom prst="rect">
-            <a:avLst/>
-          </a:prstGeom>
+            <a:ext cx="9071640" cy="1259640"/>
+          </a:xfrm>
+          <a:prstGeom prst="rect">
+            <a:avLst/>
+          </a:prstGeom>
+          <a:noFill/>
+          <a:ln>
+            <a:noFill/>
+          </a:ln>
         </p:spPr>
         <p:txBody>
           <a:bodyPr lIns="90000" rIns="90000" tIns="46800" bIns="46800" anchor="ctr"/>
           <a:p>
             <a:pPr algn="ctr">
+              <a:lnSpc>
+                <a:spcPct val="100000"/>
+              </a:lnSpc>
               <a:buSzPct val="45000"/>
               <a:buFont typeface="StarSymbol"/>
-              <a:buChar char=""/>
+              <a:buChar char="l"/>
             </a:pPr>
             <a:r>
               <a:rPr b="1" lang="en-US" sz="4400">
@@ -1901,18 +5491,22 @@
       </p:sp>
       <p:sp>
         <p:nvSpPr>
-          <p:cNvPr id="48" name="TextShape 2"/>
-          <p:cNvSpPr txBox="1"/>
+          <p:cNvPr id="120" name="CustomShape 2"/>
+          <p:cNvSpPr/>
           <p:nvPr/>
         </p:nvSpPr>
         <p:spPr>
           <a:xfrm>
             <a:off x="504000" y="1763280"/>
-            <a:ext cx="9072000" cy="3695760"/>
-          </a:xfrm>
-          <a:prstGeom prst="rect">
-            <a:avLst/>
-          </a:prstGeom>
+            <a:ext cx="9071640" cy="3695400"/>
+          </a:xfrm>
+          <a:prstGeom prst="rect">
+            <a:avLst/>
+          </a:prstGeom>
+          <a:noFill/>
+          <a:ln>
+            <a:noFill/>
+          </a:ln>
         </p:spPr>
         <p:txBody>
           <a:bodyPr lIns="90000" rIns="90000" tIns="46800" bIns="46800"/>
@@ -2101,23 +5695,31 @@
       </p:grpSpPr>
       <p:sp>
         <p:nvSpPr>
-          <p:cNvPr id="49" name="TextShape 1"/>
-          <p:cNvSpPr txBox="1"/>
+          <p:cNvPr id="121" name="CustomShape 1"/>
+          <p:cNvSpPr/>
           <p:nvPr/>
         </p:nvSpPr>
         <p:spPr>
           <a:xfrm>
             <a:off x="504000" y="301320"/>
-            <a:ext cx="9071640" cy="1262160"/>
-          </a:xfrm>
-          <a:prstGeom prst="rect">
-            <a:avLst/>
-          </a:prstGeom>
+            <a:ext cx="9071280" cy="1261800"/>
+          </a:xfrm>
+          <a:prstGeom prst="rect">
+            <a:avLst/>
+          </a:prstGeom>
+          <a:noFill/>
+          <a:ln>
+            <a:noFill/>
+          </a:ln>
         </p:spPr>
         <p:txBody>
           <a:bodyPr lIns="0" rIns="0" tIns="0" bIns="0" anchor="ctr"/>
           <a:p>
-            <a:pPr algn="ctr"/>
+            <a:pPr algn="ctr">
+              <a:lnSpc>
+                <a:spcPct val="100000"/>
+              </a:lnSpc>
+            </a:pPr>
             <a:r>
               <a:rPr b="1" lang="en-US" sz="4400">
                 <a:latin typeface="Arial"/>
@@ -2130,29 +5732,27 @@
       </p:sp>
       <p:sp>
         <p:nvSpPr>
-          <p:cNvPr id="50" name="TextShape 2"/>
-          <p:cNvSpPr txBox="1"/>
+          <p:cNvPr id="122" name="CustomShape 2"/>
+          <p:cNvSpPr/>
           <p:nvPr/>
         </p:nvSpPr>
         <p:spPr>
           <a:xfrm>
             <a:off x="504000" y="1769040"/>
-            <a:ext cx="9071640" cy="4384440"/>
-          </a:xfrm>
-          <a:prstGeom prst="rect">
-            <a:avLst/>
-          </a:prstGeom>
-        </p:spPr>
-        <p:txBody>
-          <a:bodyPr lIns="0" rIns="0" tIns="0" bIns="0"/>
-          <a:p>
-            <a:endParaRPr/>
-          </a:p>
-        </p:txBody>
+            <a:ext cx="9071280" cy="4384080"/>
+          </a:xfrm>
+          <a:prstGeom prst="rect">
+            <a:avLst/>
+          </a:prstGeom>
+          <a:noFill/>
+          <a:ln>
+            <a:noFill/>
+          </a:ln>
+        </p:spPr>
       </p:sp>
       <p:pic>
         <p:nvPicPr>
-          <p:cNvPr id="51" name="" descr=""/>
+          <p:cNvPr id="123" name="" descr=""/>
           <p:cNvPicPr/>
           <p:nvPr/>
         </p:nvPicPr>
@@ -2165,7 +5765,7 @@
         <p:spPr>
           <a:xfrm>
             <a:off x="548640" y="1644120"/>
-            <a:ext cx="9141120" cy="5915880"/>
+            <a:ext cx="9140760" cy="5915520"/>
           </a:xfrm>
           <a:prstGeom prst="rect">
             <a:avLst/>
@@ -2226,23 +5826,31 @@
       </p:grpSpPr>
       <p:sp>
         <p:nvSpPr>
-          <p:cNvPr id="52" name="TextShape 1"/>
-          <p:cNvSpPr txBox="1"/>
+          <p:cNvPr id="124" name="CustomShape 1"/>
+          <p:cNvSpPr/>
           <p:nvPr/>
         </p:nvSpPr>
         <p:spPr>
           <a:xfrm>
             <a:off x="504000" y="301320"/>
-            <a:ext cx="9071640" cy="1262160"/>
-          </a:xfrm>
-          <a:prstGeom prst="rect">
-            <a:avLst/>
-          </a:prstGeom>
+            <a:ext cx="9071280" cy="1261800"/>
+          </a:xfrm>
+          <a:prstGeom prst="rect">
+            <a:avLst/>
+          </a:prstGeom>
+          <a:noFill/>
+          <a:ln>
+            <a:noFill/>
+          </a:ln>
         </p:spPr>
         <p:txBody>
           <a:bodyPr lIns="0" rIns="0" tIns="0" bIns="0" anchor="ctr"/>
           <a:p>
-            <a:pPr algn="ctr"/>
+            <a:pPr algn="ctr">
+              <a:lnSpc>
+                <a:spcPct val="100000"/>
+              </a:lnSpc>
+            </a:pPr>
             <a:r>
               <a:rPr b="1" lang="en-US" sz="4400">
                 <a:latin typeface="Arial"/>
@@ -2255,26 +5863,33 @@
       </p:sp>
       <p:sp>
         <p:nvSpPr>
-          <p:cNvPr id="53" name="TextShape 2"/>
-          <p:cNvSpPr txBox="1"/>
+          <p:cNvPr id="125" name="CustomShape 2"/>
+          <p:cNvSpPr/>
           <p:nvPr/>
         </p:nvSpPr>
         <p:spPr>
           <a:xfrm>
             <a:off x="438120" y="2651760"/>
-            <a:ext cx="9071640" cy="4384440"/>
-          </a:xfrm>
-          <a:prstGeom prst="rect">
-            <a:avLst/>
-          </a:prstGeom>
+            <a:ext cx="9071280" cy="4384080"/>
+          </a:xfrm>
+          <a:prstGeom prst="rect">
+            <a:avLst/>
+          </a:prstGeom>
+          <a:noFill/>
+          <a:ln>
+            <a:noFill/>
+          </a:ln>
         </p:spPr>
         <p:txBody>
           <a:bodyPr lIns="0" rIns="0" tIns="0" bIns="0"/>
           <a:p>
             <a:pPr>
+              <a:lnSpc>
+                <a:spcPct val="100000"/>
+              </a:lnSpc>
               <a:buSzPct val="45000"/>
               <a:buFont typeface="StarSymbol"/>
-              <a:buChar char=""/>
+              <a:buChar char="l"/>
             </a:pPr>
             <a:r>
               <a:rPr lang="en-US" sz="3200">
@@ -2286,9 +5901,12 @@
           </a:p>
           <a:p>
             <a:pPr>
+              <a:lnSpc>
+                <a:spcPct val="100000"/>
+              </a:lnSpc>
               <a:buSzPct val="45000"/>
               <a:buFont typeface="StarSymbol"/>
-              <a:buChar char=""/>
+              <a:buChar char="l"/>
             </a:pPr>
             <a:r>
               <a:rPr lang="en-US" sz="3200">
@@ -2300,9 +5918,12 @@
           </a:p>
           <a:p>
             <a:pPr>
+              <a:lnSpc>
+                <a:spcPct val="100000"/>
+              </a:lnSpc>
               <a:buSzPct val="45000"/>
               <a:buFont typeface="StarSymbol"/>
-              <a:buChar char=""/>
+              <a:buChar char="l"/>
             </a:pPr>
             <a:r>
               <a:rPr lang="en-US" sz="3200">
@@ -2314,9 +5935,12 @@
           </a:p>
           <a:p>
             <a:pPr>
+              <a:lnSpc>
+                <a:spcPct val="100000"/>
+              </a:lnSpc>
               <a:buSzPct val="45000"/>
               <a:buFont typeface="StarSymbol"/>
-              <a:buChar char=""/>
+              <a:buChar char="l"/>
             </a:pPr>
             <a:r>
               <a:rPr lang="en-US" sz="3200">
@@ -2328,9 +5952,12 @@
           </a:p>
           <a:p>
             <a:pPr>
+              <a:lnSpc>
+                <a:spcPct val="100000"/>
+              </a:lnSpc>
               <a:buSzPct val="45000"/>
               <a:buFont typeface="StarSymbol"/>
-              <a:buChar char=""/>
+              <a:buChar char="l"/>
             </a:pPr>
             <a:r>
               <a:rPr lang="en-US" sz="3200">
@@ -2393,23 +6020,31 @@
       </p:grpSpPr>
       <p:sp>
         <p:nvSpPr>
-          <p:cNvPr id="54" name="TextShape 1"/>
-          <p:cNvSpPr txBox="1"/>
+          <p:cNvPr id="126" name="CustomShape 1"/>
+          <p:cNvSpPr/>
           <p:nvPr/>
         </p:nvSpPr>
         <p:spPr>
           <a:xfrm>
             <a:off x="504000" y="301320"/>
-            <a:ext cx="9071640" cy="1262160"/>
-          </a:xfrm>
-          <a:prstGeom prst="rect">
-            <a:avLst/>
-          </a:prstGeom>
+            <a:ext cx="9071280" cy="1261800"/>
+          </a:xfrm>
+          <a:prstGeom prst="rect">
+            <a:avLst/>
+          </a:prstGeom>
+          <a:noFill/>
+          <a:ln>
+            <a:noFill/>
+          </a:ln>
         </p:spPr>
         <p:txBody>
           <a:bodyPr lIns="0" rIns="0" tIns="0" bIns="0" anchor="ctr"/>
           <a:p>
-            <a:pPr algn="ctr"/>
+            <a:pPr algn="ctr">
+              <a:lnSpc>
+                <a:spcPct val="100000"/>
+              </a:lnSpc>
+            </a:pPr>
             <a:r>
               <a:rPr b="1" lang="en-US" sz="4400">
                 <a:latin typeface="Arial"/>
@@ -2422,26 +6057,33 @@
       </p:sp>
       <p:sp>
         <p:nvSpPr>
-          <p:cNvPr id="55" name="TextShape 2"/>
-          <p:cNvSpPr txBox="1"/>
+          <p:cNvPr id="127" name="CustomShape 2"/>
+          <p:cNvSpPr/>
           <p:nvPr/>
         </p:nvSpPr>
         <p:spPr>
           <a:xfrm>
             <a:off x="504000" y="1769040"/>
-            <a:ext cx="9071640" cy="4384440"/>
-          </a:xfrm>
-          <a:prstGeom prst="rect">
-            <a:avLst/>
-          </a:prstGeom>
+            <a:ext cx="9071280" cy="4384080"/>
+          </a:xfrm>
+          <a:prstGeom prst="rect">
+            <a:avLst/>
+          </a:prstGeom>
+          <a:noFill/>
+          <a:ln>
+            <a:noFill/>
+          </a:ln>
         </p:spPr>
         <p:txBody>
           <a:bodyPr lIns="0" rIns="0" tIns="0" bIns="0"/>
           <a:p>
             <a:pPr>
+              <a:lnSpc>
+                <a:spcPct val="100000"/>
+              </a:lnSpc>
               <a:buSzPct val="45000"/>
               <a:buFont typeface="StarSymbol"/>
-              <a:buChar char=""/>
+              <a:buChar char="l"/>
             </a:pPr>
             <a:r>
               <a:rPr lang="en-US" sz="3200">
@@ -2453,9 +6095,12 @@
           </a:p>
           <a:p>
             <a:pPr>
+              <a:lnSpc>
+                <a:spcPct val="100000"/>
+              </a:lnSpc>
               <a:buSzPct val="45000"/>
               <a:buFont typeface="StarSymbol"/>
-              <a:buChar char=""/>
+              <a:buChar char="l"/>
             </a:pPr>
             <a:r>
               <a:rPr lang="en-US" sz="3200">
@@ -2467,9 +6112,12 @@
           </a:p>
           <a:p>
             <a:pPr>
+              <a:lnSpc>
+                <a:spcPct val="100000"/>
+              </a:lnSpc>
               <a:buSzPct val="45000"/>
               <a:buFont typeface="StarSymbol"/>
-              <a:buChar char=""/>
+              <a:buChar char="l"/>
             </a:pPr>
             <a:r>
               <a:rPr lang="en-US" sz="3200">
@@ -2481,9 +6129,12 @@
           </a:p>
           <a:p>
             <a:pPr>
+              <a:lnSpc>
+                <a:spcPct val="100000"/>
+              </a:lnSpc>
               <a:buSzPct val="45000"/>
               <a:buFont typeface="StarSymbol"/>
-              <a:buChar char=""/>
+              <a:buChar char="l"/>
             </a:pPr>
             <a:r>
               <a:rPr lang="en-US" sz="3200">
@@ -2495,9 +6146,12 @@
           </a:p>
           <a:p>
             <a:pPr>
+              <a:lnSpc>
+                <a:spcPct val="100000"/>
+              </a:lnSpc>
               <a:buSzPct val="45000"/>
               <a:buFont typeface="StarSymbol"/>
-              <a:buChar char=""/>
+              <a:buChar char="l"/>
             </a:pPr>
             <a:r>
               <a:rPr lang="en-US" sz="3200">
@@ -2560,56 +6214,264 @@
       </p:grpSpPr>
       <p:sp>
         <p:nvSpPr>
-          <p:cNvPr id="56" name="TextShape 1"/>
-          <p:cNvSpPr txBox="1"/>
+          <p:cNvPr id="128" name="CustomShape 1"/>
+          <p:cNvSpPr/>
           <p:nvPr/>
         </p:nvSpPr>
         <p:spPr>
           <a:xfrm>
-            <a:off x="504000" y="301320"/>
-            <a:ext cx="9071640" cy="1262160"/>
-          </a:xfrm>
-          <a:prstGeom prst="rect">
-            <a:avLst/>
-          </a:prstGeom>
+            <a:off x="456480" y="1904040"/>
+            <a:ext cx="8231760" cy="6520320"/>
+          </a:xfrm>
+          <a:prstGeom prst="rect">
+            <a:avLst/>
+          </a:prstGeom>
+          <a:noFill/>
+          <a:ln>
+            <a:noFill/>
+          </a:ln>
+        </p:spPr>
+        <p:txBody>
+          <a:bodyPr lIns="81720" rIns="81720" tIns="42480" bIns="42480"/>
+          <a:p>
+            <a:pPr>
+              <a:lnSpc>
+                <a:spcPct val="133000"/>
+              </a:lnSpc>
+              <a:buSzPct val="45000"/>
+              <a:buFont typeface="Wingdings" charset="2"/>
+              <a:buChar char=""/>
+            </a:pPr>
+            <a:r>
+              <a:rPr lang="en-US" sz="2200">
+                <a:latin typeface="Arial"/>
+              </a:rPr>
+              <a:t>Universal communications mechanism between all objects in the system</a:t>
+            </a:r>
+            <a:endParaRPr/>
+          </a:p>
+          <a:p>
+            <a:pPr>
+              <a:lnSpc>
+                <a:spcPct val="133000"/>
+              </a:lnSpc>
+              <a:buSzPct val="45000"/>
+              <a:buFont typeface="Wingdings" charset="2"/>
+              <a:buChar char=""/>
+            </a:pPr>
+            <a:r>
+              <a:rPr lang="en-US" sz="2200">
+                <a:latin typeface="Arial"/>
+              </a:rPr>
+              <a:t>Location-independence, automatic addressing</a:t>
+            </a:r>
+            <a:endParaRPr/>
+          </a:p>
+          <a:p>
+            <a:pPr>
+              <a:lnSpc>
+                <a:spcPct val="133000"/>
+              </a:lnSpc>
+              <a:buSzPct val="45000"/>
+              <a:buFont typeface="Wingdings" charset="2"/>
+              <a:buChar char=""/>
+            </a:pPr>
+            <a:r>
+              <a:rPr lang="en-US" sz="2200">
+                <a:latin typeface="Arial"/>
+              </a:rPr>
+              <a:t>Isolation between objects because all messages pass through the kernel</a:t>
+            </a:r>
+            <a:endParaRPr/>
+          </a:p>
+          <a:p>
+            <a:pPr>
+              <a:lnSpc>
+                <a:spcPct val="133000"/>
+              </a:lnSpc>
+              <a:buSzPct val="45000"/>
+              <a:buFont typeface="Wingdings" charset="2"/>
+              <a:buChar char=""/>
+            </a:pPr>
+            <a:r>
+              <a:rPr lang="en-US" sz="2200">
+                <a:latin typeface="Arial"/>
+              </a:rPr>
+              <a:t>Secured communications via port rights</a:t>
+            </a:r>
+            <a:endParaRPr/>
+          </a:p>
+          <a:p>
+            <a:pPr lvl="1">
+              <a:lnSpc>
+                <a:spcPct val="133000"/>
+              </a:lnSpc>
+              <a:buSzPct val="45000"/>
+              <a:buFont typeface="Symbol" charset="2"/>
+              <a:buChar char=""/>
+            </a:pPr>
+            <a:r>
+              <a:rPr lang="en-US">
+                <a:solidFill>
+                  <a:srgbClr val="000000"/>
+                </a:solidFill>
+                <a:latin typeface="Gill Sans"/>
+              </a:rPr>
+              <a:t>A capability to communicate on a particular port (many senders, 1 receiver)‏</a:t>
+            </a:r>
+            <a:endParaRPr/>
+          </a:p>
+          <a:p>
+            <a:pPr lvl="1">
+              <a:lnSpc>
+                <a:spcPct val="133000"/>
+              </a:lnSpc>
+              <a:buSzPct val="45000"/>
+              <a:buFont typeface="Symbol" charset="2"/>
+              <a:buChar char=""/>
+            </a:pPr>
+            <a:r>
+              <a:rPr lang="en-US">
+                <a:solidFill>
+                  <a:srgbClr val="000000"/>
+                </a:solidFill>
+                <a:latin typeface="Gill Sans"/>
+              </a:rPr>
+              <a:t>A transferable right</a:t>
+            </a:r>
+            <a:endParaRPr/>
+          </a:p>
+          <a:p>
+            <a:pPr lvl="1">
+              <a:lnSpc>
+                <a:spcPct val="133000"/>
+              </a:lnSpc>
+              <a:buSzPct val="45000"/>
+              <a:buFont typeface="Symbol" charset="2"/>
+              <a:buChar char=""/>
+            </a:pPr>
+            <a:r>
+              <a:rPr lang="en-US">
+                <a:solidFill>
+                  <a:srgbClr val="000000"/>
+                </a:solidFill>
+                <a:latin typeface="Gill Sans"/>
+              </a:rPr>
+              <a:t>Rights must be transferred via IPC so the kernel can track the transfer</a:t>
+            </a:r>
+            <a:endParaRPr/>
+          </a:p>
+          <a:p>
+            <a:pPr lvl="1">
+              <a:lnSpc>
+                <a:spcPct val="104000"/>
+              </a:lnSpc>
+            </a:pPr>
+            <a:endParaRPr/>
+          </a:p>
+          <a:p>
+            <a:pPr/>
+            <a:endParaRPr/>
+          </a:p>
+        </p:txBody>
+      </p:sp>
+      <p:sp>
+        <p:nvSpPr>
+          <p:cNvPr id="129" name="CustomShape 2"/>
+          <p:cNvSpPr/>
+          <p:nvPr/>
+        </p:nvSpPr>
+        <p:spPr>
+          <a:xfrm>
+            <a:off x="1440" y="-26280"/>
+            <a:ext cx="10078560" cy="1629000"/>
+          </a:xfrm>
+          <a:prstGeom prst="rect">
+            <a:avLst/>
+          </a:prstGeom>
+          <a:noFill/>
+          <a:ln>
+            <a:noFill/>
+          </a:ln>
         </p:spPr>
         <p:txBody>
           <a:bodyPr lIns="0" rIns="0" tIns="0" bIns="0" anchor="ctr"/>
           <a:p>
-            <a:pPr algn="ctr"/>
-            <a:r>
-              <a:rPr b="1" lang="en-US" sz="4400">
+            <a:pPr>
+              <a:lnSpc>
+                <a:spcPct val="133000"/>
+              </a:lnSpc>
+              <a:buSzPct val="45000"/>
+              <a:buFont typeface="StarSymbol"/>
+              <a:buChar char=""/>
+            </a:pPr>
+            <a:r>
+              <a:rPr b="1" lang="en-US" sz="4000">
+                <a:solidFill>
+                  <a:srgbClr val="d45500"/>
+                </a:solidFill>
                 <a:latin typeface="Arial"/>
               </a:rPr>
-              <a:t>UNIX Emulation</a:t>
-            </a:r>
-            <a:endParaRPr/>
-          </a:p>
-        </p:txBody>
-      </p:sp>
-      <p:sp>
-        <p:nvSpPr>
-          <p:cNvPr id="57" name="TextShape 2"/>
-          <p:cNvSpPr txBox="1"/>
+              <a:t>  </a:t>
+            </a:r>
+            <a:r>
+              <a:rPr b="1" lang="en-US" sz="4000">
+                <a:solidFill>
+                  <a:srgbClr val="d45500"/>
+                </a:solidFill>
+                <a:latin typeface="Arial"/>
+              </a:rPr>
+              <a:t>Interprocess Communication</a:t>
+            </a:r>
+            <a:endParaRPr/>
+          </a:p>
+        </p:txBody>
+      </p:sp>
+      <p:sp>
+        <p:nvSpPr>
+          <p:cNvPr id="130" name="CustomShape 3"/>
+          <p:cNvSpPr/>
           <p:nvPr/>
         </p:nvSpPr>
         <p:spPr>
           <a:xfrm>
-            <a:off x="504000" y="1769040"/>
-            <a:ext cx="9071640" cy="4384440"/>
-          </a:xfrm>
-          <a:prstGeom prst="rect">
-            <a:avLst/>
-          </a:prstGeom>
-        </p:spPr>
-        <p:txBody>
-          <a:bodyPr lIns="0" rIns="0" tIns="0" bIns="0"/>
-          <a:p>
-            <a:r>
-              <a:rPr lang="en-US" sz="2800">
-                <a:latin typeface="Times New Roman"/>
-              </a:rPr>
-              <a:t>Implementation of UNIX emulation on Mach consists of two pieces, the UNIX server and a system call emulation library. When the system starts up, the UNIX server instructs the kernel to catch all system call traps and vector them to addresses inside the emulation library of the UNIX process making the system call. System call made by a UNIX process will result in control passing temporally to the kernel and immediately thereafter passing to its emulation library. At the moment  is given to the emulator_library, all the machine registers have the values they had at the time of trap. This method of bouncing off the kernel back into user space is sometimes trampoline mechanism.</a:t>
+            <a:off x="0" y="1217880"/>
+            <a:ext cx="10080000" cy="1010880"/>
+          </a:xfrm>
+          <a:prstGeom prst="rect">
+            <a:avLst/>
+          </a:prstGeom>
+          <a:noFill/>
+          <a:ln>
+            <a:noFill/>
+          </a:ln>
+        </p:spPr>
+        <p:txBody>
+          <a:bodyPr lIns="82800" rIns="82800" tIns="41400" bIns="41400"/>
+          <a:p>
+            <a:pPr algn="ctr">
+              <a:buSzPct val="45000"/>
+              <a:buFont typeface="StarSymbol"/>
+              <a:buChar char=""/>
+            </a:pPr>
+            <a:r>
+              <a:rPr lang="en-US" sz="1990">
+                <a:solidFill>
+                  <a:srgbClr val="d45500"/>
+                </a:solidFill>
+                <a:latin typeface="Arial"/>
+              </a:rPr>
+              <a:t>Mach’s overriding principle is to be a “simple, extensible kernel, concentrating on communications facilities.”</a:t>
+            </a:r>
+            <a:r>
+              <a:rPr b="1" lang="en-US" sz="1990">
+                <a:solidFill>
+                  <a:srgbClr val="d45500"/>
+                </a:solidFill>
+                <a:latin typeface="Arial"/>
+              </a:rPr>
+              <a:t>
+</a:t>
             </a:r>
             <a:endParaRPr/>
           </a:p>
@@ -2666,80 +6528,347 @@
       </p:grpSpPr>
       <p:sp>
         <p:nvSpPr>
-          <p:cNvPr id="58" name="TextShape 1"/>
-          <p:cNvSpPr txBox="1"/>
+          <p:cNvPr id="131" name="CustomShape 1"/>
+          <p:cNvSpPr/>
           <p:nvPr/>
         </p:nvSpPr>
         <p:spPr>
           <a:xfrm>
-            <a:off x="504000" y="301320"/>
-            <a:ext cx="9071640" cy="1262160"/>
-          </a:xfrm>
-          <a:prstGeom prst="rect">
-            <a:avLst/>
-          </a:prstGeom>
-        </p:spPr>
-        <p:txBody>
-          <a:bodyPr lIns="0" rIns="0" tIns="0" bIns="0" anchor="ctr"/>
-          <a:p>
-            <a:pPr algn="ctr"/>
-            <a:r>
-              <a:rPr b="1" lang="en-US" sz="4400">
-                <a:latin typeface="Arial"/>
-              </a:rPr>
-              <a:t>UNIX Emulation</a:t>
-            </a:r>
-            <a:endParaRPr/>
-          </a:p>
-        </p:txBody>
-      </p:sp>
-      <p:sp>
-        <p:nvSpPr>
-          <p:cNvPr id="59" name="TextShape 2"/>
-          <p:cNvSpPr txBox="1"/>
-          <p:nvPr/>
-        </p:nvSpPr>
-        <p:spPr>
-          <a:xfrm>
-            <a:off x="504000" y="1769040"/>
-            <a:ext cx="9071640" cy="4384440"/>
-          </a:xfrm>
-          <a:prstGeom prst="rect">
-            <a:avLst/>
-          </a:prstGeom>
-        </p:spPr>
-        <p:txBody>
-          <a:bodyPr lIns="0" rIns="0" tIns="0" bIns="0"/>
-          <a:p>
-            <a:endParaRPr/>
-          </a:p>
-        </p:txBody>
-      </p:sp>
-      <p:pic>
-        <p:nvPicPr>
-          <p:cNvPr id="60" name="" descr=""/>
-          <p:cNvPicPr/>
-          <p:nvPr/>
-        </p:nvPicPr>
-        <p:blipFill>
-          <a:blip r:embed="rId1"/>
-          <a:stretch>
-            <a:fillRect/>
-          </a:stretch>
-        </p:blipFill>
-        <p:spPr>
-          <a:xfrm>
-            <a:off x="2880" y="1645920"/>
-            <a:ext cx="10077120" cy="5943600"/>
-          </a:xfrm>
-          <a:prstGeom prst="rect">
-            <a:avLst/>
-          </a:prstGeom>
+            <a:off x="-360" y="-360"/>
+            <a:ext cx="10078560" cy="2055960"/>
+          </a:xfrm>
+          <a:prstGeom prst="rect">
+            <a:avLst/>
+          </a:prstGeom>
+          <a:noFill/>
           <a:ln>
             <a:noFill/>
           </a:ln>
         </p:spPr>
-      </p:pic>
+        <p:txBody>
+          <a:bodyPr lIns="0" rIns="0" tIns="0" bIns="0" anchor="ctr"/>
+          <a:p>
+            <a:pPr>
+              <a:lnSpc>
+                <a:spcPct val="133000"/>
+              </a:lnSpc>
+              <a:buSzPct val="45000"/>
+              <a:buFont typeface="StarSymbol"/>
+              <a:buChar char=""/>
+            </a:pPr>
+            <a:r>
+              <a:rPr b="1" lang="en-US" sz="4000">
+                <a:solidFill>
+                  <a:srgbClr val="d45500"/>
+                </a:solidFill>
+                <a:latin typeface="Arial"/>
+              </a:rPr>
+              <a:t>  </a:t>
+            </a:r>
+            <a:r>
+              <a:rPr b="1" lang="en-US" sz="4000">
+                <a:solidFill>
+                  <a:srgbClr val="d45500"/>
+                </a:solidFill>
+                <a:latin typeface="Arial"/>
+              </a:rPr>
+              <a:t>Interprocess Communication: </a:t>
+            </a:r>
+            <a:r>
+              <a:rPr b="1" lang="en-US" sz="4000">
+                <a:solidFill>
+                  <a:srgbClr val="d45500"/>
+                </a:solidFill>
+                <a:latin typeface="Arial"/>
+              </a:rPr>
+              <a:t>
+</a:t>
+            </a:r>
+            <a:r>
+              <a:rPr b="1" lang="en-US" sz="4000">
+                <a:solidFill>
+                  <a:srgbClr val="d45500"/>
+                </a:solidFill>
+                <a:latin typeface="Arial"/>
+              </a:rPr>
+              <a:t>  </a:t>
+            </a:r>
+            <a:r>
+              <a:rPr b="1" lang="en-US" sz="2400">
+                <a:solidFill>
+                  <a:srgbClr val="d45500"/>
+                </a:solidFill>
+                <a:latin typeface="Arial"/>
+              </a:rPr>
+              <a:t>Ports and Port Sets</a:t>
+            </a:r>
+            <a:endParaRPr/>
+          </a:p>
+        </p:txBody>
+      </p:sp>
+      <p:sp>
+        <p:nvSpPr>
+          <p:cNvPr id="132" name="CustomShape 2"/>
+          <p:cNvSpPr/>
+          <p:nvPr/>
+        </p:nvSpPr>
+        <p:spPr>
+          <a:xfrm>
+            <a:off x="228960" y="1828440"/>
+            <a:ext cx="7945200" cy="5514120"/>
+          </a:xfrm>
+          <a:prstGeom prst="rect">
+            <a:avLst/>
+          </a:prstGeom>
+          <a:noFill/>
+          <a:ln>
+            <a:noFill/>
+          </a:ln>
+        </p:spPr>
+        <p:txBody>
+          <a:bodyPr lIns="81720" rIns="81720" tIns="40680" bIns="40680"/>
+          <a:p>
+            <a:pPr lvl="1">
+              <a:lnSpc>
+                <a:spcPct val="120000"/>
+              </a:lnSpc>
+              <a:buSzPct val="45000"/>
+              <a:buFont typeface="Wingdings" charset="2"/>
+              <a:buChar char=""/>
+            </a:pPr>
+            <a:r>
+              <a:rPr lang="en-US" sz="2200">
+                <a:solidFill>
+                  <a:srgbClr val="d45500"/>
+                </a:solidFill>
+                <a:latin typeface="Gill Sans"/>
+              </a:rPr>
+              <a:t>Ports</a:t>
+            </a:r>
+            <a:endParaRPr/>
+          </a:p>
+          <a:p>
+            <a:pPr lvl="2">
+              <a:lnSpc>
+                <a:spcPct val="120000"/>
+              </a:lnSpc>
+              <a:buSzPct val="45000"/>
+              <a:buFont typeface="Wingdings" charset="2"/>
+              <a:buChar char=""/>
+            </a:pPr>
+            <a:r>
+              <a:rPr lang="en-US">
+                <a:solidFill>
+                  <a:srgbClr val="000000"/>
+                </a:solidFill>
+                <a:latin typeface="Gill Sans"/>
+              </a:rPr>
+              <a:t>Implemented as a protected bounded queue in the kernel</a:t>
+            </a:r>
+            <a:endParaRPr/>
+          </a:p>
+          <a:p>
+            <a:pPr lvl="3">
+              <a:lnSpc>
+                <a:spcPct val="120000"/>
+              </a:lnSpc>
+              <a:buSzPct val="45000"/>
+              <a:buFont typeface="Wingdings" charset="2"/>
+              <a:buChar char=""/>
+            </a:pPr>
+            <a:r>
+              <a:rPr lang="en-US">
+                <a:solidFill>
+                  <a:srgbClr val="000000"/>
+                </a:solidFill>
+                <a:latin typeface="Gill Sans"/>
+              </a:rPr>
+              <a:t>Has a unique global name</a:t>
+            </a:r>
+            <a:endParaRPr/>
+          </a:p>
+          <a:p>
+            <a:pPr lvl="3">
+              <a:lnSpc>
+                <a:spcPct val="120000"/>
+              </a:lnSpc>
+              <a:buSzPct val="45000"/>
+              <a:buFont typeface="Wingdings" charset="2"/>
+              <a:buChar char=""/>
+            </a:pPr>
+            <a:r>
+              <a:rPr lang="en-US">
+                <a:solidFill>
+                  <a:srgbClr val="000000"/>
+                </a:solidFill>
+                <a:latin typeface="Gill Sans"/>
+              </a:rPr>
+              <a:t>System Calls</a:t>
+            </a:r>
+            <a:endParaRPr/>
+          </a:p>
+          <a:p>
+            <a:pPr lvl="4">
+              <a:lnSpc>
+                <a:spcPct val="120000"/>
+              </a:lnSpc>
+              <a:buSzPct val="45000"/>
+              <a:buFont typeface="Wingdings" charset="2"/>
+              <a:buChar char=""/>
+            </a:pPr>
+            <a:r>
+              <a:rPr lang="en-US" sz="1600">
+                <a:solidFill>
+                  <a:srgbClr val="000000"/>
+                </a:solidFill>
+                <a:latin typeface="Gill Sans"/>
+              </a:rPr>
+              <a:t>Allocate a new port in task, give the task all access rights</a:t>
+            </a:r>
+            <a:endParaRPr/>
+          </a:p>
+          <a:p>
+            <a:pPr lvl="4">
+              <a:lnSpc>
+                <a:spcPct val="120000"/>
+              </a:lnSpc>
+              <a:buSzPct val="45000"/>
+              <a:buFont typeface="Wingdings" charset="2"/>
+              <a:buChar char=""/>
+            </a:pPr>
+            <a:r>
+              <a:rPr lang="en-US" sz="1600">
+                <a:solidFill>
+                  <a:srgbClr val="000000"/>
+                </a:solidFill>
+                <a:latin typeface="Gill Sans"/>
+              </a:rPr>
+              <a:t>Deallocate task’s access rights to a port</a:t>
+            </a:r>
+            <a:endParaRPr/>
+          </a:p>
+          <a:p>
+            <a:pPr lvl="4">
+              <a:lnSpc>
+                <a:spcPct val="120000"/>
+              </a:lnSpc>
+              <a:buSzPct val="45000"/>
+              <a:buFont typeface="Wingdings" charset="2"/>
+              <a:buChar char=""/>
+            </a:pPr>
+            <a:r>
+              <a:rPr lang="en-US" sz="1600">
+                <a:solidFill>
+                  <a:srgbClr val="000000"/>
+                </a:solidFill>
+                <a:latin typeface="Gill Sans"/>
+              </a:rPr>
+              <a:t>Get port status</a:t>
+            </a:r>
+            <a:endParaRPr/>
+          </a:p>
+          <a:p>
+            <a:pPr lvl="4">
+              <a:lnSpc>
+                <a:spcPct val="120000"/>
+              </a:lnSpc>
+              <a:buSzPct val="45000"/>
+              <a:buFont typeface="Wingdings" charset="2"/>
+              <a:buChar char=""/>
+            </a:pPr>
+            <a:r>
+              <a:rPr lang="en-US" sz="1600">
+                <a:solidFill>
+                  <a:srgbClr val="000000"/>
+                </a:solidFill>
+                <a:latin typeface="Gill Sans"/>
+              </a:rPr>
+              <a:t>Create backup port to inherit the receive right when the existing port is deallocated</a:t>
+            </a:r>
+            <a:endParaRPr/>
+          </a:p>
+          <a:p>
+            <a:pPr lvl="1">
+              <a:lnSpc>
+                <a:spcPct val="120000"/>
+              </a:lnSpc>
+              <a:buSzPct val="45000"/>
+              <a:buFont typeface="Wingdings" charset="2"/>
+              <a:buChar char=""/>
+            </a:pPr>
+            <a:r>
+              <a:rPr lang="en-US" sz="2200">
+                <a:solidFill>
+                  <a:srgbClr val="d45500"/>
+                </a:solidFill>
+                <a:latin typeface="Gill Sans"/>
+              </a:rPr>
+              <a:t>Port Sets</a:t>
+            </a:r>
+            <a:endParaRPr/>
+          </a:p>
+          <a:p>
+            <a:pPr lvl="2">
+              <a:lnSpc>
+                <a:spcPct val="120000"/>
+              </a:lnSpc>
+              <a:buSzPct val="45000"/>
+              <a:buFont typeface="Wingdings" charset="2"/>
+              <a:buChar char=""/>
+            </a:pPr>
+            <a:r>
+              <a:rPr lang="en-US" sz="1600">
+                <a:solidFill>
+                  <a:srgbClr val="000000"/>
+                </a:solidFill>
+                <a:latin typeface="Gill Sans"/>
+              </a:rPr>
+              <a:t>A grouping of ports in the same task</a:t>
+            </a:r>
+            <a:endParaRPr/>
+          </a:p>
+          <a:p>
+            <a:pPr lvl="2">
+              <a:lnSpc>
+                <a:spcPct val="120000"/>
+              </a:lnSpc>
+              <a:buSzPct val="45000"/>
+              <a:buFont typeface="Wingdings" charset="2"/>
+              <a:buChar char=""/>
+            </a:pPr>
+            <a:r>
+              <a:rPr lang="en-US" sz="1600">
+                <a:solidFill>
+                  <a:srgbClr val="000000"/>
+                </a:solidFill>
+                <a:latin typeface="Gill Sans"/>
+              </a:rPr>
+              <a:t>Used for using a single thread as an incoming queue processor (e.g. Unix select or poll system calls)‏</a:t>
+            </a:r>
+            <a:endParaRPr/>
+          </a:p>
+          <a:p>
+            <a:pPr lvl="2">
+              <a:lnSpc>
+                <a:spcPct val="120000"/>
+              </a:lnSpc>
+              <a:buSzPct val="45000"/>
+              <a:buFont typeface="Wingdings" charset="2"/>
+              <a:buChar char=""/>
+            </a:pPr>
+            <a:r>
+              <a:rPr lang="en-US" sz="1600">
+                <a:solidFill>
+                  <a:srgbClr val="000000"/>
+                </a:solidFill>
+                <a:latin typeface="Gill Sans"/>
+              </a:rPr>
+              <a:t>A port may be a member of one set at a time</a:t>
+            </a:r>
+            <a:endParaRPr/>
+          </a:p>
+        </p:txBody>
+      </p:sp>
     </p:spTree>
   </p:cSld>
   <p:timing>
@@ -2791,96 +6920,265 @@
       </p:grpSpPr>
       <p:sp>
         <p:nvSpPr>
-          <p:cNvPr id="61" name="TextShape 1"/>
-          <p:cNvSpPr txBox="1"/>
+          <p:cNvPr id="133" name="CustomShape 1"/>
+          <p:cNvSpPr/>
           <p:nvPr/>
         </p:nvSpPr>
         <p:spPr>
           <a:xfrm>
-            <a:off x="504000" y="301320"/>
-            <a:ext cx="9071640" cy="1262160"/>
-          </a:xfrm>
-          <a:prstGeom prst="rect">
-            <a:avLst/>
-          </a:prstGeom>
+            <a:off x="-360" y="-360"/>
+            <a:ext cx="10078560" cy="2055960"/>
+          </a:xfrm>
+          <a:prstGeom prst="rect">
+            <a:avLst/>
+          </a:prstGeom>
+          <a:noFill/>
+          <a:ln>
+            <a:noFill/>
+          </a:ln>
         </p:spPr>
         <p:txBody>
           <a:bodyPr lIns="0" rIns="0" tIns="0" bIns="0" anchor="ctr"/>
           <a:p>
-            <a:pPr algn="ctr"/>
-            <a:endParaRPr/>
-          </a:p>
-        </p:txBody>
-      </p:sp>
-      <p:sp>
-        <p:nvSpPr>
-          <p:cNvPr id="62" name="TextShape 2"/>
-          <p:cNvSpPr txBox="1"/>
-          <p:nvPr/>
-        </p:nvSpPr>
-        <p:spPr>
-          <a:xfrm>
-            <a:off x="504000" y="1769040"/>
-            <a:ext cx="9071640" cy="4384440"/>
-          </a:xfrm>
-          <a:prstGeom prst="rect">
-            <a:avLst/>
-          </a:prstGeom>
-        </p:spPr>
-        <p:txBody>
-          <a:bodyPr lIns="0" rIns="0" tIns="0" bIns="0"/>
-          <a:p>
             <a:pPr>
+              <a:lnSpc>
+                <a:spcPct val="133000"/>
+              </a:lnSpc>
               <a:buSzPct val="45000"/>
               <a:buFont typeface="StarSymbol"/>
               <a:buChar char=""/>
             </a:pPr>
-            <a:endParaRPr/>
-          </a:p>
-          <a:p>
-            <a:endParaRPr/>
-          </a:p>
+            <a:r>
+              <a:rPr b="1" lang="en-US" sz="4000">
+                <a:solidFill>
+                  <a:srgbClr val="d45500"/>
+                </a:solidFill>
+                <a:latin typeface="Arial"/>
+              </a:rPr>
+              <a:t>  </a:t>
+            </a:r>
+            <a:r>
+              <a:rPr b="1" lang="en-US" sz="4000">
+                <a:solidFill>
+                  <a:srgbClr val="d45500"/>
+                </a:solidFill>
+                <a:latin typeface="Arial"/>
+              </a:rPr>
+              <a:t>Interprocess Communication: </a:t>
+            </a:r>
+            <a:r>
+              <a:rPr b="1" lang="en-US" sz="4000">
+                <a:solidFill>
+                  <a:srgbClr val="d45500"/>
+                </a:solidFill>
+                <a:latin typeface="Arial"/>
+              </a:rPr>
+              <a:t>
+</a:t>
+            </a:r>
+            <a:r>
+              <a:rPr b="1" lang="en-US" sz="4000">
+                <a:solidFill>
+                  <a:srgbClr val="d45500"/>
+                </a:solidFill>
+                <a:latin typeface="Arial"/>
+              </a:rPr>
+              <a:t>  </a:t>
+            </a:r>
+            <a:r>
+              <a:rPr b="1" lang="en-US" sz="2400">
+                <a:solidFill>
+                  <a:srgbClr val="d45500"/>
+                </a:solidFill>
+                <a:latin typeface="Arial"/>
+              </a:rPr>
+              <a:t>Messages</a:t>
+            </a:r>
+            <a:endParaRPr/>
+          </a:p>
+        </p:txBody>
+      </p:sp>
+      <p:sp>
+        <p:nvSpPr>
+          <p:cNvPr id="134" name="CustomShape 2"/>
+          <p:cNvSpPr/>
+          <p:nvPr/>
+        </p:nvSpPr>
+        <p:spPr>
+          <a:xfrm>
+            <a:off x="456840" y="1980720"/>
+            <a:ext cx="8231760" cy="4651560"/>
+          </a:xfrm>
+          <a:prstGeom prst="rect">
+            <a:avLst/>
+          </a:prstGeom>
+          <a:noFill/>
+          <a:ln>
+            <a:noFill/>
+          </a:ln>
+        </p:spPr>
+        <p:txBody>
+          <a:bodyPr lIns="81720" rIns="81720" tIns="42480" bIns="42480"/>
           <a:p>
             <a:pPr>
+              <a:lnSpc>
+                <a:spcPct val="133000"/>
+              </a:lnSpc>
               <a:buSzPct val="45000"/>
-              <a:buFont typeface="StarSymbol"/>
+              <a:buFont typeface="Wingdings" charset="2"/>
               <a:buChar char=""/>
             </a:pPr>
-            <a:endParaRPr/>
-          </a:p>
-          <a:p>
-            <a:endParaRPr/>
-          </a:p>
-        </p:txBody>
-      </p:sp>
-      <p:sp>
-        <p:nvSpPr>
-          <p:cNvPr id="63" name="TextShape 3"/>
-          <p:cNvSpPr txBox="1"/>
+            <a:r>
+              <a:rPr lang="en-US" sz="1990">
+                <a:latin typeface="Arial"/>
+              </a:rPr>
+              <a:t>Header + one or more typed data objects</a:t>
+            </a:r>
+            <a:endParaRPr/>
+          </a:p>
+          <a:p>
+            <a:pPr>
+              <a:lnSpc>
+                <a:spcPct val="133000"/>
+              </a:lnSpc>
+              <a:buSzPct val="45000"/>
+              <a:buFont typeface="Wingdings" charset="2"/>
+              <a:buChar char=""/>
+            </a:pPr>
+            <a:r>
+              <a:rPr lang="en-US" sz="1990">
+                <a:latin typeface="Arial"/>
+              </a:rPr>
+              <a:t>Header contains destination port name, reply port name, message length </a:t>
+            </a:r>
+            <a:endParaRPr/>
+          </a:p>
+          <a:p>
+            <a:pPr>
+              <a:lnSpc>
+                <a:spcPct val="133000"/>
+              </a:lnSpc>
+              <a:buSzPct val="45000"/>
+              <a:buFont typeface="Wingdings" charset="2"/>
+              <a:buChar char=""/>
+            </a:pPr>
+            <a:r>
+              <a:rPr lang="en-US" sz="1990">
+                <a:latin typeface="Arial"/>
+              </a:rPr>
+              <a:t>In-line message data contains simple types, port rights</a:t>
+            </a:r>
+            <a:endParaRPr/>
+          </a:p>
+          <a:p>
+            <a:pPr>
+              <a:lnSpc>
+                <a:spcPct val="133000"/>
+              </a:lnSpc>
+              <a:buSzPct val="45000"/>
+              <a:buFont typeface="Wingdings" charset="2"/>
+              <a:buChar char=""/>
+            </a:pPr>
+            <a:r>
+              <a:rPr lang="en-US" sz="1990">
+                <a:latin typeface="Arial"/>
+              </a:rPr>
+              <a:t>Out-of-line data: pointers</a:t>
+            </a:r>
+            <a:endParaRPr/>
+          </a:p>
+          <a:p>
+            <a:pPr lvl="1">
+              <a:lnSpc>
+                <a:spcPct val="133000"/>
+              </a:lnSpc>
+              <a:buSzPct val="45000"/>
+              <a:buFont typeface="Wingdings" charset="2"/>
+              <a:buChar char=""/>
+            </a:pPr>
+            <a:r>
+              <a:rPr lang="en-US">
+                <a:solidFill>
+                  <a:srgbClr val="000000"/>
+                </a:solidFill>
+                <a:latin typeface="Gill Sans"/>
+              </a:rPr>
+              <a:t>Via virtual-memory management</a:t>
+            </a:r>
+            <a:endParaRPr/>
+          </a:p>
+          <a:p>
+            <a:pPr lvl="1">
+              <a:lnSpc>
+                <a:spcPct val="133000"/>
+              </a:lnSpc>
+              <a:buSzPct val="45000"/>
+              <a:buFont typeface="Wingdings" charset="2"/>
+              <a:buChar char=""/>
+            </a:pPr>
+            <a:r>
+              <a:rPr lang="en-US">
+                <a:solidFill>
+                  <a:srgbClr val="000000"/>
+                </a:solidFill>
+                <a:latin typeface="Gill Sans"/>
+              </a:rPr>
+              <a:t>Uses copy-on-write</a:t>
+            </a:r>
+            <a:endParaRPr/>
+          </a:p>
+          <a:p>
+            <a:pPr>
+              <a:lnSpc>
+                <a:spcPct val="133000"/>
+              </a:lnSpc>
+              <a:buSzPct val="45000"/>
+              <a:buFont typeface="Wingdings" charset="2"/>
+              <a:buChar char=""/>
+            </a:pPr>
+            <a:r>
+              <a:rPr lang="en-US" sz="1990">
+                <a:latin typeface="Arial"/>
+              </a:rPr>
+              <a:t>Sparse virtual memory</a:t>
+            </a:r>
+            <a:endParaRPr/>
+          </a:p>
+          <a:p>
+            <a:pPr lvl="2">
+              <a:lnSpc>
+                <a:spcPct val="97000"/>
+              </a:lnSpc>
+            </a:pPr>
+            <a:endParaRPr/>
+          </a:p>
+        </p:txBody>
+      </p:sp>
+      <p:pic>
+        <p:nvPicPr>
+          <p:cNvPr id="135" name="" descr=""/>
+          <p:cNvPicPr/>
           <p:nvPr/>
-        </p:nvSpPr>
-        <p:spPr>
-          <a:xfrm>
-            <a:off x="2560320" y="3291840"/>
-            <a:ext cx="5669280" cy="1454400"/>
-          </a:xfrm>
-          <a:prstGeom prst="rect">
-            <a:avLst/>
-          </a:prstGeom>
-        </p:spPr>
-        <p:txBody>
-          <a:bodyPr lIns="90000" rIns="90000" tIns="45000" bIns="45000"/>
-          <a:p>
-            <a:r>
-              <a:rPr b="1" lang="en-US" sz="9600">
-                <a:latin typeface="Arial"/>
-              </a:rPr>
-              <a:t>Thanks</a:t>
-            </a:r>
-            <a:endParaRPr/>
-          </a:p>
-        </p:txBody>
-      </p:sp>
+        </p:nvPicPr>
+        <p:blipFill>
+          <a:blip r:embed="rId1"/>
+          <a:stretch>
+            <a:fillRect/>
+          </a:stretch>
+        </p:blipFill>
+        <p:spPr>
+          <a:xfrm>
+            <a:off x="5669280" y="3931920"/>
+            <a:ext cx="3912840" cy="3353040"/>
+          </a:xfrm>
+          <a:prstGeom prst="rect">
+            <a:avLst/>
+          </a:prstGeom>
+          <a:ln>
+            <a:noFill/>
+          </a:ln>
+        </p:spPr>
+      </p:pic>
     </p:spTree>
   </p:cSld>
   <p:timing>
@@ -2890,6 +7188,326 @@
           <p:childTnLst>
             <p:seq>
               <p:cTn id="16" nodeType="mainSeq"/>
+              <p:prevCondLst>
+                <p:cond delay="0" evt="onPrev">
+                  <p:tgtEl>
+                    <p:sldTgt/>
+                  </p:tgtEl>
+                </p:cond>
+              </p:prevCondLst>
+              <p:nextCondLst>
+                <p:cond delay="0" evt="onNext">
+                  <p:tgtEl>
+                    <p:sldTgt/>
+                  </p:tgtEl>
+                </p:cond>
+              </p:nextCondLst>
+            </p:seq>
+          </p:childTnLst>
+        </p:cTn>
+      </p:par>
+    </p:tnLst>
+  </p:timing>
+</p:sld>
+</file>
+
+<file path=ppt/slides/slide9.xml><?xml version="1.0" encoding="utf-8"?>
+<p:sld xmlns:a="http://schemas.openxmlformats.org/drawingml/2006/main" xmlns:p="http://schemas.openxmlformats.org/presentationml/2006/main" xmlns:r="http://schemas.openxmlformats.org/officeDocument/2006/relationships">
+  <p:cSld>
+    <p:spTree>
+      <p:nvGrpSpPr>
+        <p:cNvPr id="1" name=""/>
+        <p:cNvGrpSpPr/>
+        <p:nvPr/>
+      </p:nvGrpSpPr>
+      <p:grpSpPr>
+        <a:xfrm>
+          <a:off x="0" y="0"/>
+          <a:ext cx="0" cy="0"/>
+          <a:chOff x="0" y="0"/>
+          <a:chExt cx="0" cy="0"/>
+        </a:xfrm>
+      </p:grpSpPr>
+      <p:sp>
+        <p:nvSpPr>
+          <p:cNvPr id="136" name="CustomShape 1"/>
+          <p:cNvSpPr/>
+          <p:nvPr/>
+        </p:nvSpPr>
+        <p:spPr>
+          <a:xfrm>
+            <a:off x="456480" y="2437560"/>
+            <a:ext cx="9147240" cy="4387320"/>
+          </a:xfrm>
+          <a:prstGeom prst="rect">
+            <a:avLst/>
+          </a:prstGeom>
+          <a:noFill/>
+          <a:ln>
+            <a:noFill/>
+          </a:ln>
+        </p:spPr>
+        <p:txBody>
+          <a:bodyPr lIns="81720" rIns="81720" tIns="42480" bIns="42480"/>
+          <a:p>
+            <a:pPr>
+              <a:lnSpc>
+                <a:spcPct val="133000"/>
+              </a:lnSpc>
+              <a:buSzPct val="45000"/>
+              <a:buFont typeface="Wingdings" charset="2"/>
+              <a:buChar char=""/>
+            </a:pPr>
+            <a:r>
+              <a:rPr lang="en-US" sz="2200">
+                <a:solidFill>
+                  <a:srgbClr val="d45500"/>
+                </a:solidFill>
+                <a:latin typeface="Arial"/>
+              </a:rPr>
+              <a:t>NetMsgServer</a:t>
+            </a:r>
+            <a:endParaRPr/>
+          </a:p>
+          <a:p>
+            <a:pPr lvl="1">
+              <a:lnSpc>
+                <a:spcPct val="133000"/>
+              </a:lnSpc>
+              <a:buSzPct val="45000"/>
+              <a:buFont typeface="Symbol" charset="2"/>
+              <a:buChar char=""/>
+            </a:pPr>
+            <a:r>
+              <a:rPr lang="en-US">
+                <a:solidFill>
+                  <a:srgbClr val="000000"/>
+                </a:solidFill>
+                <a:latin typeface="Gill Sans"/>
+              </a:rPr>
+              <a:t>User-level daemon that forwards messages between hosts</a:t>
+            </a:r>
+            <a:endParaRPr/>
+          </a:p>
+          <a:p>
+            <a:pPr lvl="1">
+              <a:lnSpc>
+                <a:spcPct val="133000"/>
+              </a:lnSpc>
+              <a:buSzPct val="45000"/>
+              <a:buFont typeface="Symbol" charset="2"/>
+              <a:buChar char=""/>
+            </a:pPr>
+            <a:r>
+              <a:rPr lang="en-US">
+                <a:solidFill>
+                  <a:srgbClr val="000000"/>
+                </a:solidFill>
+                <a:latin typeface="Gill Sans"/>
+              </a:rPr>
+              <a:t>Used when receiver port is not on the kernel’s computer</a:t>
+            </a:r>
+            <a:endParaRPr/>
+          </a:p>
+          <a:p>
+            <a:pPr lvl="1">
+              <a:lnSpc>
+                <a:spcPct val="133000"/>
+              </a:lnSpc>
+              <a:buSzPct val="45000"/>
+              <a:buFont typeface="Symbol" charset="2"/>
+              <a:buChar char=""/>
+            </a:pPr>
+            <a:r>
+              <a:rPr lang="en-US">
+                <a:solidFill>
+                  <a:srgbClr val="000000"/>
+                </a:solidFill>
+                <a:latin typeface="Gill Sans"/>
+              </a:rPr>
+              <a:t>Provides primitive network-wide name service</a:t>
+            </a:r>
+            <a:endParaRPr/>
+          </a:p>
+          <a:p>
+            <a:pPr lvl="1">
+              <a:lnSpc>
+                <a:spcPct val="133000"/>
+              </a:lnSpc>
+              <a:buSzPct val="45000"/>
+              <a:buFont typeface="Symbol" charset="2"/>
+              <a:buChar char=""/>
+            </a:pPr>
+            <a:r>
+              <a:rPr lang="en-US">
+                <a:solidFill>
+                  <a:srgbClr val="000000"/>
+                </a:solidFill>
+                <a:latin typeface="Gill Sans"/>
+              </a:rPr>
+              <a:t>Network protocol independent interface allows many implementations</a:t>
+            </a:r>
+            <a:endParaRPr/>
+          </a:p>
+          <a:p>
+            <a:pPr>
+              <a:lnSpc>
+                <a:spcPct val="133000"/>
+              </a:lnSpc>
+              <a:buSzPct val="45000"/>
+              <a:buFont typeface="Wingdings" charset="2"/>
+              <a:buChar char=""/>
+            </a:pPr>
+            <a:r>
+              <a:rPr lang="en-US" sz="2200">
+                <a:solidFill>
+                  <a:srgbClr val="d45500"/>
+                </a:solidFill>
+                <a:latin typeface="Arial"/>
+              </a:rPr>
+              <a:t>Mach 3.0 IPC for NORMA multiprocessor systems</a:t>
+            </a:r>
+            <a:endParaRPr/>
+          </a:p>
+          <a:p>
+            <a:pPr lvl="1">
+              <a:lnSpc>
+                <a:spcPct val="133000"/>
+              </a:lnSpc>
+              <a:buSzPct val="45000"/>
+              <a:buFont typeface="Symbol" charset="2"/>
+              <a:buChar char=""/>
+            </a:pPr>
+            <a:r>
+              <a:rPr lang="en-US">
+                <a:solidFill>
+                  <a:srgbClr val="000000"/>
+                </a:solidFill>
+                <a:latin typeface="Gill Sans"/>
+              </a:rPr>
+              <a:t>Directly in the kernel rather than in user space</a:t>
+            </a:r>
+            <a:endParaRPr/>
+          </a:p>
+          <a:p>
+            <a:pPr lvl="1">
+              <a:lnSpc>
+                <a:spcPct val="133000"/>
+              </a:lnSpc>
+              <a:buSzPct val="45000"/>
+              <a:buFont typeface="Symbol" charset="2"/>
+              <a:buChar char=""/>
+            </a:pPr>
+            <a:r>
+              <a:rPr lang="en-US">
+                <a:solidFill>
+                  <a:srgbClr val="000000"/>
+                </a:solidFill>
+                <a:latin typeface="Gill Sans"/>
+              </a:rPr>
+              <a:t>Supports the formation of one single system across smaller systems</a:t>
+            </a:r>
+            <a:endParaRPr/>
+          </a:p>
+          <a:p>
+            <a:pPr lvl="2">
+              <a:lnSpc>
+                <a:spcPct val="133000"/>
+              </a:lnSpc>
+            </a:pPr>
+            <a:endParaRPr/>
+          </a:p>
+        </p:txBody>
+      </p:sp>
+      <p:sp>
+        <p:nvSpPr>
+          <p:cNvPr id="137" name="CustomShape 2"/>
+          <p:cNvSpPr/>
+          <p:nvPr/>
+        </p:nvSpPr>
+        <p:spPr>
+          <a:xfrm>
+            <a:off x="1440" y="1440"/>
+            <a:ext cx="10078560" cy="2056320"/>
+          </a:xfrm>
+          <a:prstGeom prst="rect">
+            <a:avLst/>
+          </a:prstGeom>
+          <a:noFill/>
+          <a:ln>
+            <a:noFill/>
+          </a:ln>
+        </p:spPr>
+        <p:txBody>
+          <a:bodyPr lIns="0" rIns="0" tIns="0" bIns="0" anchor="ctr"/>
+          <a:p>
+            <a:pPr>
+              <a:lnSpc>
+                <a:spcPct val="133000"/>
+              </a:lnSpc>
+              <a:buSzPct val="45000"/>
+              <a:buFont typeface="StarSymbol"/>
+              <a:buChar char=""/>
+            </a:pPr>
+            <a:r>
+              <a:rPr b="1" lang="en-US" sz="4000">
+                <a:solidFill>
+                  <a:srgbClr val="d45500"/>
+                </a:solidFill>
+                <a:latin typeface="Arial"/>
+              </a:rPr>
+              <a:t>  </a:t>
+            </a:r>
+            <a:r>
+              <a:rPr b="1" lang="en-US" sz="4000">
+                <a:solidFill>
+                  <a:srgbClr val="d45500"/>
+                </a:solidFill>
+                <a:latin typeface="Arial"/>
+              </a:rPr>
+              <a:t>Interprocess Communication: </a:t>
+            </a:r>
+            <a:r>
+              <a:rPr b="1" lang="en-US" sz="4000">
+                <a:solidFill>
+                  <a:srgbClr val="d45500"/>
+                </a:solidFill>
+                <a:latin typeface="Arial"/>
+              </a:rPr>
+              <a:t>
+</a:t>
+            </a:r>
+            <a:r>
+              <a:rPr b="1" lang="en-US" sz="4000">
+                <a:solidFill>
+                  <a:srgbClr val="d45500"/>
+                </a:solidFill>
+                <a:latin typeface="Arial"/>
+              </a:rPr>
+              <a:t>  </a:t>
+            </a:r>
+            <a:r>
+              <a:rPr b="1" lang="en-US" sz="2400">
+                <a:solidFill>
+                  <a:srgbClr val="d45500"/>
+                </a:solidFill>
+                <a:latin typeface="Arial"/>
+              </a:rPr>
+              <a:t>Location Independence and Transparency</a:t>
+            </a:r>
+            <a:endParaRPr/>
+          </a:p>
+        </p:txBody>
+      </p:sp>
+    </p:spTree>
+  </p:cSld>
+  <p:timing>
+    <p:tnLst>
+      <p:par>
+        <p:cTn id="17" dur="indefinite" restart="never" nodeType="tmRoot">
+          <p:childTnLst>
+            <p:seq>
+              <p:cTn id="18" nodeType="mainSeq"/>
               <p:prevCondLst>
                 <p:cond delay="0" evt="onPrev">
                   <p:tgtEl>
@@ -3357,4 +7975,450 @@
     </a:fmtScheme>
   </a:themeElements>
 </a:theme>
+</file>
+
+<file path=ppt/theme/theme3.xml><?xml version="1.0" encoding="utf-8"?>
+<a:theme xmlns:a="http://schemas.openxmlformats.org/drawingml/2006/main" name="Office Theme">
+  <a:themeElements>
+    <a:clrScheme name="Office">
+      <a:dk1>
+        <a:sysClr val="windowText" lastClr="000000"/>
+      </a:dk1>
+      <a:lt1>
+        <a:sysClr val="window" lastClr="FFFFFF"/>
+      </a:lt1>
+      <a:dk2>
+        <a:srgbClr val="1F497D"/>
+      </a:dk2>
+      <a:lt2>
+        <a:srgbClr val="EEECE1"/>
+      </a:lt2>
+      <a:accent1>
+        <a:srgbClr val="4F81BD"/>
+      </a:accent1>
+      <a:accent2>
+        <a:srgbClr val="C0504D"/>
+      </a:accent2>
+      <a:accent3>
+        <a:srgbClr val="9BBB59"/>
+      </a:accent3>
+      <a:accent4>
+        <a:srgbClr val="8064A2"/>
+      </a:accent4>
+      <a:accent5>
+        <a:srgbClr val="4BACC6"/>
+      </a:accent5>
+      <a:accent6>
+        <a:srgbClr val="F79646"/>
+      </a:accent6>
+      <a:hlink>
+        <a:srgbClr val="0000FF"/>
+      </a:hlink>
+      <a:folHlink>
+        <a:srgbClr val="800080"/>
+      </a:folHlink>
+    </a:clrScheme>
+    <a:fontScheme name="Office">
+      <a:majorFont>
+        <a:latin typeface="Arial"/>
+        <a:ea typeface="DejaVu Sans"/>
+        <a:cs typeface="DejaVu Sans"/>
+      </a:majorFont>
+      <a:minorFont>
+        <a:latin typeface="Arial"/>
+        <a:ea typeface="DejaVu Sans"/>
+        <a:cs typeface="DejaVu Sans"/>
+      </a:minorFont>
+    </a:fontScheme>
+    <a:fmtScheme name="Office">
+      <a:fillStyleLst>
+        <a:solidFill>
+          <a:schemeClr val="phClr"/>
+        </a:solidFill>
+        <a:gradFill rotWithShape="1">
+          <a:gsLst>
+            <a:gs pos="0">
+              <a:schemeClr val="phClr">
+                <a:tint val="50000"/>
+                <a:satMod val="300000"/>
+              </a:schemeClr>
+            </a:gs>
+            <a:gs pos="35000">
+              <a:schemeClr val="phClr">
+                <a:tint val="37000"/>
+                <a:satMod val="300000"/>
+              </a:schemeClr>
+            </a:gs>
+            <a:gs pos="100000">
+              <a:schemeClr val="phClr">
+                <a:tint val="15000"/>
+                <a:satMod val="350000"/>
+              </a:schemeClr>
+            </a:gs>
+          </a:gsLst>
+          <a:lin ang="16200000" scaled="1"/>
+        </a:gradFill>
+        <a:gradFill rotWithShape="1">
+          <a:gsLst>
+            <a:gs pos="0">
+              <a:schemeClr val="phClr">
+                <a:shade val="51000"/>
+                <a:satMod val="130000"/>
+              </a:schemeClr>
+            </a:gs>
+            <a:gs pos="80000">
+              <a:schemeClr val="phClr">
+                <a:shade val="93000"/>
+                <a:satMod val="130000"/>
+              </a:schemeClr>
+            </a:gs>
+            <a:gs pos="100000">
+              <a:schemeClr val="phClr">
+                <a:shade val="94000"/>
+                <a:satMod val="135000"/>
+              </a:schemeClr>
+            </a:gs>
+          </a:gsLst>
+          <a:lin ang="16200000" scaled="0"/>
+        </a:gradFill>
+      </a:fillStyleLst>
+      <a:lnStyleLst>
+        <a:ln w="9525" cap="flat" cmpd="sng" algn="ctr">
+          <a:solidFill>
+            <a:schemeClr val="phClr">
+              <a:shade val="95000"/>
+              <a:satMod val="105000"/>
+            </a:schemeClr>
+          </a:solidFill>
+          <a:prstDash val="solid"/>
+        </a:ln>
+        <a:ln w="25400" cap="flat" cmpd="sng" algn="ctr">
+          <a:solidFill>
+            <a:schemeClr val="phClr"/>
+          </a:solidFill>
+          <a:prstDash val="solid"/>
+        </a:ln>
+        <a:ln w="38100" cap="flat" cmpd="sng" algn="ctr">
+          <a:solidFill>
+            <a:schemeClr val="phClr"/>
+          </a:solidFill>
+          <a:prstDash val="solid"/>
+        </a:ln>
+      </a:lnStyleLst>
+      <a:effectStyleLst>
+        <a:effectStyle>
+          <a:effectLst>
+            <a:outerShdw blurRad="40000" dist="20000" dir="5400000" rotWithShape="0">
+              <a:srgbClr val="000000">
+                <a:alpha val="38000"/>
+              </a:srgbClr>
+            </a:outerShdw>
+          </a:effectLst>
+        </a:effectStyle>
+        <a:effectStyle>
+          <a:effectLst>
+            <a:outerShdw blurRad="40000" dist="23000" dir="5400000" rotWithShape="0">
+              <a:srgbClr val="000000">
+                <a:alpha val="35000"/>
+              </a:srgbClr>
+            </a:outerShdw>
+          </a:effectLst>
+        </a:effectStyle>
+        <a:effectStyle>
+          <a:effectLst>
+            <a:outerShdw blurRad="40000" dist="23000" dir="5400000" rotWithShape="0">
+              <a:srgbClr val="000000">
+                <a:alpha val="35000"/>
+              </a:srgbClr>
+            </a:outerShdw>
+          </a:effectLst>
+          <a:scene3d>
+            <a:camera prst="orthographicFront">
+              <a:rot lat="0" lon="0" rev="0"/>
+            </a:camera>
+            <a:lightRig rig="threePt" dir="t">
+              <a:rot lat="0" lon="0" rev="1200000"/>
+            </a:lightRig>
+          </a:scene3d>
+          <a:sp3d>
+            <a:bevelT w="63500" h="25400"/>
+          </a:sp3d>
+        </a:effectStyle>
+      </a:effectStyleLst>
+      <a:bgFillStyleLst>
+        <a:solidFill>
+          <a:schemeClr val="phClr"/>
+        </a:solidFill>
+        <a:gradFill rotWithShape="1">
+          <a:gsLst>
+            <a:gs pos="0">
+              <a:schemeClr val="phClr">
+                <a:tint val="40000"/>
+                <a:satMod val="350000"/>
+              </a:schemeClr>
+            </a:gs>
+            <a:gs pos="40000">
+              <a:schemeClr val="phClr">
+                <a:tint val="45000"/>
+                <a:shade val="99000"/>
+                <a:satMod val="350000"/>
+              </a:schemeClr>
+            </a:gs>
+            <a:gs pos="100000">
+              <a:schemeClr val="phClr">
+                <a:shade val="20000"/>
+                <a:satMod val="255000"/>
+              </a:schemeClr>
+            </a:gs>
+          </a:gsLst>
+          <a:path path="circle">
+            <a:fillToRect l="50000" t="-80000" r="50000" b="180000"/>
+          </a:path>
+        </a:gradFill>
+        <a:gradFill rotWithShape="1">
+          <a:gsLst>
+            <a:gs pos="0">
+              <a:schemeClr val="phClr">
+                <a:tint val="80000"/>
+                <a:satMod val="300000"/>
+              </a:schemeClr>
+            </a:gs>
+            <a:gs pos="100000">
+              <a:schemeClr val="phClr">
+                <a:shade val="30000"/>
+                <a:satMod val="200000"/>
+              </a:schemeClr>
+            </a:gs>
+          </a:gsLst>
+          <a:path path="circle">
+            <a:fillToRect l="50000" t="50000" r="50000" b="50000"/>
+          </a:path>
+        </a:gradFill>
+      </a:bgFillStyleLst>
+    </a:fmtScheme>
+  </a:themeElements>
+</a:theme>
+</file>
+
+<file path=ppt/theme/theme4.xml><?xml version="1.0" encoding="utf-8"?>
+<a:theme xmlns:a="http://schemas.openxmlformats.org/drawingml/2006/main" name="Office Theme">
+  <a:themeElements>
+    <a:clrScheme name="Office">
+      <a:dk1>
+        <a:sysClr val="windowText" lastClr="000000"/>
+      </a:dk1>
+      <a:lt1>
+        <a:sysClr val="window" lastClr="FFFFFF"/>
+      </a:lt1>
+      <a:dk2>
+        <a:srgbClr val="1F497D"/>
+      </a:dk2>
+      <a:lt2>
+        <a:srgbClr val="EEECE1"/>
+      </a:lt2>
+      <a:accent1>
+        <a:srgbClr val="4F81BD"/>
+      </a:accent1>
+      <a:accent2>
+        <a:srgbClr val="C0504D"/>
+      </a:accent2>
+      <a:accent3>
+        <a:srgbClr val="9BBB59"/>
+      </a:accent3>
+      <a:accent4>
+        <a:srgbClr val="8064A2"/>
+      </a:accent4>
+      <a:accent5>
+        <a:srgbClr val="4BACC6"/>
+      </a:accent5>
+      <a:accent6>
+        <a:srgbClr val="F79646"/>
+      </a:accent6>
+      <a:hlink>
+        <a:srgbClr val="0000FF"/>
+      </a:hlink>
+      <a:folHlink>
+        <a:srgbClr val="800080"/>
+      </a:folHlink>
+    </a:clrScheme>
+    <a:fontScheme name="Office">
+      <a:majorFont>
+        <a:latin typeface="Arial"/>
+        <a:ea typeface="DejaVu Sans"/>
+        <a:cs typeface="DejaVu Sans"/>
+      </a:majorFont>
+      <a:minorFont>
+        <a:latin typeface="Arial"/>
+        <a:ea typeface="DejaVu Sans"/>
+        <a:cs typeface="DejaVu Sans"/>
+      </a:minorFont>
+    </a:fontScheme>
+    <a:fmtScheme name="Office">
+      <a:fillStyleLst>
+        <a:solidFill>
+          <a:schemeClr val="phClr"/>
+        </a:solidFill>
+        <a:gradFill rotWithShape="1">
+          <a:gsLst>
+            <a:gs pos="0">
+              <a:schemeClr val="phClr">
+                <a:tint val="50000"/>
+                <a:satMod val="300000"/>
+              </a:schemeClr>
+            </a:gs>
+            <a:gs pos="35000">
+              <a:schemeClr val="phClr">
+                <a:tint val="37000"/>
+                <a:satMod val="300000"/>
+              </a:schemeClr>
+            </a:gs>
+            <a:gs pos="100000">
+              <a:schemeClr val="phClr">
+                <a:tint val="15000"/>
+                <a:satMod val="350000"/>
+              </a:schemeClr>
+            </a:gs>
+          </a:gsLst>
+          <a:lin ang="16200000" scaled="1"/>
+        </a:gradFill>
+        <a:gradFill rotWithShape="1">
+          <a:gsLst>
+            <a:gs pos="0">
+              <a:schemeClr val="phClr">
+                <a:shade val="51000"/>
+                <a:satMod val="130000"/>
+              </a:schemeClr>
+            </a:gs>
+            <a:gs pos="80000">
+              <a:schemeClr val="phClr">
+                <a:shade val="93000"/>
+                <a:satMod val="130000"/>
+              </a:schemeClr>
+            </a:gs>
+            <a:gs pos="100000">
+              <a:schemeClr val="phClr">
+                <a:shade val="94000"/>
+                <a:satMod val="135000"/>
+              </a:schemeClr>
+            </a:gs>
+          </a:gsLst>
+          <a:lin ang="16200000" scaled="0"/>
+        </a:gradFill>
+      </a:fillStyleLst>
+      <a:lnStyleLst>
+        <a:ln w="9525" cap="flat" cmpd="sng" algn="ctr">
+          <a:solidFill>
+            <a:schemeClr val="phClr">
+              <a:shade val="95000"/>
+              <a:satMod val="105000"/>
+            </a:schemeClr>
+          </a:solidFill>
+          <a:prstDash val="solid"/>
+        </a:ln>
+        <a:ln w="25400" cap="flat" cmpd="sng" algn="ctr">
+          <a:solidFill>
+            <a:schemeClr val="phClr"/>
+          </a:solidFill>
+          <a:prstDash val="solid"/>
+        </a:ln>
+        <a:ln w="38100" cap="flat" cmpd="sng" algn="ctr">
+          <a:solidFill>
+            <a:schemeClr val="phClr"/>
+          </a:solidFill>
+          <a:prstDash val="solid"/>
+        </a:ln>
+      </a:lnStyleLst>
+      <a:effectStyleLst>
+        <a:effectStyle>
+          <a:effectLst>
+            <a:outerShdw blurRad="40000" dist="20000" dir="5400000" rotWithShape="0">
+              <a:srgbClr val="000000">
+                <a:alpha val="38000"/>
+              </a:srgbClr>
+            </a:outerShdw>
+          </a:effectLst>
+        </a:effectStyle>
+        <a:effectStyle>
+          <a:effectLst>
+            <a:outerShdw blurRad="40000" dist="23000" dir="5400000" rotWithShape="0">
+              <a:srgbClr val="000000">
+                <a:alpha val="35000"/>
+              </a:srgbClr>
+            </a:outerShdw>
+          </a:effectLst>
+        </a:effectStyle>
+        <a:effectStyle>
+          <a:effectLst>
+            <a:outerShdw blurRad="40000" dist="23000" dir="5400000" rotWithShape="0">
+              <a:srgbClr val="000000">
+                <a:alpha val="35000"/>
+              </a:srgbClr>
+            </a:outerShdw>
+          </a:effectLst>
+          <a:scene3d>
+            <a:camera prst="orthographicFront">
+              <a:rot lat="0" lon="0" rev="0"/>
+            </a:camera>
+            <a:lightRig rig="threePt" dir="t">
+              <a:rot lat="0" lon="0" rev="1200000"/>
+            </a:lightRig>
+          </a:scene3d>
+          <a:sp3d>
+            <a:bevelT w="63500" h="25400"/>
+          </a:sp3d>
+        </a:effectStyle>
+      </a:effectStyleLst>
+      <a:bgFillStyleLst>
+        <a:solidFill>
+          <a:schemeClr val="phClr"/>
+        </a:solidFill>
+        <a:gradFill rotWithShape="1">
+          <a:gsLst>
+            <a:gs pos="0">
+              <a:schemeClr val="phClr">
+                <a:tint val="40000"/>
+                <a:satMod val="350000"/>
+              </a:schemeClr>
+            </a:gs>
+            <a:gs pos="40000">
+              <a:schemeClr val="phClr">
+                <a:tint val="45000"/>
+                <a:shade val="99000"/>
+                <a:satMod val="350000"/>
+              </a:schemeClr>
+            </a:gs>
+            <a:gs pos="100000">
+              <a:schemeClr val="phClr">
+                <a:shade val="20000"/>
+                <a:satMod val="255000"/>
+              </a:schemeClr>
+            </a:gs>
+          </a:gsLst>
+          <a:path path="circle">
+            <a:fillToRect l="50000" t="-80000" r="50000" b="180000"/>
+          </a:path>
+        </a:gradFill>
+        <a:gradFill rotWithShape="1">
+          <a:gsLst>
+            <a:gs pos="0">
+              <a:schemeClr val="phClr">
+                <a:tint val="80000"/>
+                <a:satMod val="300000"/>
+              </a:schemeClr>
+            </a:gs>
+            <a:gs pos="100000">
+              <a:schemeClr val="phClr">
+                <a:shade val="30000"/>
+                <a:satMod val="200000"/>
+              </a:schemeClr>
+            </a:gs>
+          </a:gsLst>
+          <a:path path="circle">
+            <a:fillToRect l="50000" t="50000" r="50000" b="50000"/>
+          </a:path>
+        </a:gradFill>
+      </a:bgFillStyleLst>
+    </a:fmtScheme>
+  </a:themeElements>
+</a:theme>
 </file>
--- a/MACH_and_UNIX_emulation_in_MACH.pptx
+++ b/MACH_and_UNIX_emulation_in_MACH.pptx
@@ -198,7 +198,7 @@
           <a:bodyPr lIns="0" rIns="0" tIns="0" bIns="0" anchor="b"/>
           <a:p>
             <a:pPr algn="r"/>
-            <a:fld id="{C1CFE8DE-4B3C-4FE2-8AA1-560CC3193855}" type="slidenum">
+            <a:fld id="{62E8DA14-5AC6-4194-A78E-2FA691F2D431}" type="slidenum">
               <a:rPr lang="en-US" sz="1400">
                 <a:latin typeface="Times New Roman"/>
               </a:rPr>
@@ -4559,7 +4559,7 @@
           <a:bodyPr lIns="0" rIns="0" tIns="0" bIns="0"/>
           <a:p>
             <a:pPr algn="r"/>
-            <a:fld id="{E532A5A2-E782-4E81-BC3A-76A580F1F898}" type="slidenum">
+            <a:fld id="{326E73ED-0879-46FC-BF52-B20F1CFD7925}" type="slidenum">
               <a:rPr lang="en-US" sz="1400">
                 <a:latin typeface="Times New Roman"/>
               </a:rPr>
